--- a/UC1476_Help/workflow.pptx
+++ b/UC1476_Help/workflow.pptx
@@ -104,6 +104,11 @@
       </a:defRPr>
     </a:lvl9pPr>
   </p:defaultTextStyle>
+  <p:extLst>
+    <p:ext uri="{EFAFB233-063F-42B5-8137-9DF3F51BA10A}">
+      <p15:sldGuideLst xmlns:p15="http://schemas.microsoft.com/office/powerpoint/2012/main"/>
+    </p:ext>
+  </p:extLst>
 </p:presentation>
 </file>
 
@@ -991,7 +996,7 @@
 <dgm:dataModel xmlns:dgm="http://schemas.openxmlformats.org/drawingml/2006/diagram" xmlns:a="http://schemas.openxmlformats.org/drawingml/2006/main">
   <dgm:ptLst>
     <dgm:pt modelId="{F3DCAD5A-F45F-4C6F-B940-AC659851C98C}" type="doc">
-      <dgm:prSet loTypeId="urn:microsoft.com/office/officeart/2005/8/layout/chevron2" loCatId="process" qsTypeId="urn:microsoft.com/office/officeart/2005/8/quickstyle/simple1" qsCatId="simple" csTypeId="urn:microsoft.com/office/officeart/2005/8/colors/accent6_5" csCatId="accent6" phldr="1"/>
+      <dgm:prSet loTypeId="urn:microsoft.com/office/officeart/2005/8/layout/process2" loCatId="process" qsTypeId="urn:microsoft.com/office/officeart/2005/8/quickstyle/simple3" qsCatId="simple" csTypeId="urn:microsoft.com/office/officeart/2005/8/colors/accent6_5" csCatId="accent6" phldr="1"/>
       <dgm:spPr/>
       <dgm:t>
         <a:bodyPr/>
@@ -1002,31 +1007,17 @@
       </dgm:t>
     </dgm:pt>
     <dgm:pt modelId="{D2A5F00B-7541-4379-8085-62CCE5822ADD}">
-      <dgm:prSet phldrT="[Text]"/>
+      <dgm:prSet phldrT="[Text]" custT="1"/>
       <dgm:spPr/>
       <dgm:t>
         <a:bodyPr/>
         <a:lstStyle/>
         <a:p>
           <a:r>
-            <a:rPr lang="en-US" dirty="0" smtClean="0">
-              <a:solidFill>
-                <a:schemeClr val="tx1">
-                  <a:lumMod val="95000"/>
-                  <a:lumOff val="5000"/>
-                </a:schemeClr>
-              </a:solidFill>
-            </a:rPr>
+            <a:rPr lang="en-US" sz="900" b="1" dirty="0" smtClean="0"/>
             <a:t>Data Preparation</a:t>
           </a:r>
-          <a:endParaRPr lang="en-US" dirty="0">
-            <a:solidFill>
-              <a:schemeClr val="tx1">
-                <a:lumMod val="95000"/>
-                <a:lumOff val="5000"/>
-              </a:schemeClr>
-            </a:solidFill>
-          </a:endParaRPr>
+          <a:endParaRPr lang="en-US" sz="900" b="1" dirty="0"/>
         </a:p>
       </dgm:t>
     </dgm:pt>
@@ -1048,7 +1039,7 @@
         <a:bodyPr/>
         <a:lstStyle/>
         <a:p>
-          <a:endParaRPr lang="en-US"/>
+          <a:endParaRPr lang="en-US" dirty="0"/>
         </a:p>
       </dgm:t>
     </dgm:pt>
@@ -1060,10 +1051,10 @@
         <a:lstStyle/>
         <a:p>
           <a:r>
-            <a:rPr lang="en-US" sz="1100" dirty="0" smtClean="0"/>
-            <a:t>Download required datasets</a:t>
+            <a:rPr lang="en-US" sz="900" dirty="0" smtClean="0"/>
+            <a:t> Download required datasets</a:t>
           </a:r>
-          <a:endParaRPr lang="en-US" sz="1100" dirty="0"/>
+          <a:endParaRPr lang="en-US" sz="900" dirty="0"/>
         </a:p>
       </dgm:t>
     </dgm:pt>
@@ -1097,10 +1088,30 @@
         <a:lstStyle/>
         <a:p>
           <a:r>
-            <a:rPr lang="en-US" sz="1100" dirty="0" smtClean="0"/>
-            <a:t>Prepare input datasets</a:t>
+            <a:rPr lang="en-US" sz="900" dirty="0" smtClean="0"/>
+            <a:t> Prepare input datasets (Sub-set assets, </a:t>
           </a:r>
-          <a:endParaRPr lang="en-US" sz="1100" dirty="0"/>
+          <a:r>
+            <a:rPr lang="en-US" sz="900" dirty="0" smtClean="0"/>
+            <a:t>LCM, Floodplain, </a:t>
+          </a:r>
+          <a:r>
+            <a:rPr lang="en-US" sz="900" dirty="0" err="1" smtClean="0"/>
+            <a:t>Centreline</a:t>
+          </a:r>
+          <a:r>
+            <a:rPr lang="en-US" sz="900" dirty="0" smtClean="0"/>
+            <a:t>, hydrology </a:t>
+          </a:r>
+          <a:r>
+            <a:rPr lang="en-US" sz="900" dirty="0" err="1" smtClean="0"/>
+            <a:t>rasters</a:t>
+          </a:r>
+          <a:r>
+            <a:rPr lang="en-US" sz="900" dirty="0" smtClean="0"/>
+            <a:t>, geology, DoD)</a:t>
+          </a:r>
+          <a:endParaRPr lang="en-US" sz="900" dirty="0"/>
         </a:p>
       </dgm:t>
     </dgm:pt>
@@ -1127,31 +1138,17 @@
       </dgm:t>
     </dgm:pt>
     <dgm:pt modelId="{290EDCBE-B534-4CA5-90C5-8364239BCE10}">
-      <dgm:prSet phldrT="[Text]"/>
+      <dgm:prSet phldrT="[Text]" custT="1"/>
       <dgm:spPr/>
       <dgm:t>
         <a:bodyPr/>
         <a:lstStyle/>
         <a:p>
           <a:r>
-            <a:rPr lang="en-US" dirty="0" smtClean="0">
-              <a:solidFill>
-                <a:schemeClr val="tx1">
-                  <a:lumMod val="95000"/>
-                  <a:lumOff val="5000"/>
-                </a:schemeClr>
-              </a:solidFill>
-            </a:rPr>
+            <a:rPr lang="en-US" sz="900" b="1" dirty="0" smtClean="0"/>
             <a:t>Create Initial Confinement</a:t>
           </a:r>
-          <a:endParaRPr lang="en-US" dirty="0">
-            <a:solidFill>
-              <a:schemeClr val="tx1">
-                <a:lumMod val="95000"/>
-                <a:lumOff val="5000"/>
-              </a:schemeClr>
-            </a:solidFill>
-          </a:endParaRPr>
+          <a:endParaRPr lang="en-US" sz="900" b="1" dirty="0"/>
         </a:p>
       </dgm:t>
     </dgm:pt>
@@ -1173,7 +1170,7 @@
         <a:bodyPr/>
         <a:lstStyle/>
         <a:p>
-          <a:endParaRPr lang="en-US"/>
+          <a:endParaRPr lang="en-US" dirty="0"/>
         </a:p>
       </dgm:t>
     </dgm:pt>
@@ -1185,10 +1182,10 @@
         <a:lstStyle/>
         <a:p>
           <a:r>
-            <a:rPr lang="en-US" sz="1100" dirty="0" smtClean="0"/>
-            <a:t>Create a Confinement Project</a:t>
+            <a:rPr lang="en-US" sz="900" dirty="0" smtClean="0"/>
+            <a:t> Create a Confinement Project</a:t>
           </a:r>
-          <a:endParaRPr lang="en-US" sz="1100" dirty="0"/>
+          <a:endParaRPr lang="en-US" sz="900" dirty="0"/>
         </a:p>
       </dgm:t>
     </dgm:pt>
@@ -1222,10 +1219,10 @@
         <a:lstStyle/>
         <a:p>
           <a:r>
-            <a:rPr lang="en-US" sz="1100" dirty="0" smtClean="0"/>
-            <a:t>Load Project with datasets</a:t>
+            <a:rPr lang="en-US" sz="900" dirty="0" smtClean="0"/>
+            <a:t> Load Project with datasets</a:t>
           </a:r>
-          <a:endParaRPr lang="en-US" sz="1100" dirty="0"/>
+          <a:endParaRPr lang="en-US" sz="900" dirty="0"/>
         </a:p>
       </dgm:t>
     </dgm:pt>
@@ -1252,42 +1249,21 @@
       </dgm:t>
     </dgm:pt>
     <dgm:pt modelId="{0ABFD958-B094-420D-88FF-FC720517B5FF}">
-      <dgm:prSet phldrT="[Text]"/>
+      <dgm:prSet phldrT="[Text]" custT="1"/>
       <dgm:spPr/>
       <dgm:t>
         <a:bodyPr/>
         <a:lstStyle/>
         <a:p>
           <a:r>
-            <a:rPr lang="en-US" dirty="0" smtClean="0">
-              <a:solidFill>
-                <a:schemeClr val="tx1">
-                  <a:lumMod val="95000"/>
-                  <a:lumOff val="5000"/>
-                </a:schemeClr>
-              </a:solidFill>
-            </a:rPr>
+            <a:rPr lang="en-US" sz="900" b="1" dirty="0" smtClean="0"/>
             <a:t>Create Valley </a:t>
           </a:r>
           <a:r>
-            <a:rPr lang="en-US" dirty="0" err="1" smtClean="0">
-              <a:solidFill>
-                <a:schemeClr val="tx1">
-                  <a:lumMod val="95000"/>
-                  <a:lumOff val="5000"/>
-                </a:schemeClr>
-              </a:solidFill>
-            </a:rPr>
+            <a:rPr lang="en-US" sz="900" b="1" dirty="0" err="1" smtClean="0"/>
             <a:t>Centreline</a:t>
           </a:r>
-          <a:endParaRPr lang="en-US" dirty="0">
-            <a:solidFill>
-              <a:schemeClr val="tx1">
-                <a:lumMod val="95000"/>
-                <a:lumOff val="5000"/>
-              </a:schemeClr>
-            </a:solidFill>
-          </a:endParaRPr>
+          <a:endParaRPr lang="en-US" sz="900" b="1" dirty="0"/>
         </a:p>
       </dgm:t>
     </dgm:pt>
@@ -1321,10 +1297,10 @@
         <a:lstStyle/>
         <a:p>
           <a:r>
-            <a:rPr lang="en-US" sz="1100" dirty="0" smtClean="0"/>
-            <a:t>Run the GNAT FCT tool</a:t>
+            <a:rPr lang="en-US" sz="900" dirty="0" smtClean="0"/>
+            <a:t> Run the GNAT FCT tool</a:t>
           </a:r>
-          <a:endParaRPr lang="en-US" sz="1100" dirty="0"/>
+          <a:endParaRPr lang="en-US" sz="900" dirty="0"/>
         </a:p>
       </dgm:t>
     </dgm:pt>
@@ -1358,10 +1334,10 @@
         <a:lstStyle/>
         <a:p>
           <a:r>
-            <a:rPr lang="en-US" sz="1100" dirty="0" smtClean="0"/>
-            <a:t>Convert to Network Dataset and extract centerline</a:t>
+            <a:rPr lang="en-US" sz="900" dirty="0" smtClean="0"/>
+            <a:t> Convert to Network Dataset and extract centerline</a:t>
           </a:r>
-          <a:endParaRPr lang="en-US" sz="1100" dirty="0"/>
+          <a:endParaRPr lang="en-US" sz="900" dirty="0"/>
         </a:p>
       </dgm:t>
     </dgm:pt>
@@ -1395,10 +1371,10 @@
         <a:lstStyle/>
         <a:p>
           <a:r>
-            <a:rPr lang="en-US" sz="1100" dirty="0" smtClean="0"/>
-            <a:t>Run the Confining Margins tool</a:t>
+            <a:rPr lang="en-US" sz="900" dirty="0" smtClean="0"/>
+            <a:t> Run the Confining Margins tool</a:t>
           </a:r>
-          <a:endParaRPr lang="en-US" sz="1100" dirty="0"/>
+          <a:endParaRPr lang="en-US" sz="900" dirty="0"/>
         </a:p>
       </dgm:t>
     </dgm:pt>
@@ -1432,10 +1408,10 @@
         <a:lstStyle/>
         <a:p>
           <a:r>
-            <a:rPr lang="en-US" sz="1100" dirty="0" smtClean="0"/>
-            <a:t>Add RID field</a:t>
+            <a:rPr lang="en-US" sz="900" dirty="0" smtClean="0"/>
+            <a:t> Add RID field</a:t>
           </a:r>
-          <a:endParaRPr lang="en-US" sz="1100" dirty="0"/>
+          <a:endParaRPr lang="en-US" sz="900" dirty="0"/>
         </a:p>
       </dgm:t>
     </dgm:pt>
@@ -1462,31 +1438,17 @@
       </dgm:t>
     </dgm:pt>
     <dgm:pt modelId="{16993775-A1B3-4465-9450-559FE64AD127}">
-      <dgm:prSet phldrT="[Text]"/>
+      <dgm:prSet phldrT="[Text]" custT="1"/>
       <dgm:spPr/>
       <dgm:t>
         <a:bodyPr/>
         <a:lstStyle/>
         <a:p>
           <a:r>
-            <a:rPr lang="en-US" dirty="0" smtClean="0">
-              <a:solidFill>
-                <a:schemeClr val="tx1">
-                  <a:lumMod val="95000"/>
-                  <a:lumOff val="5000"/>
-                </a:schemeClr>
-              </a:solidFill>
-            </a:rPr>
-            <a:t>Run GeoData Tools</a:t>
+            <a:rPr lang="en-US" sz="900" b="1" dirty="0" smtClean="0"/>
+            <a:t>Update raw confining state, segment and create valley partitions</a:t>
           </a:r>
-          <a:endParaRPr lang="en-US" dirty="0">
-            <a:solidFill>
-              <a:schemeClr val="tx1">
-                <a:lumMod val="95000"/>
-                <a:lumOff val="5000"/>
-              </a:schemeClr>
-            </a:solidFill>
-          </a:endParaRPr>
+          <a:endParaRPr lang="en-US" sz="900" b="1" dirty="0"/>
         </a:p>
       </dgm:t>
     </dgm:pt>
@@ -1520,14 +1482,14 @@
         <a:lstStyle/>
         <a:p>
           <a:r>
-            <a:rPr lang="en-US" sz="1100" dirty="0" smtClean="0"/>
-            <a:t>Identify bridge confinements then “burn” them into </a:t>
+            <a:rPr lang="en-US" sz="900" dirty="0" smtClean="0"/>
+            <a:t> Identify bridge confinements then “burn” them into </a:t>
           </a:r>
           <a:r>
-            <a:rPr lang="en-US" sz="1100" dirty="0" err="1" smtClean="0"/>
+            <a:rPr lang="en-US" sz="900" dirty="0" err="1" smtClean="0"/>
             <a:t>RawConfiningState</a:t>
           </a:r>
-          <a:endParaRPr lang="en-US" sz="1100" dirty="0"/>
+          <a:endParaRPr lang="en-US" sz="900" dirty="0"/>
         </a:p>
       </dgm:t>
     </dgm:pt>
@@ -1561,10 +1523,10 @@
         <a:lstStyle/>
         <a:p>
           <a:r>
-            <a:rPr lang="en-US" sz="1100" dirty="0" smtClean="0"/>
-            <a:t>Run create split points and segment network tool</a:t>
+            <a:rPr lang="en-US" sz="900" dirty="0" smtClean="0"/>
+            <a:t> Run create split points and segment network tool</a:t>
           </a:r>
-          <a:endParaRPr lang="en-US" sz="1100" dirty="0"/>
+          <a:endParaRPr lang="en-US" sz="900" dirty="0"/>
         </a:p>
       </dgm:t>
     </dgm:pt>
@@ -1598,10 +1560,10 @@
         <a:lstStyle/>
         <a:p>
           <a:r>
-            <a:rPr lang="en-US" sz="1100" dirty="0" smtClean="0"/>
-            <a:t>Run create Valley Cross sections</a:t>
+            <a:rPr lang="en-US" sz="900" dirty="0" smtClean="0"/>
+            <a:t> Run create Valley Cross sections</a:t>
           </a:r>
-          <a:endParaRPr lang="en-US" sz="1100" dirty="0"/>
+          <a:endParaRPr lang="en-US" sz="900" dirty="0"/>
         </a:p>
       </dgm:t>
     </dgm:pt>
@@ -1635,10 +1597,10 @@
         <a:lstStyle/>
         <a:p>
           <a:r>
-            <a:rPr lang="en-US" sz="1100" dirty="0" smtClean="0"/>
-            <a:t>Create partitions and then remove any unclip floodplain polygons</a:t>
+            <a:rPr lang="en-US" sz="900" dirty="0" smtClean="0"/>
+            <a:t> Create partitions and then remove any unclip floodplain polygons</a:t>
           </a:r>
-          <a:endParaRPr lang="en-US" sz="1100" dirty="0"/>
+          <a:endParaRPr lang="en-US" sz="900" dirty="0"/>
         </a:p>
       </dgm:t>
     </dgm:pt>
@@ -1664,7 +1626,286 @@
         </a:p>
       </dgm:t>
     </dgm:pt>
-    <dgm:pt modelId="{6BEA431F-5AC5-47CA-A9F4-F9F009C8EF7D}">
+    <dgm:pt modelId="{0B8005AB-D61F-456D-8C11-6F67918EA96C}">
+      <dgm:prSet custT="1"/>
+      <dgm:spPr/>
+      <dgm:t>
+        <a:bodyPr/>
+        <a:lstStyle/>
+        <a:p>
+          <a:r>
+            <a:rPr lang="en-US" sz="900" b="1" dirty="0" smtClean="0"/>
+            <a:t>Transfer data</a:t>
+          </a:r>
+          <a:endParaRPr lang="en-US" sz="900" b="1" dirty="0"/>
+        </a:p>
+      </dgm:t>
+    </dgm:pt>
+    <dgm:pt modelId="{4951168C-6818-4F26-9A98-642725D11B57}" type="parTrans" cxnId="{490C2364-24B9-45B7-8D1E-267AF60BC5E3}">
+      <dgm:prSet/>
+      <dgm:spPr/>
+      <dgm:t>
+        <a:bodyPr/>
+        <a:lstStyle/>
+        <a:p>
+          <a:endParaRPr lang="en-US"/>
+        </a:p>
+      </dgm:t>
+    </dgm:pt>
+    <dgm:pt modelId="{32CD54E3-E64B-481A-B44C-B1E26CF3D195}" type="sibTrans" cxnId="{490C2364-24B9-45B7-8D1E-267AF60BC5E3}">
+      <dgm:prSet/>
+      <dgm:spPr/>
+      <dgm:t>
+        <a:bodyPr/>
+        <a:lstStyle/>
+        <a:p>
+          <a:endParaRPr lang="en-US"/>
+        </a:p>
+      </dgm:t>
+    </dgm:pt>
+    <dgm:pt modelId="{E99DED21-0E10-4A21-A6F1-81D30C61487B}">
+      <dgm:prSet custT="1"/>
+      <dgm:spPr/>
+      <dgm:t>
+        <a:bodyPr/>
+        <a:lstStyle/>
+        <a:p>
+          <a:r>
+            <a:rPr lang="en-US" sz="900" dirty="0" smtClean="0"/>
+            <a:t> Run the transfer margin data to segment tool to pass margin based information over to segment</a:t>
+          </a:r>
+          <a:endParaRPr lang="en-US" sz="900" dirty="0"/>
+        </a:p>
+      </dgm:t>
+    </dgm:pt>
+    <dgm:pt modelId="{E74588BB-17F4-4935-9AF0-59B046186DBE}" type="parTrans" cxnId="{5BF8AE7C-1A91-42B5-9D13-BB36C1FC3DD3}">
+      <dgm:prSet/>
+      <dgm:spPr/>
+      <dgm:t>
+        <a:bodyPr/>
+        <a:lstStyle/>
+        <a:p>
+          <a:endParaRPr lang="en-US"/>
+        </a:p>
+      </dgm:t>
+    </dgm:pt>
+    <dgm:pt modelId="{CF0EA60F-1F90-422D-B2F9-43FD66289F4C}" type="sibTrans" cxnId="{5BF8AE7C-1A91-42B5-9D13-BB36C1FC3DD3}">
+      <dgm:prSet/>
+      <dgm:spPr/>
+      <dgm:t>
+        <a:bodyPr/>
+        <a:lstStyle/>
+        <a:p>
+          <a:endParaRPr lang="en-US"/>
+        </a:p>
+      </dgm:t>
+    </dgm:pt>
+    <dgm:pt modelId="{49C90B1B-350C-495E-A6BA-77729B5C1025}">
+      <dgm:prSet custT="1"/>
+      <dgm:spPr/>
+      <dgm:t>
+        <a:bodyPr/>
+        <a:lstStyle/>
+        <a:p>
+          <a:r>
+            <a:rPr lang="en-US" sz="900" b="1" dirty="0" smtClean="0"/>
+            <a:t>Compute various metrics</a:t>
+          </a:r>
+          <a:endParaRPr lang="en-US" sz="900" b="1" dirty="0"/>
+        </a:p>
+      </dgm:t>
+    </dgm:pt>
+    <dgm:pt modelId="{42D3F045-5DC3-411E-97FB-FD1E1165D39D}" type="parTrans" cxnId="{009D1F3F-8A19-4B48-916B-102233CB8F68}">
+      <dgm:prSet/>
+      <dgm:spPr/>
+      <dgm:t>
+        <a:bodyPr/>
+        <a:lstStyle/>
+        <a:p>
+          <a:endParaRPr lang="en-US"/>
+        </a:p>
+      </dgm:t>
+    </dgm:pt>
+    <dgm:pt modelId="{EC8623DE-B011-42CC-9804-A22FD45491AC}" type="sibTrans" cxnId="{009D1F3F-8A19-4B48-916B-102233CB8F68}">
+      <dgm:prSet/>
+      <dgm:spPr/>
+      <dgm:t>
+        <a:bodyPr/>
+        <a:lstStyle/>
+        <a:p>
+          <a:endParaRPr lang="en-US" dirty="0"/>
+        </a:p>
+      </dgm:t>
+    </dgm:pt>
+    <dgm:pt modelId="{4DD1E021-0811-4EF9-B78E-DDB0248FD1BD}">
+      <dgm:prSet custT="1"/>
+      <dgm:spPr/>
+      <dgm:t>
+        <a:bodyPr/>
+        <a:lstStyle/>
+        <a:p>
+          <a:r>
+            <a:rPr lang="en-US" sz="900" dirty="0" smtClean="0"/>
+            <a:t> Compute stream power index, identify erroneous catchment areas then correct and update</a:t>
+          </a:r>
+          <a:endParaRPr lang="en-US" sz="900" dirty="0"/>
+        </a:p>
+      </dgm:t>
+    </dgm:pt>
+    <dgm:pt modelId="{CD86E85A-9FF9-469E-9E72-F775E801B96E}" type="parTrans" cxnId="{7145755B-94EE-4EB6-8CF6-5579F00E03E6}">
+      <dgm:prSet/>
+      <dgm:spPr/>
+      <dgm:t>
+        <a:bodyPr/>
+        <a:lstStyle/>
+        <a:p>
+          <a:endParaRPr lang="en-US"/>
+        </a:p>
+      </dgm:t>
+    </dgm:pt>
+    <dgm:pt modelId="{C228AEA6-31A3-4EE5-AB7D-4C4C46C1300B}" type="sibTrans" cxnId="{7145755B-94EE-4EB6-8CF6-5579F00E03E6}">
+      <dgm:prSet/>
+      <dgm:spPr/>
+      <dgm:t>
+        <a:bodyPr/>
+        <a:lstStyle/>
+        <a:p>
+          <a:endParaRPr lang="en-US"/>
+        </a:p>
+      </dgm:t>
+    </dgm:pt>
+    <dgm:pt modelId="{6FCA2806-F51C-4D2D-89A8-8E18F0904965}">
+      <dgm:prSet custT="1"/>
+      <dgm:spPr/>
+      <dgm:t>
+        <a:bodyPr/>
+        <a:lstStyle/>
+        <a:p>
+          <a:r>
+            <a:rPr lang="en-US" sz="900" dirty="0" smtClean="0"/>
+            <a:t> Compute the confinement and constriction ratios</a:t>
+          </a:r>
+          <a:endParaRPr lang="en-US" sz="900" dirty="0"/>
+        </a:p>
+      </dgm:t>
+    </dgm:pt>
+    <dgm:pt modelId="{A62CE099-D8B7-42AE-BBDA-2F73D68B3DB5}" type="parTrans" cxnId="{DBFCD182-8EE9-4E5A-85EC-9DDF922A78E0}">
+      <dgm:prSet/>
+      <dgm:spPr/>
+      <dgm:t>
+        <a:bodyPr/>
+        <a:lstStyle/>
+        <a:p>
+          <a:endParaRPr lang="en-US"/>
+        </a:p>
+      </dgm:t>
+    </dgm:pt>
+    <dgm:pt modelId="{F5285924-C871-4665-8E75-CF4ACF7A6B04}" type="sibTrans" cxnId="{DBFCD182-8EE9-4E5A-85EC-9DDF922A78E0}">
+      <dgm:prSet/>
+      <dgm:spPr/>
+      <dgm:t>
+        <a:bodyPr/>
+        <a:lstStyle/>
+        <a:p>
+          <a:endParaRPr lang="en-US"/>
+        </a:p>
+      </dgm:t>
+    </dgm:pt>
+    <dgm:pt modelId="{3BB30E48-0670-424D-A542-CF73C92F951D}">
+      <dgm:prSet custT="1"/>
+      <dgm:spPr/>
+      <dgm:t>
+        <a:bodyPr/>
+        <a:lstStyle/>
+        <a:p>
+          <a:r>
+            <a:rPr lang="en-US" sz="900" dirty="0" smtClean="0"/>
+            <a:t> Run metric tools: Margin </a:t>
+          </a:r>
+          <a:r>
+            <a:rPr lang="en-US" sz="900" dirty="0" err="1" smtClean="0"/>
+            <a:t>erodibility</a:t>
+          </a:r>
+          <a:r>
+            <a:rPr lang="en-US" sz="900" dirty="0" smtClean="0"/>
+            <a:t> geology and scale, Expansion/Contraction ratio, sinuosity, Assign flood </a:t>
+          </a:r>
+          <a:r>
+            <a:rPr lang="en-GB" sz="900" noProof="0" dirty="0" smtClean="0"/>
+            <a:t>defence</a:t>
+          </a:r>
+          <a:r>
+            <a:rPr lang="en-US" sz="900" dirty="0" smtClean="0"/>
+            <a:t> to </a:t>
+          </a:r>
+          <a:r>
+            <a:rPr lang="en-US" sz="900" dirty="0" smtClean="0"/>
+            <a:t>margin, Land use intensity per partition</a:t>
+          </a:r>
+          <a:endParaRPr lang="en-US" sz="900" dirty="0"/>
+        </a:p>
+      </dgm:t>
+    </dgm:pt>
+    <dgm:pt modelId="{2DA53D92-35CC-4E0C-9232-24C41310BDEB}" type="parTrans" cxnId="{3C6E464B-C4FA-43B0-960D-5ED709E3F7C1}">
+      <dgm:prSet/>
+      <dgm:spPr/>
+      <dgm:t>
+        <a:bodyPr/>
+        <a:lstStyle/>
+        <a:p>
+          <a:endParaRPr lang="en-US"/>
+        </a:p>
+      </dgm:t>
+    </dgm:pt>
+    <dgm:pt modelId="{5A452DA9-E8E8-432E-AAD8-41667446C346}" type="sibTrans" cxnId="{3C6E464B-C4FA-43B0-960D-5ED709E3F7C1}">
+      <dgm:prSet/>
+      <dgm:spPr/>
+      <dgm:t>
+        <a:bodyPr/>
+        <a:lstStyle/>
+        <a:p>
+          <a:endParaRPr lang="en-US"/>
+        </a:p>
+      </dgm:t>
+    </dgm:pt>
+    <dgm:pt modelId="{078E7D13-27B0-4F7A-ABBD-4BD631A7688D}">
+      <dgm:prSet custT="1"/>
+      <dgm:spPr/>
+      <dgm:t>
+        <a:bodyPr/>
+        <a:lstStyle/>
+        <a:p>
+          <a:r>
+            <a:rPr lang="en-US" sz="900" dirty="0" smtClean="0"/>
+            <a:t> Run transfer DoD data to segment tool</a:t>
+          </a:r>
+          <a:endParaRPr lang="en-US" sz="900" dirty="0"/>
+        </a:p>
+      </dgm:t>
+    </dgm:pt>
+    <dgm:pt modelId="{DE508F71-CB30-4B9D-B362-E1DD00D2CD00}" type="parTrans" cxnId="{1651A04D-BE5E-49CF-84E5-B3BA4A7B052E}">
+      <dgm:prSet/>
+      <dgm:spPr/>
+      <dgm:t>
+        <a:bodyPr/>
+        <a:lstStyle/>
+        <a:p>
+          <a:endParaRPr lang="en-US"/>
+        </a:p>
+      </dgm:t>
+    </dgm:pt>
+    <dgm:pt modelId="{3EE11CF5-E6E3-45F3-A724-C38D85543BE0}" type="sibTrans" cxnId="{1651A04D-BE5E-49CF-84E5-B3BA4A7B052E}">
+      <dgm:prSet/>
+      <dgm:spPr/>
+      <dgm:t>
+        <a:bodyPr/>
+        <a:lstStyle/>
+        <a:p>
+          <a:endParaRPr lang="en-US"/>
+        </a:p>
+      </dgm:t>
+    </dgm:pt>
+    <dgm:pt modelId="{E699BA99-F2C0-4A7C-828E-8062B36FF2FF}">
       <dgm:prSet phldrT="[Text]" custT="1"/>
       <dgm:spPr/>
       <dgm:t>
@@ -1672,14 +1913,14 @@
         <a:lstStyle/>
         <a:p>
           <a:r>
-            <a:rPr lang="en-US" sz="1100" dirty="0" smtClean="0"/>
-            <a:t>Compute stream power index, identify erroneous catchment areas then correct and update</a:t>
+            <a:rPr lang="en-US" sz="900" dirty="0" smtClean="0"/>
+            <a:t> Create the Margin to Segment Look Up Table</a:t>
           </a:r>
-          <a:endParaRPr lang="en-US" sz="1100" dirty="0"/>
-        </a:p>
-      </dgm:t>
-    </dgm:pt>
-    <dgm:pt modelId="{C0D5F290-6F9B-486B-A34B-C3A977A544B1}" type="parTrans" cxnId="{42947434-935C-45C1-903E-75795ABE2459}">
+          <a:endParaRPr lang="en-US" sz="900" dirty="0"/>
+        </a:p>
+      </dgm:t>
+    </dgm:pt>
+    <dgm:pt modelId="{28FDBBF9-32B3-45DA-95B5-44C6E241B895}" type="parTrans" cxnId="{2F4FCB43-6F14-420A-AB2B-A3B9BCEADC9D}">
       <dgm:prSet/>
       <dgm:spPr/>
       <dgm:t>
@@ -1690,7 +1931,7 @@
         </a:p>
       </dgm:t>
     </dgm:pt>
-    <dgm:pt modelId="{6F46DB00-E169-4DB2-9D58-A238668D42F9}" type="sibTrans" cxnId="{42947434-935C-45C1-903E-75795ABE2459}">
+    <dgm:pt modelId="{39567D74-0406-47B2-B7A5-EE3DEECCBCA0}" type="sibTrans" cxnId="{2F4FCB43-6F14-420A-AB2B-A3B9BCEADC9D}">
       <dgm:prSet/>
       <dgm:spPr/>
       <dgm:t>
@@ -1701,65 +1942,13 @@
         </a:p>
       </dgm:t>
     </dgm:pt>
-    <dgm:pt modelId="{B066A833-6E29-4595-AE55-57A81304ED50}">
-      <dgm:prSet phldrT="[Text]" custT="1"/>
-      <dgm:spPr/>
-      <dgm:t>
-        <a:bodyPr/>
-        <a:lstStyle/>
-        <a:p>
-          <a:r>
-            <a:rPr lang="en-US" sz="1100" dirty="0" smtClean="0"/>
-            <a:t>Run all other metric tools, can be run in any order</a:t>
-          </a:r>
-          <a:endParaRPr lang="en-US" sz="1100" dirty="0"/>
-        </a:p>
-      </dgm:t>
-    </dgm:pt>
-    <dgm:pt modelId="{0DB6A8DB-1D33-44C9-885F-E2986EF9C0A3}" type="parTrans" cxnId="{EE8BE2D2-201C-4603-AB3F-2EEF4AEB04E3}">
-      <dgm:prSet/>
-      <dgm:spPr/>
-      <dgm:t>
-        <a:bodyPr/>
-        <a:lstStyle/>
-        <a:p>
-          <a:endParaRPr lang="en-US"/>
-        </a:p>
-      </dgm:t>
-    </dgm:pt>
-    <dgm:pt modelId="{F08A74A4-3B90-4F55-83B0-331C8CF0A30D}" type="sibTrans" cxnId="{EE8BE2D2-201C-4603-AB3F-2EEF4AEB04E3}">
-      <dgm:prSet/>
-      <dgm:spPr/>
-      <dgm:t>
-        <a:bodyPr/>
-        <a:lstStyle/>
-        <a:p>
-          <a:endParaRPr lang="en-US"/>
-        </a:p>
-      </dgm:t>
-    </dgm:pt>
-    <dgm:pt modelId="{1A175664-6ED2-47DF-B302-D3777B52DA50}" type="pres">
+    <dgm:pt modelId="{69A4926D-2EDD-467E-AF23-E402B22BF067}" type="pres">
       <dgm:prSet presAssocID="{F3DCAD5A-F45F-4C6F-B940-AC659851C98C}" presName="linearFlow" presStyleCnt="0">
         <dgm:presLayoutVars>
-          <dgm:dir/>
-          <dgm:animLvl val="lvl"/>
           <dgm:resizeHandles val="exact"/>
         </dgm:presLayoutVars>
       </dgm:prSet>
       <dgm:spPr/>
-    </dgm:pt>
-    <dgm:pt modelId="{F4F25815-D95F-4DA1-B4C0-981ACF10B46A}" type="pres">
-      <dgm:prSet presAssocID="{D2A5F00B-7541-4379-8085-62CCE5822ADD}" presName="composite" presStyleCnt="0"/>
-      <dgm:spPr/>
-    </dgm:pt>
-    <dgm:pt modelId="{6B0A138A-63DD-44CB-8153-F93579BF19DE}" type="pres">
-      <dgm:prSet presAssocID="{D2A5F00B-7541-4379-8085-62CCE5822ADD}" presName="parentText" presStyleLbl="alignNode1" presStyleIdx="0" presStyleCnt="4" custScaleY="123717">
-        <dgm:presLayoutVars>
-          <dgm:chMax val="1"/>
-          <dgm:bulletEnabled val="1"/>
-        </dgm:presLayoutVars>
-      </dgm:prSet>
-      <dgm:spPr/>
       <dgm:t>
         <a:bodyPr/>
         <a:lstStyle/>
@@ -1768,30 +1957,13 @@
         </a:p>
       </dgm:t>
     </dgm:pt>
-    <dgm:pt modelId="{D1BC88FD-EC27-4F66-AFA2-EC28F0341C4F}" type="pres">
-      <dgm:prSet presAssocID="{D2A5F00B-7541-4379-8085-62CCE5822ADD}" presName="descendantText" presStyleLbl="alignAcc1" presStyleIdx="0" presStyleCnt="4" custLinFactNeighborX="133" custLinFactNeighborY="-19726">
+    <dgm:pt modelId="{C8B4AF29-F8B2-4B5C-9A0A-4318A0FDAA67}" type="pres">
+      <dgm:prSet presAssocID="{D2A5F00B-7541-4379-8085-62CCE5822ADD}" presName="node" presStyleLbl="node1" presStyleIdx="0" presStyleCnt="6" custScaleX="206859" custScaleY="81053">
         <dgm:presLayoutVars>
           <dgm:bulletEnabled val="1"/>
         </dgm:presLayoutVars>
       </dgm:prSet>
       <dgm:spPr/>
-    </dgm:pt>
-    <dgm:pt modelId="{25D5FA66-59CA-4294-ABCE-F227666518DC}" type="pres">
-      <dgm:prSet presAssocID="{776B47BF-149E-4E1D-865B-398D6E023415}" presName="sp" presStyleCnt="0"/>
-      <dgm:spPr/>
-    </dgm:pt>
-    <dgm:pt modelId="{C03AD31C-6B3D-4E1D-8B2F-0EB040CF2FA5}" type="pres">
-      <dgm:prSet presAssocID="{290EDCBE-B534-4CA5-90C5-8364239BCE10}" presName="composite" presStyleCnt="0"/>
-      <dgm:spPr/>
-    </dgm:pt>
-    <dgm:pt modelId="{FE81DEA9-E72D-44BB-BC27-A9C52C37D304}" type="pres">
-      <dgm:prSet presAssocID="{290EDCBE-B534-4CA5-90C5-8364239BCE10}" presName="parentText" presStyleLbl="alignNode1" presStyleIdx="1" presStyleCnt="4" custScaleY="127915">
-        <dgm:presLayoutVars>
-          <dgm:chMax val="1"/>
-          <dgm:bulletEnabled val="1"/>
-        </dgm:presLayoutVars>
-      </dgm:prSet>
-      <dgm:spPr/>
       <dgm:t>
         <a:bodyPr/>
         <a:lstStyle/>
@@ -1800,33 +1972,67 @@
         </a:p>
       </dgm:t>
     </dgm:pt>
-    <dgm:pt modelId="{66B34ED5-BFDD-4A86-80F9-3FFA96C803AE}" type="pres">
-      <dgm:prSet presAssocID="{290EDCBE-B534-4CA5-90C5-8364239BCE10}" presName="descendantText" presStyleLbl="alignAcc1" presStyleIdx="1" presStyleCnt="4" custLinFactNeighborX="-133" custLinFactNeighborY="-21918">
+    <dgm:pt modelId="{AB32203C-6605-47CB-9C1E-BA71B646A831}" type="pres">
+      <dgm:prSet presAssocID="{776B47BF-149E-4E1D-865B-398D6E023415}" presName="sibTrans" presStyleLbl="sibTrans2D1" presStyleIdx="0" presStyleCnt="5"/>
+      <dgm:spPr/>
+      <dgm:t>
+        <a:bodyPr/>
+        <a:lstStyle/>
+        <a:p>
+          <a:endParaRPr lang="en-US"/>
+        </a:p>
+      </dgm:t>
+    </dgm:pt>
+    <dgm:pt modelId="{AEAFAB2C-C82E-445E-A509-0DB7B4BBA7C6}" type="pres">
+      <dgm:prSet presAssocID="{776B47BF-149E-4E1D-865B-398D6E023415}" presName="connectorText" presStyleLbl="sibTrans2D1" presStyleIdx="0" presStyleCnt="5"/>
+      <dgm:spPr/>
+      <dgm:t>
+        <a:bodyPr/>
+        <a:lstStyle/>
+        <a:p>
+          <a:endParaRPr lang="en-US"/>
+        </a:p>
+      </dgm:t>
+    </dgm:pt>
+    <dgm:pt modelId="{EBB63F27-B095-46AF-B7D4-749C71931F9F}" type="pres">
+      <dgm:prSet presAssocID="{290EDCBE-B534-4CA5-90C5-8364239BCE10}" presName="node" presStyleLbl="node1" presStyleIdx="1" presStyleCnt="6" custScaleX="206859" custScaleY="108155">
         <dgm:presLayoutVars>
           <dgm:bulletEnabled val="1"/>
         </dgm:presLayoutVars>
       </dgm:prSet>
       <dgm:spPr/>
-    </dgm:pt>
-    <dgm:pt modelId="{BCC5290F-66D6-42C1-99E4-68F0D210DD36}" type="pres">
-      <dgm:prSet presAssocID="{485B0A70-06BD-4D35-B668-ED58761A182E}" presName="sp" presStyleCnt="0"/>
-      <dgm:spPr/>
-    </dgm:pt>
-    <dgm:pt modelId="{1D904615-1278-4B3B-BAE5-2BDE65FD765D}" type="pres">
-      <dgm:prSet presAssocID="{0ABFD958-B094-420D-88FF-FC720517B5FF}" presName="composite" presStyleCnt="0"/>
-      <dgm:spPr/>
-    </dgm:pt>
-    <dgm:pt modelId="{28BFE95B-6EEB-443D-9F42-2587E772249C}" type="pres">
-      <dgm:prSet presAssocID="{0ABFD958-B094-420D-88FF-FC720517B5FF}" presName="parentText" presStyleLbl="alignNode1" presStyleIdx="2" presStyleCnt="4" custScaleY="117780">
-        <dgm:presLayoutVars>
-          <dgm:chMax val="1"/>
-          <dgm:bulletEnabled val="1"/>
-        </dgm:presLayoutVars>
-      </dgm:prSet>
-      <dgm:spPr/>
-    </dgm:pt>
-    <dgm:pt modelId="{0E4C8DBF-555A-442F-AB96-FCC42D4336B8}" type="pres">
-      <dgm:prSet presAssocID="{0ABFD958-B094-420D-88FF-FC720517B5FF}" presName="descendantText" presStyleLbl="alignAcc1" presStyleIdx="2" presStyleCnt="4" custLinFactNeighborY="-14246">
+      <dgm:t>
+        <a:bodyPr/>
+        <a:lstStyle/>
+        <a:p>
+          <a:endParaRPr lang="en-US"/>
+        </a:p>
+      </dgm:t>
+    </dgm:pt>
+    <dgm:pt modelId="{7D2A00C7-6363-46B9-9825-DD209EB38952}" type="pres">
+      <dgm:prSet presAssocID="{485B0A70-06BD-4D35-B668-ED58761A182E}" presName="sibTrans" presStyleLbl="sibTrans2D1" presStyleIdx="1" presStyleCnt="5"/>
+      <dgm:spPr/>
+      <dgm:t>
+        <a:bodyPr/>
+        <a:lstStyle/>
+        <a:p>
+          <a:endParaRPr lang="en-US"/>
+        </a:p>
+      </dgm:t>
+    </dgm:pt>
+    <dgm:pt modelId="{27943FF0-9052-42FC-9D2A-94DC53C9046A}" type="pres">
+      <dgm:prSet presAssocID="{485B0A70-06BD-4D35-B668-ED58761A182E}" presName="connectorText" presStyleLbl="sibTrans2D1" presStyleIdx="1" presStyleCnt="5"/>
+      <dgm:spPr/>
+      <dgm:t>
+        <a:bodyPr/>
+        <a:lstStyle/>
+        <a:p>
+          <a:endParaRPr lang="en-US"/>
+        </a:p>
+      </dgm:t>
+    </dgm:pt>
+    <dgm:pt modelId="{F35FA51F-D25E-4A0E-9B7A-7980DF29C0D3}" type="pres">
+      <dgm:prSet presAssocID="{0ABFD958-B094-420D-88FF-FC720517B5FF}" presName="node" presStyleLbl="node1" presStyleIdx="2" presStyleCnt="6" custScaleX="206859" custScaleY="123225">
         <dgm:presLayoutVars>
           <dgm:bulletEnabled val="1"/>
         </dgm:presLayoutVars>
@@ -1840,25 +2046,30 @@
         </a:p>
       </dgm:t>
     </dgm:pt>
-    <dgm:pt modelId="{4D3922E5-990F-48BC-B1DB-51BE5B12BB20}" type="pres">
-      <dgm:prSet presAssocID="{14EC1BFC-72BE-44AF-87BE-038F2D66781B}" presName="sp" presStyleCnt="0"/>
-      <dgm:spPr/>
-    </dgm:pt>
-    <dgm:pt modelId="{44682FC1-DE21-4933-8D01-0F9BA02D7FF7}" type="pres">
-      <dgm:prSet presAssocID="{16993775-A1B3-4465-9450-559FE64AD127}" presName="composite" presStyleCnt="0"/>
-      <dgm:spPr/>
-    </dgm:pt>
-    <dgm:pt modelId="{CA628192-A84F-4B71-830A-59A293DB44E3}" type="pres">
-      <dgm:prSet presAssocID="{16993775-A1B3-4465-9450-559FE64AD127}" presName="parentText" presStyleLbl="alignNode1" presStyleIdx="3" presStyleCnt="4" custScaleY="123936">
-        <dgm:presLayoutVars>
-          <dgm:chMax val="1"/>
-          <dgm:bulletEnabled val="1"/>
-        </dgm:presLayoutVars>
-      </dgm:prSet>
-      <dgm:spPr/>
-    </dgm:pt>
-    <dgm:pt modelId="{6E74C597-7852-4944-AEB3-E43F6E29D412}" type="pres">
-      <dgm:prSet presAssocID="{16993775-A1B3-4465-9450-559FE64AD127}" presName="descendantText" presStyleLbl="alignAcc1" presStyleIdx="3" presStyleCnt="4" custScaleY="143941" custLinFactNeighborY="1105">
+    <dgm:pt modelId="{B899CA72-4432-44BC-8D29-47203ECE9433}" type="pres">
+      <dgm:prSet presAssocID="{14EC1BFC-72BE-44AF-87BE-038F2D66781B}" presName="sibTrans" presStyleLbl="sibTrans2D1" presStyleIdx="2" presStyleCnt="5"/>
+      <dgm:spPr/>
+      <dgm:t>
+        <a:bodyPr/>
+        <a:lstStyle/>
+        <a:p>
+          <a:endParaRPr lang="en-US"/>
+        </a:p>
+      </dgm:t>
+    </dgm:pt>
+    <dgm:pt modelId="{F6AF2990-2CBB-4D24-AA87-E1BACC8BFE89}" type="pres">
+      <dgm:prSet presAssocID="{14EC1BFC-72BE-44AF-87BE-038F2D66781B}" presName="connectorText" presStyleLbl="sibTrans2D1" presStyleIdx="2" presStyleCnt="5"/>
+      <dgm:spPr/>
+      <dgm:t>
+        <a:bodyPr/>
+        <a:lstStyle/>
+        <a:p>
+          <a:endParaRPr lang="en-US"/>
+        </a:p>
+      </dgm:t>
+    </dgm:pt>
+    <dgm:pt modelId="{F88DA77E-5075-4DFD-A626-16139537C385}" type="pres">
+      <dgm:prSet presAssocID="{16993775-A1B3-4465-9450-559FE64AD127}" presName="node" presStyleLbl="node1" presStyleIdx="3" presStyleCnt="6" custScaleX="206859" custScaleY="151995" custLinFactNeighborX="562" custLinFactNeighborY="-8991">
         <dgm:presLayoutVars>
           <dgm:bulletEnabled val="1"/>
         </dgm:presLayoutVars>
@@ -1872,60 +2083,157 @@
         </a:p>
       </dgm:t>
     </dgm:pt>
+    <dgm:pt modelId="{A55B3566-2B07-4604-AAB8-DD63E2B590AA}" type="pres">
+      <dgm:prSet presAssocID="{4518F0E6-1458-4A52-90C5-256335DE3373}" presName="sibTrans" presStyleLbl="sibTrans2D1" presStyleIdx="3" presStyleCnt="5"/>
+      <dgm:spPr/>
+      <dgm:t>
+        <a:bodyPr/>
+        <a:lstStyle/>
+        <a:p>
+          <a:endParaRPr lang="en-US"/>
+        </a:p>
+      </dgm:t>
+    </dgm:pt>
+    <dgm:pt modelId="{316DCBA6-B9ED-4796-B23D-A21A99D2036C}" type="pres">
+      <dgm:prSet presAssocID="{4518F0E6-1458-4A52-90C5-256335DE3373}" presName="connectorText" presStyleLbl="sibTrans2D1" presStyleIdx="3" presStyleCnt="5"/>
+      <dgm:spPr/>
+      <dgm:t>
+        <a:bodyPr/>
+        <a:lstStyle/>
+        <a:p>
+          <a:endParaRPr lang="en-US"/>
+        </a:p>
+      </dgm:t>
+    </dgm:pt>
+    <dgm:pt modelId="{3D7F7322-53B4-41B9-9E72-0AAACD791497}" type="pres">
+      <dgm:prSet presAssocID="{49C90B1B-350C-495E-A6BA-77729B5C1025}" presName="node" presStyleLbl="node1" presStyleIdx="4" presStyleCnt="6" custScaleX="206859" custScaleY="96884">
+        <dgm:presLayoutVars>
+          <dgm:bulletEnabled val="1"/>
+        </dgm:presLayoutVars>
+      </dgm:prSet>
+      <dgm:spPr/>
+      <dgm:t>
+        <a:bodyPr/>
+        <a:lstStyle/>
+        <a:p>
+          <a:endParaRPr lang="en-US"/>
+        </a:p>
+      </dgm:t>
+    </dgm:pt>
+    <dgm:pt modelId="{AE9CB4F5-053D-4F08-A1E7-809CD882C798}" type="pres">
+      <dgm:prSet presAssocID="{EC8623DE-B011-42CC-9804-A22FD45491AC}" presName="sibTrans" presStyleLbl="sibTrans2D1" presStyleIdx="4" presStyleCnt="5"/>
+      <dgm:spPr/>
+      <dgm:t>
+        <a:bodyPr/>
+        <a:lstStyle/>
+        <a:p>
+          <a:endParaRPr lang="en-US"/>
+        </a:p>
+      </dgm:t>
+    </dgm:pt>
+    <dgm:pt modelId="{A5F5FD2B-D354-4C95-B039-8B9B252B242F}" type="pres">
+      <dgm:prSet presAssocID="{EC8623DE-B011-42CC-9804-A22FD45491AC}" presName="connectorText" presStyleLbl="sibTrans2D1" presStyleIdx="4" presStyleCnt="5"/>
+      <dgm:spPr/>
+      <dgm:t>
+        <a:bodyPr/>
+        <a:lstStyle/>
+        <a:p>
+          <a:endParaRPr lang="en-US"/>
+        </a:p>
+      </dgm:t>
+    </dgm:pt>
+    <dgm:pt modelId="{0623080B-F2D3-4BDD-A4AE-88ADA437E8EF}" type="pres">
+      <dgm:prSet presAssocID="{0B8005AB-D61F-456D-8C11-6F67918EA96C}" presName="node" presStyleLbl="node1" presStyleIdx="5" presStyleCnt="6" custScaleX="206859" custScaleY="66079">
+        <dgm:presLayoutVars>
+          <dgm:bulletEnabled val="1"/>
+        </dgm:presLayoutVars>
+      </dgm:prSet>
+      <dgm:spPr/>
+      <dgm:t>
+        <a:bodyPr/>
+        <a:lstStyle/>
+        <a:p>
+          <a:endParaRPr lang="en-US"/>
+        </a:p>
+      </dgm:t>
+    </dgm:pt>
   </dgm:ptLst>
   <dgm:cxnLst>
-    <dgm:cxn modelId="{ACD8662B-0654-4870-A2A0-325A562B6065}" type="presOf" srcId="{B066A833-6E29-4595-AE55-57A81304ED50}" destId="{6E74C597-7852-4944-AEB3-E43F6E29D412}" srcOrd="0" destOrd="5" presId="urn:microsoft.com/office/officeart/2005/8/layout/chevron2"/>
+    <dgm:cxn modelId="{03863D4B-4C38-4593-9EAB-77F651A095C4}" type="presOf" srcId="{14EC1BFC-72BE-44AF-87BE-038F2D66781B}" destId="{B899CA72-4432-44BC-8D29-47203ECE9433}" srcOrd="0" destOrd="0" presId="urn:microsoft.com/office/officeart/2005/8/layout/process2"/>
+    <dgm:cxn modelId="{D0C0D6E9-9417-4BCA-84FE-2D996753FDC7}" type="presOf" srcId="{16993775-A1B3-4465-9450-559FE64AD127}" destId="{F88DA77E-5075-4DFD-A626-16139537C385}" srcOrd="0" destOrd="0" presId="urn:microsoft.com/office/officeart/2005/8/layout/process2"/>
+    <dgm:cxn modelId="{2F4FCB43-6F14-420A-AB2B-A3B9BCEADC9D}" srcId="{16993775-A1B3-4465-9450-559FE64AD127}" destId="{E699BA99-F2C0-4A7C-828E-8062B36FF2FF}" srcOrd="4" destOrd="0" parTransId="{28FDBBF9-32B3-45DA-95B5-44C6E241B895}" sibTransId="{39567D74-0406-47B2-B7A5-EE3DEECCBCA0}"/>
+    <dgm:cxn modelId="{1C1554FB-C532-462B-AC9A-A3468AADBEF6}" type="presOf" srcId="{4DD1E021-0811-4EF9-B78E-DDB0248FD1BD}" destId="{3D7F7322-53B4-41B9-9E72-0AAACD791497}" srcOrd="0" destOrd="1" presId="urn:microsoft.com/office/officeart/2005/8/layout/process2"/>
+    <dgm:cxn modelId="{96736704-0CFB-435F-898D-B6631944F9A7}" type="presOf" srcId="{16C43D9F-F0F0-45A0-A1DA-4BF60F765CCC}" destId="{EBB63F27-B095-46AF-B7D4-749C71931F9F}" srcOrd="0" destOrd="2" presId="urn:microsoft.com/office/officeart/2005/8/layout/process2"/>
+    <dgm:cxn modelId="{7D93D7C2-E82F-4E37-81FC-E3722F3C7030}" srcId="{290EDCBE-B534-4CA5-90C5-8364239BCE10}" destId="{16C43D9F-F0F0-45A0-A1DA-4BF60F765CCC}" srcOrd="1" destOrd="0" parTransId="{695BF40A-E859-4EF1-A000-9C6DD4FA1619}" sibTransId="{929B6BB0-0B55-4DB9-B98D-47377C81AD96}"/>
+    <dgm:cxn modelId="{009D1F3F-8A19-4B48-916B-102233CB8F68}" srcId="{F3DCAD5A-F45F-4C6F-B940-AC659851C98C}" destId="{49C90B1B-350C-495E-A6BA-77729B5C1025}" srcOrd="4" destOrd="0" parTransId="{42D3F045-5DC3-411E-97FB-FD1E1165D39D}" sibTransId="{EC8623DE-B011-42CC-9804-A22FD45491AC}"/>
+    <dgm:cxn modelId="{65CD890D-E897-46B8-945F-D1F1F9DCBB8F}" srcId="{D2A5F00B-7541-4379-8085-62CCE5822ADD}" destId="{F0E30E0C-4963-4599-AE0B-2032E9B47C22}" srcOrd="1" destOrd="0" parTransId="{38B55FFC-F2AD-499F-9762-CF61F13DB674}" sibTransId="{B2E21BF3-7750-4F11-AEA0-AAB5C384D2CA}"/>
+    <dgm:cxn modelId="{29673238-7D11-413C-8176-B299C6F7D0B9}" type="presOf" srcId="{4518F0E6-1458-4A52-90C5-256335DE3373}" destId="{A55B3566-2B07-4604-AAB8-DD63E2B590AA}" srcOrd="0" destOrd="0" presId="urn:microsoft.com/office/officeart/2005/8/layout/process2"/>
+    <dgm:cxn modelId="{BE3DCADD-0CBC-40CE-84CE-5E5FBF133EC9}" type="presOf" srcId="{6B88644D-3962-4E9E-8765-C158036A6317}" destId="{F88DA77E-5075-4DFD-A626-16139537C385}" srcOrd="0" destOrd="2" presId="urn:microsoft.com/office/officeart/2005/8/layout/process2"/>
+    <dgm:cxn modelId="{916ABE98-5E63-4D83-AC7A-CA01ACC4D4CF}" srcId="{290EDCBE-B534-4CA5-90C5-8364239BCE10}" destId="{00D209B5-B1C9-4010-8227-5FA4495FD1BC}" srcOrd="0" destOrd="0" parTransId="{4964E1EA-92F7-443A-B0CE-E4CFD0DEB2E2}" sibTransId="{B218E21D-320E-4855-AEF3-D6F8AF9AEEA0}"/>
+    <dgm:cxn modelId="{2C14A613-D253-427E-88D4-A9AA8FBC2281}" type="presOf" srcId="{485B0A70-06BD-4D35-B668-ED58761A182E}" destId="{7D2A00C7-6363-46B9-9825-DD209EB38952}" srcOrd="0" destOrd="0" presId="urn:microsoft.com/office/officeart/2005/8/layout/process2"/>
+    <dgm:cxn modelId="{78E20645-F3B0-4E5E-AD4B-BE1E5550984F}" type="presOf" srcId="{62907C3C-0D05-4832-B250-C5A1C8B8BB09}" destId="{C8B4AF29-F8B2-4B5C-9A0A-4318A0FDAA67}" srcOrd="0" destOrd="1" presId="urn:microsoft.com/office/officeart/2005/8/layout/process2"/>
+    <dgm:cxn modelId="{2F87B584-FA63-4962-965E-CEEA5ABDC856}" type="presOf" srcId="{EC8623DE-B011-42CC-9804-A22FD45491AC}" destId="{AE9CB4F5-053D-4F08-A1E7-809CD882C798}" srcOrd="0" destOrd="0" presId="urn:microsoft.com/office/officeart/2005/8/layout/process2"/>
+    <dgm:cxn modelId="{51EE6617-65C2-4CB9-B32D-476B2357B216}" type="presOf" srcId="{3BB30E48-0670-424D-A542-CF73C92F951D}" destId="{3D7F7322-53B4-41B9-9E72-0AAACD791497}" srcOrd="0" destOrd="3" presId="urn:microsoft.com/office/officeart/2005/8/layout/process2"/>
+    <dgm:cxn modelId="{3E980990-819D-4DEA-918D-A5062B8A096F}" srcId="{16993775-A1B3-4465-9450-559FE64AD127}" destId="{46F35A63-548E-451D-BE3E-43DA6EAFB469}" srcOrd="2" destOrd="0" parTransId="{138DD8D7-6AAB-456C-A494-9A77CB438A47}" sibTransId="{3166D6CB-EA24-4582-85FF-E078AB832315}"/>
+    <dgm:cxn modelId="{244CFEC4-07CF-4C4B-94D1-68F13346C9EC}" type="presOf" srcId="{0ABFD958-B094-420D-88FF-FC720517B5FF}" destId="{F35FA51F-D25E-4A0E-9B7A-7980DF29C0D3}" srcOrd="0" destOrd="0" presId="urn:microsoft.com/office/officeart/2005/8/layout/process2"/>
+    <dgm:cxn modelId="{74B094D0-B321-4D42-B52F-741AB21E0EED}" srcId="{290EDCBE-B534-4CA5-90C5-8364239BCE10}" destId="{8C04B313-8C56-43AF-B909-BE6A3ABF10A3}" srcOrd="2" destOrd="0" parTransId="{AB480A1D-E431-4016-B583-48DD06C75DDE}" sibTransId="{598D0BDB-470F-4587-A7E1-4EB2B2E4E0F2}"/>
+    <dgm:cxn modelId="{7665E3A9-81E4-412C-BEBE-B08006F422F2}" type="presOf" srcId="{EC8623DE-B011-42CC-9804-A22FD45491AC}" destId="{A5F5FD2B-D354-4C95-B039-8B9B252B242F}" srcOrd="1" destOrd="0" presId="urn:microsoft.com/office/officeart/2005/8/layout/process2"/>
+    <dgm:cxn modelId="{F5F53409-0849-4ABA-A9D2-1F2859EE0ED2}" srcId="{16993775-A1B3-4465-9450-559FE64AD127}" destId="{F60C356A-027F-4971-913C-EA39D665CCBE}" srcOrd="3" destOrd="0" parTransId="{C85E352B-AE99-4B3F-A7B9-962CB7865F6E}" sibTransId="{9B8BDE29-4B28-4DAD-B8AD-16440E6CF9FE}"/>
+    <dgm:cxn modelId="{3C6E464B-C4FA-43B0-960D-5ED709E3F7C1}" srcId="{49C90B1B-350C-495E-A6BA-77729B5C1025}" destId="{3BB30E48-0670-424D-A542-CF73C92F951D}" srcOrd="2" destOrd="0" parTransId="{2DA53D92-35CC-4E0C-9232-24C41310BDEB}" sibTransId="{5A452DA9-E8E8-432E-AAD8-41667446C346}"/>
+    <dgm:cxn modelId="{A46428A9-1916-4D96-A42D-21C31CE14F68}" type="presOf" srcId="{14EC1BFC-72BE-44AF-87BE-038F2D66781B}" destId="{F6AF2990-2CBB-4D24-AA87-E1BACC8BFE89}" srcOrd="1" destOrd="0" presId="urn:microsoft.com/office/officeart/2005/8/layout/process2"/>
+    <dgm:cxn modelId="{20B1EF23-B5D3-4071-A130-38BE9C9C9F12}" type="presOf" srcId="{078E7D13-27B0-4F7A-ABBD-4BD631A7688D}" destId="{0623080B-F2D3-4BDD-A4AE-88ADA437E8EF}" srcOrd="0" destOrd="2" presId="urn:microsoft.com/office/officeart/2005/8/layout/process2"/>
+    <dgm:cxn modelId="{6B3B0046-B0B9-4AE8-8406-CAD2ED01B167}" type="presOf" srcId="{E470F5E8-8EE4-42A4-AFBD-48C94E828076}" destId="{F35FA51F-D25E-4A0E-9B7A-7980DF29C0D3}" srcOrd="0" destOrd="2" presId="urn:microsoft.com/office/officeart/2005/8/layout/process2"/>
+    <dgm:cxn modelId="{606D8FBD-8713-4791-A763-BFAA438C2098}" srcId="{0ABFD958-B094-420D-88FF-FC720517B5FF}" destId="{67E6083B-381A-4F87-9C92-962DEFE065B8}" srcOrd="0" destOrd="0" parTransId="{38FF50D2-E850-4E70-A2D1-B1BFA2A96C9C}" sibTransId="{A5DA82AA-4005-499E-9B05-5F043383C8B6}"/>
+    <dgm:cxn modelId="{1E6C53D6-1B98-496C-9189-D02B506E96AC}" srcId="{F3DCAD5A-F45F-4C6F-B940-AC659851C98C}" destId="{D2A5F00B-7541-4379-8085-62CCE5822ADD}" srcOrd="0" destOrd="0" parTransId="{22791ED0-7158-4DDF-A7FF-EB7034F95F6A}" sibTransId="{776B47BF-149E-4E1D-865B-398D6E023415}"/>
+    <dgm:cxn modelId="{5BF8AE7C-1A91-42B5-9D13-BB36C1FC3DD3}" srcId="{0B8005AB-D61F-456D-8C11-6F67918EA96C}" destId="{E99DED21-0E10-4A21-A6F1-81D30C61487B}" srcOrd="0" destOrd="0" parTransId="{E74588BB-17F4-4935-9AF0-59B046186DBE}" sibTransId="{CF0EA60F-1F90-422D-B2F9-43FD66289F4C}"/>
+    <dgm:cxn modelId="{7280C356-4205-47EC-A7D2-65EE3789C9E2}" srcId="{0ABFD958-B094-420D-88FF-FC720517B5FF}" destId="{ECD95D4A-13DA-4E15-B9CA-10A97F45746B}" srcOrd="2" destOrd="0" parTransId="{855CED17-6F22-46A7-8354-4500E628382C}" sibTransId="{1A514E8E-5B87-439E-AAF7-68D1E6FD7471}"/>
+    <dgm:cxn modelId="{8783044B-E7FC-4C2C-A624-946DEEF598C4}" srcId="{16993775-A1B3-4465-9450-559FE64AD127}" destId="{6B88644D-3962-4E9E-8765-C158036A6317}" srcOrd="1" destOrd="0" parTransId="{C8F92A58-0373-4375-B774-64E6C3225B39}" sibTransId="{E04F5FB8-48FF-43B7-B989-943D8AE0A78C}"/>
+    <dgm:cxn modelId="{20E4698B-BB2C-4FC1-9657-5CA1999180BF}" type="presOf" srcId="{0B8005AB-D61F-456D-8C11-6F67918EA96C}" destId="{0623080B-F2D3-4BDD-A4AE-88ADA437E8EF}" srcOrd="0" destOrd="0" presId="urn:microsoft.com/office/officeart/2005/8/layout/process2"/>
+    <dgm:cxn modelId="{12565BA9-438F-42F6-9870-5CC847BD17CF}" type="presOf" srcId="{ECD95D4A-13DA-4E15-B9CA-10A97F45746B}" destId="{F35FA51F-D25E-4A0E-9B7A-7980DF29C0D3}" srcOrd="0" destOrd="3" presId="urn:microsoft.com/office/officeart/2005/8/layout/process2"/>
+    <dgm:cxn modelId="{37EAA455-770F-4BA4-8AD6-6DB2EE626D4B}" srcId="{F3DCAD5A-F45F-4C6F-B940-AC659851C98C}" destId="{16993775-A1B3-4465-9450-559FE64AD127}" srcOrd="3" destOrd="0" parTransId="{4B4048F1-85CF-4E65-A434-84D361384354}" sibTransId="{4518F0E6-1458-4A52-90C5-256335DE3373}"/>
+    <dgm:cxn modelId="{2E017367-714F-403F-A57D-0B582BA3A1D5}" type="presOf" srcId="{6FCA2806-F51C-4D2D-89A8-8E18F0904965}" destId="{3D7F7322-53B4-41B9-9E72-0AAACD791497}" srcOrd="0" destOrd="2" presId="urn:microsoft.com/office/officeart/2005/8/layout/process2"/>
+    <dgm:cxn modelId="{F8595CE8-6038-4BB8-9B2C-DD5941EA0F5C}" type="presOf" srcId="{F3DCAD5A-F45F-4C6F-B940-AC659851C98C}" destId="{69A4926D-2EDD-467E-AF23-E402B22BF067}" srcOrd="0" destOrd="0" presId="urn:microsoft.com/office/officeart/2005/8/layout/process2"/>
+    <dgm:cxn modelId="{A2CACF9E-E36A-4AAE-9AF7-E1A6C45E4263}" type="presOf" srcId="{67E6083B-381A-4F87-9C92-962DEFE065B8}" destId="{F35FA51F-D25E-4A0E-9B7A-7980DF29C0D3}" srcOrd="0" destOrd="1" presId="urn:microsoft.com/office/officeart/2005/8/layout/process2"/>
+    <dgm:cxn modelId="{490C2364-24B9-45B7-8D1E-267AF60BC5E3}" srcId="{F3DCAD5A-F45F-4C6F-B940-AC659851C98C}" destId="{0B8005AB-D61F-456D-8C11-6F67918EA96C}" srcOrd="5" destOrd="0" parTransId="{4951168C-6818-4F26-9A98-642725D11B57}" sibTransId="{32CD54E3-E64B-481A-B44C-B1E26CF3D195}"/>
+    <dgm:cxn modelId="{F23F14A7-E1B0-4B5C-A92E-929BB4E54776}" type="presOf" srcId="{00D209B5-B1C9-4010-8227-5FA4495FD1BC}" destId="{EBB63F27-B095-46AF-B7D4-749C71931F9F}" srcOrd="0" destOrd="1" presId="urn:microsoft.com/office/officeart/2005/8/layout/process2"/>
+    <dgm:cxn modelId="{37C529E2-4999-4360-A7B5-AB927F83D5EF}" srcId="{0ABFD958-B094-420D-88FF-FC720517B5FF}" destId="{E470F5E8-8EE4-42A4-AFBD-48C94E828076}" srcOrd="1" destOrd="0" parTransId="{8D83B3E8-396B-4BF9-9C72-7FA9F528E740}" sibTransId="{DA55CE98-C142-42B4-867E-BD2ACCF632D5}"/>
+    <dgm:cxn modelId="{A8FE3D7D-DF46-47C5-8B5E-7539D76A5FC0}" srcId="{F3DCAD5A-F45F-4C6F-B940-AC659851C98C}" destId="{0ABFD958-B094-420D-88FF-FC720517B5FF}" srcOrd="2" destOrd="0" parTransId="{0C7B77FD-5607-4402-B11D-32DA7AB6B049}" sibTransId="{14EC1BFC-72BE-44AF-87BE-038F2D66781B}"/>
+    <dgm:cxn modelId="{1A49F522-34BC-4A74-ACD7-B3A422DA33DB}" srcId="{D2A5F00B-7541-4379-8085-62CCE5822ADD}" destId="{62907C3C-0D05-4832-B250-C5A1C8B8BB09}" srcOrd="0" destOrd="0" parTransId="{B02D94F0-7DBA-4CAC-A6BC-8195AE3ED0AE}" sibTransId="{412AC000-FBBE-4737-8703-06A926F32925}"/>
     <dgm:cxn modelId="{DD6F9529-F3AB-4D88-9BEE-27DFCC0FDDEC}" srcId="{F3DCAD5A-F45F-4C6F-B940-AC659851C98C}" destId="{290EDCBE-B534-4CA5-90C5-8364239BCE10}" srcOrd="1" destOrd="0" parTransId="{7EFE1CD0-8FE0-4A82-AFFE-7B6A35443291}" sibTransId="{485B0A70-06BD-4D35-B668-ED58761A182E}"/>
-    <dgm:cxn modelId="{D452C669-CF5B-4012-B530-1E8AD9FEA21B}" type="presOf" srcId="{290EDCBE-B534-4CA5-90C5-8364239BCE10}" destId="{FE81DEA9-E72D-44BB-BC27-A9C52C37D304}" srcOrd="0" destOrd="0" presId="urn:microsoft.com/office/officeart/2005/8/layout/chevron2"/>
-    <dgm:cxn modelId="{F5F53409-0849-4ABA-A9D2-1F2859EE0ED2}" srcId="{16993775-A1B3-4465-9450-559FE64AD127}" destId="{F60C356A-027F-4971-913C-EA39D665CCBE}" srcOrd="3" destOrd="0" parTransId="{C85E352B-AE99-4B3F-A7B9-962CB7865F6E}" sibTransId="{9B8BDE29-4B28-4DAD-B8AD-16440E6CF9FE}"/>
-    <dgm:cxn modelId="{EE8BE2D2-201C-4603-AB3F-2EEF4AEB04E3}" srcId="{16993775-A1B3-4465-9450-559FE64AD127}" destId="{B066A833-6E29-4595-AE55-57A81304ED50}" srcOrd="5" destOrd="0" parTransId="{0DB6A8DB-1D33-44C9-885F-E2986EF9C0A3}" sibTransId="{F08A74A4-3B90-4F55-83B0-331C8CF0A30D}"/>
-    <dgm:cxn modelId="{916ABE98-5E63-4D83-AC7A-CA01ACC4D4CF}" srcId="{290EDCBE-B534-4CA5-90C5-8364239BCE10}" destId="{00D209B5-B1C9-4010-8227-5FA4495FD1BC}" srcOrd="0" destOrd="0" parTransId="{4964E1EA-92F7-443A-B0CE-E4CFD0DEB2E2}" sibTransId="{B218E21D-320E-4855-AEF3-D6F8AF9AEEA0}"/>
-    <dgm:cxn modelId="{42947434-935C-45C1-903E-75795ABE2459}" srcId="{16993775-A1B3-4465-9450-559FE64AD127}" destId="{6BEA431F-5AC5-47CA-A9F4-F9F009C8EF7D}" srcOrd="4" destOrd="0" parTransId="{C0D5F290-6F9B-486B-A34B-C3A977A544B1}" sibTransId="{6F46DB00-E169-4DB2-9D58-A238668D42F9}"/>
-    <dgm:cxn modelId="{6ECBCC0D-F820-43BF-9306-B4FCE8944C59}" type="presOf" srcId="{16C43D9F-F0F0-45A0-A1DA-4BF60F765CCC}" destId="{66B34ED5-BFDD-4A86-80F9-3FFA96C803AE}" srcOrd="0" destOrd="1" presId="urn:microsoft.com/office/officeart/2005/8/layout/chevron2"/>
-    <dgm:cxn modelId="{1A49F522-34BC-4A74-ACD7-B3A422DA33DB}" srcId="{D2A5F00B-7541-4379-8085-62CCE5822ADD}" destId="{62907C3C-0D05-4832-B250-C5A1C8B8BB09}" srcOrd="0" destOrd="0" parTransId="{B02D94F0-7DBA-4CAC-A6BC-8195AE3ED0AE}" sibTransId="{412AC000-FBBE-4737-8703-06A926F32925}"/>
-    <dgm:cxn modelId="{2B843C53-4DD5-4898-A77D-684604F9F48E}" type="presOf" srcId="{00D209B5-B1C9-4010-8227-5FA4495FD1BC}" destId="{66B34ED5-BFDD-4A86-80F9-3FFA96C803AE}" srcOrd="0" destOrd="0" presId="urn:microsoft.com/office/officeart/2005/8/layout/chevron2"/>
-    <dgm:cxn modelId="{37C529E2-4999-4360-A7B5-AB927F83D5EF}" srcId="{0ABFD958-B094-420D-88FF-FC720517B5FF}" destId="{E470F5E8-8EE4-42A4-AFBD-48C94E828076}" srcOrd="1" destOrd="0" parTransId="{8D83B3E8-396B-4BF9-9C72-7FA9F528E740}" sibTransId="{DA55CE98-C142-42B4-867E-BD2ACCF632D5}"/>
-    <dgm:cxn modelId="{692B7302-D7ED-4390-A918-6A331816C168}" type="presOf" srcId="{46F35A63-548E-451D-BE3E-43DA6EAFB469}" destId="{6E74C597-7852-4944-AEB3-E43F6E29D412}" srcOrd="0" destOrd="2" presId="urn:microsoft.com/office/officeart/2005/8/layout/chevron2"/>
-    <dgm:cxn modelId="{7D93D7C2-E82F-4E37-81FC-E3722F3C7030}" srcId="{290EDCBE-B534-4CA5-90C5-8364239BCE10}" destId="{16C43D9F-F0F0-45A0-A1DA-4BF60F765CCC}" srcOrd="1" destOrd="0" parTransId="{695BF40A-E859-4EF1-A000-9C6DD4FA1619}" sibTransId="{929B6BB0-0B55-4DB9-B98D-47377C81AD96}"/>
-    <dgm:cxn modelId="{606D8FBD-8713-4791-A763-BFAA438C2098}" srcId="{0ABFD958-B094-420D-88FF-FC720517B5FF}" destId="{67E6083B-381A-4F87-9C92-962DEFE065B8}" srcOrd="0" destOrd="0" parTransId="{38FF50D2-E850-4E70-A2D1-B1BFA2A96C9C}" sibTransId="{A5DA82AA-4005-499E-9B05-5F043383C8B6}"/>
-    <dgm:cxn modelId="{8783044B-E7FC-4C2C-A624-946DEEF598C4}" srcId="{16993775-A1B3-4465-9450-559FE64AD127}" destId="{6B88644D-3962-4E9E-8765-C158036A6317}" srcOrd="1" destOrd="0" parTransId="{C8F92A58-0373-4375-B774-64E6C3225B39}" sibTransId="{E04F5FB8-48FF-43B7-B989-943D8AE0A78C}"/>
-    <dgm:cxn modelId="{65CD890D-E897-46B8-945F-D1F1F9DCBB8F}" srcId="{D2A5F00B-7541-4379-8085-62CCE5822ADD}" destId="{F0E30E0C-4963-4599-AE0B-2032E9B47C22}" srcOrd="1" destOrd="0" parTransId="{38B55FFC-F2AD-499F-9762-CF61F13DB674}" sibTransId="{B2E21BF3-7750-4F11-AEA0-AAB5C384D2CA}"/>
-    <dgm:cxn modelId="{37EAA455-770F-4BA4-8AD6-6DB2EE626D4B}" srcId="{F3DCAD5A-F45F-4C6F-B940-AC659851C98C}" destId="{16993775-A1B3-4465-9450-559FE64AD127}" srcOrd="3" destOrd="0" parTransId="{4B4048F1-85CF-4E65-A434-84D361384354}" sibTransId="{4518F0E6-1458-4A52-90C5-256335DE3373}"/>
-    <dgm:cxn modelId="{AB51A6C0-ACA1-45B7-BC8D-22C66E2B493D}" type="presOf" srcId="{F3DCAD5A-F45F-4C6F-B940-AC659851C98C}" destId="{1A175664-6ED2-47DF-B302-D3777B52DA50}" srcOrd="0" destOrd="0" presId="urn:microsoft.com/office/officeart/2005/8/layout/chevron2"/>
-    <dgm:cxn modelId="{1E6C53D6-1B98-496C-9189-D02B506E96AC}" srcId="{F3DCAD5A-F45F-4C6F-B940-AC659851C98C}" destId="{D2A5F00B-7541-4379-8085-62CCE5822ADD}" srcOrd="0" destOrd="0" parTransId="{22791ED0-7158-4DDF-A7FF-EB7034F95F6A}" sibTransId="{776B47BF-149E-4E1D-865B-398D6E023415}"/>
-    <dgm:cxn modelId="{D0E45CDC-8A17-46BE-B787-883D123BD478}" type="presOf" srcId="{6B88644D-3962-4E9E-8765-C158036A6317}" destId="{6E74C597-7852-4944-AEB3-E43F6E29D412}" srcOrd="0" destOrd="1" presId="urn:microsoft.com/office/officeart/2005/8/layout/chevron2"/>
-    <dgm:cxn modelId="{D953E425-FBF2-4881-9316-844B7DA2C26F}" type="presOf" srcId="{16993775-A1B3-4465-9450-559FE64AD127}" destId="{CA628192-A84F-4B71-830A-59A293DB44E3}" srcOrd="0" destOrd="0" presId="urn:microsoft.com/office/officeart/2005/8/layout/chevron2"/>
-    <dgm:cxn modelId="{E2F9381D-CCF8-4777-9DF9-0E1F2C559887}" type="presOf" srcId="{8C04B313-8C56-43AF-B909-BE6A3ABF10A3}" destId="{66B34ED5-BFDD-4A86-80F9-3FFA96C803AE}" srcOrd="0" destOrd="2" presId="urn:microsoft.com/office/officeart/2005/8/layout/chevron2"/>
-    <dgm:cxn modelId="{659C584D-4534-43E1-8B4A-550A92C8B126}" type="presOf" srcId="{E470F5E8-8EE4-42A4-AFBD-48C94E828076}" destId="{0E4C8DBF-555A-442F-AB96-FCC42D4336B8}" srcOrd="0" destOrd="1" presId="urn:microsoft.com/office/officeart/2005/8/layout/chevron2"/>
-    <dgm:cxn modelId="{E9EDD861-A08C-4EDB-A935-2ACA3A7EF611}" type="presOf" srcId="{10ACB5D6-FB1B-459C-8135-D22AB1DB661E}" destId="{6E74C597-7852-4944-AEB3-E43F6E29D412}" srcOrd="0" destOrd="0" presId="urn:microsoft.com/office/officeart/2005/8/layout/chevron2"/>
-    <dgm:cxn modelId="{6286D03D-B0C3-4171-8C8F-1114F04997D7}" type="presOf" srcId="{D2A5F00B-7541-4379-8085-62CCE5822ADD}" destId="{6B0A138A-63DD-44CB-8153-F93579BF19DE}" srcOrd="0" destOrd="0" presId="urn:microsoft.com/office/officeart/2005/8/layout/chevron2"/>
-    <dgm:cxn modelId="{3E980990-819D-4DEA-918D-A5062B8A096F}" srcId="{16993775-A1B3-4465-9450-559FE64AD127}" destId="{46F35A63-548E-451D-BE3E-43DA6EAFB469}" srcOrd="2" destOrd="0" parTransId="{138DD8D7-6AAB-456C-A494-9A77CB438A47}" sibTransId="{3166D6CB-EA24-4582-85FF-E078AB832315}"/>
-    <dgm:cxn modelId="{C2D688BE-9001-498A-96CF-5ED115CDF455}" type="presOf" srcId="{62907C3C-0D05-4832-B250-C5A1C8B8BB09}" destId="{D1BC88FD-EC27-4F66-AFA2-EC28F0341C4F}" srcOrd="0" destOrd="0" presId="urn:microsoft.com/office/officeart/2005/8/layout/chevron2"/>
-    <dgm:cxn modelId="{682B22E4-D114-4EF6-B10D-1461DD0C9F40}" type="presOf" srcId="{6BEA431F-5AC5-47CA-A9F4-F9F009C8EF7D}" destId="{6E74C597-7852-4944-AEB3-E43F6E29D412}" srcOrd="0" destOrd="4" presId="urn:microsoft.com/office/officeart/2005/8/layout/chevron2"/>
-    <dgm:cxn modelId="{D98E7377-7415-4AC9-B389-D1D415F7AA04}" type="presOf" srcId="{F0E30E0C-4963-4599-AE0B-2032E9B47C22}" destId="{D1BC88FD-EC27-4F66-AFA2-EC28F0341C4F}" srcOrd="0" destOrd="1" presId="urn:microsoft.com/office/officeart/2005/8/layout/chevron2"/>
-    <dgm:cxn modelId="{A8FE3D7D-DF46-47C5-8B5E-7539D76A5FC0}" srcId="{F3DCAD5A-F45F-4C6F-B940-AC659851C98C}" destId="{0ABFD958-B094-420D-88FF-FC720517B5FF}" srcOrd="2" destOrd="0" parTransId="{0C7B77FD-5607-4402-B11D-32DA7AB6B049}" sibTransId="{14EC1BFC-72BE-44AF-87BE-038F2D66781B}"/>
-    <dgm:cxn modelId="{B8337AA7-F2B7-452E-A417-EC9C392422DA}" type="presOf" srcId="{67E6083B-381A-4F87-9C92-962DEFE065B8}" destId="{0E4C8DBF-555A-442F-AB96-FCC42D4336B8}" srcOrd="0" destOrd="0" presId="urn:microsoft.com/office/officeart/2005/8/layout/chevron2"/>
+    <dgm:cxn modelId="{A981D05F-6FE5-403E-9C86-7CAB73E4D6AF}" type="presOf" srcId="{E99DED21-0E10-4A21-A6F1-81D30C61487B}" destId="{0623080B-F2D3-4BDD-A4AE-88ADA437E8EF}" srcOrd="0" destOrd="1" presId="urn:microsoft.com/office/officeart/2005/8/layout/process2"/>
+    <dgm:cxn modelId="{D27266D1-474C-4496-91B5-D6B51A887736}" type="presOf" srcId="{290EDCBE-B534-4CA5-90C5-8364239BCE10}" destId="{EBB63F27-B095-46AF-B7D4-749C71931F9F}" srcOrd="0" destOrd="0" presId="urn:microsoft.com/office/officeart/2005/8/layout/process2"/>
+    <dgm:cxn modelId="{2E71EADE-9D8D-4781-A7E5-7352E9A4FB66}" type="presOf" srcId="{10ACB5D6-FB1B-459C-8135-D22AB1DB661E}" destId="{F88DA77E-5075-4DFD-A626-16139537C385}" srcOrd="0" destOrd="1" presId="urn:microsoft.com/office/officeart/2005/8/layout/process2"/>
+    <dgm:cxn modelId="{21463B01-FE42-42A8-856E-86A78E1369A4}" type="presOf" srcId="{776B47BF-149E-4E1D-865B-398D6E023415}" destId="{AB32203C-6605-47CB-9C1E-BA71B646A831}" srcOrd="0" destOrd="0" presId="urn:microsoft.com/office/officeart/2005/8/layout/process2"/>
+    <dgm:cxn modelId="{929C629A-996F-4D93-9EFE-E62D0C079A1E}" type="presOf" srcId="{8C04B313-8C56-43AF-B909-BE6A3ABF10A3}" destId="{EBB63F27-B095-46AF-B7D4-749C71931F9F}" srcOrd="0" destOrd="3" presId="urn:microsoft.com/office/officeart/2005/8/layout/process2"/>
+    <dgm:cxn modelId="{DBBFDF91-79DD-4814-9B4B-CC1855DA80F0}" type="presOf" srcId="{F0E30E0C-4963-4599-AE0B-2032E9B47C22}" destId="{C8B4AF29-F8B2-4B5C-9A0A-4318A0FDAA67}" srcOrd="0" destOrd="2" presId="urn:microsoft.com/office/officeart/2005/8/layout/process2"/>
+    <dgm:cxn modelId="{7145755B-94EE-4EB6-8CF6-5579F00E03E6}" srcId="{49C90B1B-350C-495E-A6BA-77729B5C1025}" destId="{4DD1E021-0811-4EF9-B78E-DDB0248FD1BD}" srcOrd="0" destOrd="0" parTransId="{CD86E85A-9FF9-469E-9E72-F775E801B96E}" sibTransId="{C228AEA6-31A3-4EE5-AB7D-4C4C46C1300B}"/>
+    <dgm:cxn modelId="{DBFCD182-8EE9-4E5A-85EC-9DDF922A78E0}" srcId="{49C90B1B-350C-495E-A6BA-77729B5C1025}" destId="{6FCA2806-F51C-4D2D-89A8-8E18F0904965}" srcOrd="1" destOrd="0" parTransId="{A62CE099-D8B7-42AE-BBDA-2F73D68B3DB5}" sibTransId="{F5285924-C871-4665-8E75-CF4ACF7A6B04}"/>
+    <dgm:cxn modelId="{42528BEE-BAB1-4F17-9697-82CB7877D17D}" type="presOf" srcId="{4518F0E6-1458-4A52-90C5-256335DE3373}" destId="{316DCBA6-B9ED-4796-B23D-A21A99D2036C}" srcOrd="1" destOrd="0" presId="urn:microsoft.com/office/officeart/2005/8/layout/process2"/>
+    <dgm:cxn modelId="{CD8AF65B-AC9F-4C3E-B8B9-9A8936287287}" type="presOf" srcId="{776B47BF-149E-4E1D-865B-398D6E023415}" destId="{AEAFAB2C-C82E-445E-A509-0DB7B4BBA7C6}" srcOrd="1" destOrd="0" presId="urn:microsoft.com/office/officeart/2005/8/layout/process2"/>
+    <dgm:cxn modelId="{FADF6AD6-B13A-4BBC-9437-90A0B3EEACD6}" type="presOf" srcId="{F60C356A-027F-4971-913C-EA39D665CCBE}" destId="{F88DA77E-5075-4DFD-A626-16139537C385}" srcOrd="0" destOrd="4" presId="urn:microsoft.com/office/officeart/2005/8/layout/process2"/>
+    <dgm:cxn modelId="{66F5C104-9539-4629-A726-4ADBE2CD8227}" type="presOf" srcId="{49C90B1B-350C-495E-A6BA-77729B5C1025}" destId="{3D7F7322-53B4-41B9-9E72-0AAACD791497}" srcOrd="0" destOrd="0" presId="urn:microsoft.com/office/officeart/2005/8/layout/process2"/>
+    <dgm:cxn modelId="{C184BDE3-D1F9-4E18-AF16-A15B00AA9247}" type="presOf" srcId="{D2A5F00B-7541-4379-8085-62CCE5822ADD}" destId="{C8B4AF29-F8B2-4B5C-9A0A-4318A0FDAA67}" srcOrd="0" destOrd="0" presId="urn:microsoft.com/office/officeart/2005/8/layout/process2"/>
+    <dgm:cxn modelId="{EDB826DB-1F72-4124-BECF-C735EE99930C}" type="presOf" srcId="{46F35A63-548E-451D-BE3E-43DA6EAFB469}" destId="{F88DA77E-5075-4DFD-A626-16139537C385}" srcOrd="0" destOrd="3" presId="urn:microsoft.com/office/officeart/2005/8/layout/process2"/>
     <dgm:cxn modelId="{98FEEC88-C38E-4F21-BF51-799D4296CF62}" srcId="{16993775-A1B3-4465-9450-559FE64AD127}" destId="{10ACB5D6-FB1B-459C-8135-D22AB1DB661E}" srcOrd="0" destOrd="0" parTransId="{8B1B2407-5D15-4F59-8740-31BFB329EC56}" sibTransId="{7212C7D6-7E2C-4128-93E1-07CA6CF003C5}"/>
-    <dgm:cxn modelId="{74B094D0-B321-4D42-B52F-741AB21E0EED}" srcId="{290EDCBE-B534-4CA5-90C5-8364239BCE10}" destId="{8C04B313-8C56-43AF-B909-BE6A3ABF10A3}" srcOrd="2" destOrd="0" parTransId="{AB480A1D-E431-4016-B583-48DD06C75DDE}" sibTransId="{598D0BDB-470F-4587-A7E1-4EB2B2E4E0F2}"/>
-    <dgm:cxn modelId="{DD7D5D78-F3BC-4F3A-98C0-36DD729BFBC5}" type="presOf" srcId="{F60C356A-027F-4971-913C-EA39D665CCBE}" destId="{6E74C597-7852-4944-AEB3-E43F6E29D412}" srcOrd="0" destOrd="3" presId="urn:microsoft.com/office/officeart/2005/8/layout/chevron2"/>
-    <dgm:cxn modelId="{7280C356-4205-47EC-A7D2-65EE3789C9E2}" srcId="{0ABFD958-B094-420D-88FF-FC720517B5FF}" destId="{ECD95D4A-13DA-4E15-B9CA-10A97F45746B}" srcOrd="2" destOrd="0" parTransId="{855CED17-6F22-46A7-8354-4500E628382C}" sibTransId="{1A514E8E-5B87-439E-AAF7-68D1E6FD7471}"/>
-    <dgm:cxn modelId="{3CB53A0A-A695-46FC-A02A-515384473F3E}" type="presOf" srcId="{0ABFD958-B094-420D-88FF-FC720517B5FF}" destId="{28BFE95B-6EEB-443D-9F42-2587E772249C}" srcOrd="0" destOrd="0" presId="urn:microsoft.com/office/officeart/2005/8/layout/chevron2"/>
-    <dgm:cxn modelId="{71A5913B-D17D-49E1-A397-7539881060F9}" type="presOf" srcId="{ECD95D4A-13DA-4E15-B9CA-10A97F45746B}" destId="{0E4C8DBF-555A-442F-AB96-FCC42D4336B8}" srcOrd="0" destOrd="2" presId="urn:microsoft.com/office/officeart/2005/8/layout/chevron2"/>
-    <dgm:cxn modelId="{1E0E3666-29A5-4E13-A176-EF1CFE4C5F96}" type="presParOf" srcId="{1A175664-6ED2-47DF-B302-D3777B52DA50}" destId="{F4F25815-D95F-4DA1-B4C0-981ACF10B46A}" srcOrd="0" destOrd="0" presId="urn:microsoft.com/office/officeart/2005/8/layout/chevron2"/>
-    <dgm:cxn modelId="{22B677D1-3980-4EB9-8D46-34C181F5991E}" type="presParOf" srcId="{F4F25815-D95F-4DA1-B4C0-981ACF10B46A}" destId="{6B0A138A-63DD-44CB-8153-F93579BF19DE}" srcOrd="0" destOrd="0" presId="urn:microsoft.com/office/officeart/2005/8/layout/chevron2"/>
-    <dgm:cxn modelId="{56BAF36E-8F82-43D6-9E8C-EA538E5F09D0}" type="presParOf" srcId="{F4F25815-D95F-4DA1-B4C0-981ACF10B46A}" destId="{D1BC88FD-EC27-4F66-AFA2-EC28F0341C4F}" srcOrd="1" destOrd="0" presId="urn:microsoft.com/office/officeart/2005/8/layout/chevron2"/>
-    <dgm:cxn modelId="{FFEA8F7E-8764-4464-AC13-FF2701F86CFC}" type="presParOf" srcId="{1A175664-6ED2-47DF-B302-D3777B52DA50}" destId="{25D5FA66-59CA-4294-ABCE-F227666518DC}" srcOrd="1" destOrd="0" presId="urn:microsoft.com/office/officeart/2005/8/layout/chevron2"/>
-    <dgm:cxn modelId="{5A641EEC-8961-4739-8A3B-285623CE0CD1}" type="presParOf" srcId="{1A175664-6ED2-47DF-B302-D3777B52DA50}" destId="{C03AD31C-6B3D-4E1D-8B2F-0EB040CF2FA5}" srcOrd="2" destOrd="0" presId="urn:microsoft.com/office/officeart/2005/8/layout/chevron2"/>
-    <dgm:cxn modelId="{5B32D43B-C9B8-46AF-BD5E-560C408B4192}" type="presParOf" srcId="{C03AD31C-6B3D-4E1D-8B2F-0EB040CF2FA5}" destId="{FE81DEA9-E72D-44BB-BC27-A9C52C37D304}" srcOrd="0" destOrd="0" presId="urn:microsoft.com/office/officeart/2005/8/layout/chevron2"/>
-    <dgm:cxn modelId="{ED67F157-3911-4CCB-8216-C6A7D1F0BEE7}" type="presParOf" srcId="{C03AD31C-6B3D-4E1D-8B2F-0EB040CF2FA5}" destId="{66B34ED5-BFDD-4A86-80F9-3FFA96C803AE}" srcOrd="1" destOrd="0" presId="urn:microsoft.com/office/officeart/2005/8/layout/chevron2"/>
-    <dgm:cxn modelId="{781080E1-6C05-48E2-A3FC-B4CDDD506423}" type="presParOf" srcId="{1A175664-6ED2-47DF-B302-D3777B52DA50}" destId="{BCC5290F-66D6-42C1-99E4-68F0D210DD36}" srcOrd="3" destOrd="0" presId="urn:microsoft.com/office/officeart/2005/8/layout/chevron2"/>
-    <dgm:cxn modelId="{5AE41D42-9FB0-4FEE-B616-74B32E64E485}" type="presParOf" srcId="{1A175664-6ED2-47DF-B302-D3777B52DA50}" destId="{1D904615-1278-4B3B-BAE5-2BDE65FD765D}" srcOrd="4" destOrd="0" presId="urn:microsoft.com/office/officeart/2005/8/layout/chevron2"/>
-    <dgm:cxn modelId="{D71DF04A-43AF-43EE-9B0C-4A9EDDE8C9BA}" type="presParOf" srcId="{1D904615-1278-4B3B-BAE5-2BDE65FD765D}" destId="{28BFE95B-6EEB-443D-9F42-2587E772249C}" srcOrd="0" destOrd="0" presId="urn:microsoft.com/office/officeart/2005/8/layout/chevron2"/>
-    <dgm:cxn modelId="{80287EF0-85C4-4AE3-A39F-1FF5FDC3DC1C}" type="presParOf" srcId="{1D904615-1278-4B3B-BAE5-2BDE65FD765D}" destId="{0E4C8DBF-555A-442F-AB96-FCC42D4336B8}" srcOrd="1" destOrd="0" presId="urn:microsoft.com/office/officeart/2005/8/layout/chevron2"/>
-    <dgm:cxn modelId="{BC182E63-39A2-4963-B126-C17A40EB42AE}" type="presParOf" srcId="{1A175664-6ED2-47DF-B302-D3777B52DA50}" destId="{4D3922E5-990F-48BC-B1DB-51BE5B12BB20}" srcOrd="5" destOrd="0" presId="urn:microsoft.com/office/officeart/2005/8/layout/chevron2"/>
-    <dgm:cxn modelId="{8AB801CF-81F0-4960-BD8E-1A8DA2B8B82F}" type="presParOf" srcId="{1A175664-6ED2-47DF-B302-D3777B52DA50}" destId="{44682FC1-DE21-4933-8D01-0F9BA02D7FF7}" srcOrd="6" destOrd="0" presId="urn:microsoft.com/office/officeart/2005/8/layout/chevron2"/>
-    <dgm:cxn modelId="{6458C4F3-9894-4468-A9FE-04C96DF89321}" type="presParOf" srcId="{44682FC1-DE21-4933-8D01-0F9BA02D7FF7}" destId="{CA628192-A84F-4B71-830A-59A293DB44E3}" srcOrd="0" destOrd="0" presId="urn:microsoft.com/office/officeart/2005/8/layout/chevron2"/>
-    <dgm:cxn modelId="{6404167B-2FCB-4B82-9BE1-0A610DEFE09C}" type="presParOf" srcId="{44682FC1-DE21-4933-8D01-0F9BA02D7FF7}" destId="{6E74C597-7852-4944-AEB3-E43F6E29D412}" srcOrd="1" destOrd="0" presId="urn:microsoft.com/office/officeart/2005/8/layout/chevron2"/>
+    <dgm:cxn modelId="{D6754492-00E3-4CA7-9AF6-6C5305D70542}" type="presOf" srcId="{485B0A70-06BD-4D35-B668-ED58761A182E}" destId="{27943FF0-9052-42FC-9D2A-94DC53C9046A}" srcOrd="1" destOrd="0" presId="urn:microsoft.com/office/officeart/2005/8/layout/process2"/>
+    <dgm:cxn modelId="{1651A04D-BE5E-49CF-84E5-B3BA4A7B052E}" srcId="{0B8005AB-D61F-456D-8C11-6F67918EA96C}" destId="{078E7D13-27B0-4F7A-ABBD-4BD631A7688D}" srcOrd="1" destOrd="0" parTransId="{DE508F71-CB30-4B9D-B362-E1DD00D2CD00}" sibTransId="{3EE11CF5-E6E3-45F3-A724-C38D85543BE0}"/>
+    <dgm:cxn modelId="{87DCEE0A-77EF-443E-92A1-C3B041540A79}" type="presOf" srcId="{E699BA99-F2C0-4A7C-828E-8062B36FF2FF}" destId="{F88DA77E-5075-4DFD-A626-16139537C385}" srcOrd="0" destOrd="5" presId="urn:microsoft.com/office/officeart/2005/8/layout/process2"/>
+    <dgm:cxn modelId="{E02702D7-DFBA-4E72-B2B4-405A7F0C1020}" type="presParOf" srcId="{69A4926D-2EDD-467E-AF23-E402B22BF067}" destId="{C8B4AF29-F8B2-4B5C-9A0A-4318A0FDAA67}" srcOrd="0" destOrd="0" presId="urn:microsoft.com/office/officeart/2005/8/layout/process2"/>
+    <dgm:cxn modelId="{BE399AFF-4A3D-490A-933B-98867540239A}" type="presParOf" srcId="{69A4926D-2EDD-467E-AF23-E402B22BF067}" destId="{AB32203C-6605-47CB-9C1E-BA71B646A831}" srcOrd="1" destOrd="0" presId="urn:microsoft.com/office/officeart/2005/8/layout/process2"/>
+    <dgm:cxn modelId="{1CE53380-ECAF-4E94-900C-104B8A24FD1C}" type="presParOf" srcId="{AB32203C-6605-47CB-9C1E-BA71B646A831}" destId="{AEAFAB2C-C82E-445E-A509-0DB7B4BBA7C6}" srcOrd="0" destOrd="0" presId="urn:microsoft.com/office/officeart/2005/8/layout/process2"/>
+    <dgm:cxn modelId="{2F9906CB-5671-44DF-A5C5-5719D7A2FCED}" type="presParOf" srcId="{69A4926D-2EDD-467E-AF23-E402B22BF067}" destId="{EBB63F27-B095-46AF-B7D4-749C71931F9F}" srcOrd="2" destOrd="0" presId="urn:microsoft.com/office/officeart/2005/8/layout/process2"/>
+    <dgm:cxn modelId="{D75B9647-FA4E-453D-ADCC-0DA553937BDC}" type="presParOf" srcId="{69A4926D-2EDD-467E-AF23-E402B22BF067}" destId="{7D2A00C7-6363-46B9-9825-DD209EB38952}" srcOrd="3" destOrd="0" presId="urn:microsoft.com/office/officeart/2005/8/layout/process2"/>
+    <dgm:cxn modelId="{3C5F80DB-8680-4D5C-8138-3B04F68DD261}" type="presParOf" srcId="{7D2A00C7-6363-46B9-9825-DD209EB38952}" destId="{27943FF0-9052-42FC-9D2A-94DC53C9046A}" srcOrd="0" destOrd="0" presId="urn:microsoft.com/office/officeart/2005/8/layout/process2"/>
+    <dgm:cxn modelId="{A7F955CA-4B00-4505-9271-FC02506C4A15}" type="presParOf" srcId="{69A4926D-2EDD-467E-AF23-E402B22BF067}" destId="{F35FA51F-D25E-4A0E-9B7A-7980DF29C0D3}" srcOrd="4" destOrd="0" presId="urn:microsoft.com/office/officeart/2005/8/layout/process2"/>
+    <dgm:cxn modelId="{DD879304-A38F-48E2-8C6D-B8F2B16C7EBF}" type="presParOf" srcId="{69A4926D-2EDD-467E-AF23-E402B22BF067}" destId="{B899CA72-4432-44BC-8D29-47203ECE9433}" srcOrd="5" destOrd="0" presId="urn:microsoft.com/office/officeart/2005/8/layout/process2"/>
+    <dgm:cxn modelId="{1F19948D-DE7B-4815-971B-10A8FB962160}" type="presParOf" srcId="{B899CA72-4432-44BC-8D29-47203ECE9433}" destId="{F6AF2990-2CBB-4D24-AA87-E1BACC8BFE89}" srcOrd="0" destOrd="0" presId="urn:microsoft.com/office/officeart/2005/8/layout/process2"/>
+    <dgm:cxn modelId="{5C5F8AF3-DD9B-4310-AA0F-7B3AE75D93D6}" type="presParOf" srcId="{69A4926D-2EDD-467E-AF23-E402B22BF067}" destId="{F88DA77E-5075-4DFD-A626-16139537C385}" srcOrd="6" destOrd="0" presId="urn:microsoft.com/office/officeart/2005/8/layout/process2"/>
+    <dgm:cxn modelId="{7A7FDD82-BD49-48B6-A637-5B74ED3C9E21}" type="presParOf" srcId="{69A4926D-2EDD-467E-AF23-E402B22BF067}" destId="{A55B3566-2B07-4604-AAB8-DD63E2B590AA}" srcOrd="7" destOrd="0" presId="urn:microsoft.com/office/officeart/2005/8/layout/process2"/>
+    <dgm:cxn modelId="{EE524AF3-8F32-4229-9501-24F7CB98FEB2}" type="presParOf" srcId="{A55B3566-2B07-4604-AAB8-DD63E2B590AA}" destId="{316DCBA6-B9ED-4796-B23D-A21A99D2036C}" srcOrd="0" destOrd="0" presId="urn:microsoft.com/office/officeart/2005/8/layout/process2"/>
+    <dgm:cxn modelId="{12D8D077-834C-45D1-A17C-386308E7AE1F}" type="presParOf" srcId="{69A4926D-2EDD-467E-AF23-E402B22BF067}" destId="{3D7F7322-53B4-41B9-9E72-0AAACD791497}" srcOrd="8" destOrd="0" presId="urn:microsoft.com/office/officeart/2005/8/layout/process2"/>
+    <dgm:cxn modelId="{3EA23276-6A92-4EDC-A848-23405469CEB9}" type="presParOf" srcId="{69A4926D-2EDD-467E-AF23-E402B22BF067}" destId="{AE9CB4F5-053D-4F08-A1E7-809CD882C798}" srcOrd="9" destOrd="0" presId="urn:microsoft.com/office/officeart/2005/8/layout/process2"/>
+    <dgm:cxn modelId="{0B681021-1671-47DB-BF81-72D3CFBA1DC7}" type="presParOf" srcId="{AE9CB4F5-053D-4F08-A1E7-809CD882C798}" destId="{A5F5FD2B-D354-4C95-B039-8B9B252B242F}" srcOrd="0" destOrd="0" presId="urn:microsoft.com/office/officeart/2005/8/layout/process2"/>
+    <dgm:cxn modelId="{8EDD85C2-3CC7-4F06-99D3-39E1142FD829}" type="presParOf" srcId="{69A4926D-2EDD-467E-AF23-E402B22BF067}" destId="{0623080B-F2D3-4BDD-A4AE-88ADA437E8EF}" srcOrd="10" destOrd="0" presId="urn:microsoft.com/office/officeart/2005/8/layout/process2"/>
   </dgm:cxnLst>
   <dgm:bg/>
   <dgm:whole/>
@@ -1948,64 +2256,95 @@
       <dsp:cNvGrpSpPr/>
     </dsp:nvGrpSpPr>
     <dsp:grpSpPr/>
-    <dsp:sp modelId="{6B0A138A-63DD-44CB-8153-F93579BF19DE}">
+    <dsp:sp modelId="{C8B4AF29-F8B2-4B5C-9A0A-4318A0FDAA67}">
       <dsp:nvSpPr>
         <dsp:cNvPr id="0" name=""/>
         <dsp:cNvSpPr/>
       </dsp:nvSpPr>
       <dsp:spPr>
-        <a:xfrm rot="5400000">
-          <a:off x="-310242" y="328173"/>
-          <a:ext cx="1429055" cy="808570"/>
+        <a:xfrm>
+          <a:off x="757847" y="5529"/>
+          <a:ext cx="6120008" cy="599496"/>
         </a:xfrm>
-        <a:prstGeom prst="chevron">
-          <a:avLst/>
+        <a:prstGeom prst="roundRect">
+          <a:avLst>
+            <a:gd name="adj" fmla="val 10000"/>
+          </a:avLst>
         </a:prstGeom>
-        <a:solidFill>
-          <a:schemeClr val="accent6">
-            <a:alpha val="90000"/>
-            <a:hueOff val="0"/>
-            <a:satOff val="0"/>
-            <a:lumOff val="0"/>
-            <a:alphaOff val="0"/>
-          </a:schemeClr>
-        </a:solidFill>
-        <a:ln w="12700" cap="flat" cmpd="sng" algn="ctr">
-          <a:solidFill>
-            <a:schemeClr val="accent6">
-              <a:alpha val="90000"/>
-              <a:hueOff val="0"/>
-              <a:satOff val="0"/>
-              <a:lumOff val="0"/>
-              <a:alphaOff val="0"/>
-            </a:schemeClr>
-          </a:solidFill>
-          <a:prstDash val="solid"/>
-          <a:miter lim="800000"/>
+        <a:gradFill rotWithShape="0">
+          <a:gsLst>
+            <a:gs pos="0">
+              <a:schemeClr val="accent6">
+                <a:alpha val="90000"/>
+                <a:hueOff val="0"/>
+                <a:satOff val="0"/>
+                <a:lumOff val="0"/>
+                <a:alphaOff val="0"/>
+                <a:lumMod val="110000"/>
+                <a:satMod val="105000"/>
+                <a:tint val="67000"/>
+              </a:schemeClr>
+            </a:gs>
+            <a:gs pos="50000">
+              <a:schemeClr val="accent6">
+                <a:alpha val="90000"/>
+                <a:hueOff val="0"/>
+                <a:satOff val="0"/>
+                <a:lumOff val="0"/>
+                <a:alphaOff val="0"/>
+                <a:lumMod val="105000"/>
+                <a:satMod val="103000"/>
+                <a:tint val="73000"/>
+              </a:schemeClr>
+            </a:gs>
+            <a:gs pos="100000">
+              <a:schemeClr val="accent6">
+                <a:alpha val="90000"/>
+                <a:hueOff val="0"/>
+                <a:satOff val="0"/>
+                <a:lumOff val="0"/>
+                <a:alphaOff val="0"/>
+                <a:lumMod val="105000"/>
+                <a:satMod val="109000"/>
+                <a:tint val="81000"/>
+              </a:schemeClr>
+            </a:gs>
+          </a:gsLst>
+          <a:lin ang="5400000" scaled="0"/>
+        </a:gradFill>
+        <a:ln>
+          <a:noFill/>
         </a:ln>
         <a:effectLst/>
+        <a:scene3d>
+          <a:camera prst="orthographicFront"/>
+          <a:lightRig rig="flat" dir="t"/>
+        </a:scene3d>
+        <a:sp3d prstMaterial="dkEdge">
+          <a:bevelT w="8200" h="38100"/>
+        </a:sp3d>
       </dsp:spPr>
       <dsp:style>
-        <a:lnRef idx="2">
+        <a:lnRef idx="0">
           <a:scrgbClr r="0" g="0" b="0"/>
         </a:lnRef>
-        <a:fillRef idx="1">
+        <a:fillRef idx="2">
           <a:scrgbClr r="0" g="0" b="0"/>
         </a:fillRef>
-        <a:effectRef idx="0">
+        <a:effectRef idx="1">
           <a:scrgbClr r="0" g="0" b="0"/>
         </a:effectRef>
         <a:fontRef idx="minor">
-          <a:schemeClr val="lt1"/>
+          <a:schemeClr val="dk1"/>
         </a:fontRef>
       </dsp:style>
       <dsp:txBody>
-        <a:bodyPr spcFirstLastPara="0" vert="horz" wrap="square" lIns="6985" tIns="6985" rIns="6985" bIns="6985" numCol="1" spcCol="1270" anchor="ctr" anchorCtr="0">
+        <a:bodyPr spcFirstLastPara="0" vert="horz" wrap="square" lIns="34290" tIns="34290" rIns="34290" bIns="34290" numCol="1" spcCol="1270" anchor="ctr" anchorCtr="0">
           <a:noAutofit/>
         </a:bodyPr>
         <a:lstStyle/>
         <a:p>
-          <a:pPr lvl="0" algn="ctr" defTabSz="488950">
+          <a:pPr lvl="0" algn="l" defTabSz="400050">
             <a:lnSpc>
               <a:spcPct val="90000"/>
             </a:lnSpc>
@@ -2017,87 +2356,13 @@
             </a:spcAft>
           </a:pPr>
           <a:r>
-            <a:rPr lang="en-US" sz="1100" kern="1200" dirty="0" smtClean="0">
-              <a:solidFill>
-                <a:schemeClr val="tx1">
-                  <a:lumMod val="95000"/>
-                  <a:lumOff val="5000"/>
-                </a:schemeClr>
-              </a:solidFill>
-            </a:rPr>
+            <a:rPr lang="en-US" sz="900" b="1" kern="1200" dirty="0" smtClean="0"/>
             <a:t>Data Preparation</a:t>
           </a:r>
-          <a:endParaRPr lang="en-US" sz="1100" kern="1200" dirty="0">
-            <a:solidFill>
-              <a:schemeClr val="tx1">
-                <a:lumMod val="95000"/>
-                <a:lumOff val="5000"/>
-              </a:schemeClr>
-            </a:solidFill>
-          </a:endParaRPr>
-        </a:p>
-      </dsp:txBody>
-      <dsp:txXfrm rot="-5400000">
-        <a:off x="1" y="422215"/>
-        <a:ext cx="808570" cy="620485"/>
-      </dsp:txXfrm>
-    </dsp:sp>
-    <dsp:sp modelId="{D1BC88FD-EC27-4F66-AFA2-EC28F0341C4F}">
-      <dsp:nvSpPr>
-        <dsp:cNvPr id="0" name=""/>
-        <dsp:cNvSpPr/>
-      </dsp:nvSpPr>
-      <dsp:spPr>
-        <a:xfrm rot="5400000">
-          <a:off x="3239899" y="-2424526"/>
-          <a:ext cx="750815" cy="5613473"/>
-        </a:xfrm>
-        <a:prstGeom prst="round2SameRect">
-          <a:avLst/>
-        </a:prstGeom>
-        <a:solidFill>
-          <a:schemeClr val="lt1">
-            <a:alpha val="90000"/>
-            <a:hueOff val="0"/>
-            <a:satOff val="0"/>
-            <a:lumOff val="0"/>
-            <a:alphaOff val="0"/>
-          </a:schemeClr>
-        </a:solidFill>
-        <a:ln w="12700" cap="flat" cmpd="sng" algn="ctr">
-          <a:solidFill>
-            <a:schemeClr val="accent6">
-              <a:alpha val="90000"/>
-              <a:hueOff val="0"/>
-              <a:satOff val="0"/>
-              <a:lumOff val="0"/>
-              <a:alphaOff val="0"/>
-            </a:schemeClr>
-          </a:solidFill>
-          <a:prstDash val="solid"/>
-          <a:miter lim="800000"/>
-        </a:ln>
-        <a:effectLst/>
-      </dsp:spPr>
-      <dsp:style>
-        <a:lnRef idx="2">
-          <a:scrgbClr r="0" g="0" b="0"/>
-        </a:lnRef>
-        <a:fillRef idx="1">
-          <a:scrgbClr r="0" g="0" b="0"/>
-        </a:fillRef>
-        <a:effectRef idx="0">
-          <a:scrgbClr r="0" g="0" b="0"/>
-        </a:effectRef>
-        <a:fontRef idx="minor"/>
-      </dsp:style>
-      <dsp:txBody>
-        <a:bodyPr spcFirstLastPara="0" vert="horz" wrap="square" lIns="78232" tIns="6985" rIns="6985" bIns="6985" numCol="1" spcCol="1270" anchor="ctr" anchorCtr="0">
-          <a:noAutofit/>
-        </a:bodyPr>
-        <a:lstStyle/>
-        <a:p>
-          <a:pPr marL="57150" lvl="1" indent="-57150" algn="l" defTabSz="488950">
+          <a:endParaRPr lang="en-US" sz="900" b="1" kern="1200" dirty="0"/>
+        </a:p>
+        <a:p>
+          <a:pPr marL="57150" lvl="1" indent="-57150" algn="l" defTabSz="400050">
             <a:lnSpc>
               <a:spcPct val="90000"/>
             </a:lnSpc>
@@ -2110,13 +2375,13 @@
             <a:buChar char="••"/>
           </a:pPr>
           <a:r>
-            <a:rPr lang="en-US" sz="1100" kern="1200" dirty="0" smtClean="0"/>
-            <a:t>Download required datasets</a:t>
+            <a:rPr lang="en-US" sz="900" kern="1200" dirty="0" smtClean="0"/>
+            <a:t> Download required datasets</a:t>
           </a:r>
-          <a:endParaRPr lang="en-US" sz="1100" kern="1200" dirty="0"/>
-        </a:p>
-        <a:p>
-          <a:pPr marL="57150" lvl="1" indent="-57150" algn="l" defTabSz="488950">
+          <a:endParaRPr lang="en-US" sz="900" kern="1200" dirty="0"/>
+        </a:p>
+        <a:p>
+          <a:pPr marL="57150" lvl="1" indent="-57150" algn="l" defTabSz="400050">
             <a:lnSpc>
               <a:spcPct val="90000"/>
             </a:lnSpc>
@@ -2129,75 +2394,227 @@
             <a:buChar char="••"/>
           </a:pPr>
           <a:r>
-            <a:rPr lang="en-US" sz="1100" kern="1200" dirty="0" smtClean="0"/>
-            <a:t>Prepare input datasets</a:t>
+            <a:rPr lang="en-US" sz="900" kern="1200" dirty="0" smtClean="0"/>
+            <a:t> Prepare input datasets (Sub-set assets, </a:t>
           </a:r>
-          <a:endParaRPr lang="en-US" sz="1100" kern="1200" dirty="0"/>
+          <a:r>
+            <a:rPr lang="en-US" sz="900" kern="1200" dirty="0" smtClean="0"/>
+            <a:t>LCM, Floodplain, </a:t>
+          </a:r>
+          <a:r>
+            <a:rPr lang="en-US" sz="900" kern="1200" dirty="0" err="1" smtClean="0"/>
+            <a:t>Centreline</a:t>
+          </a:r>
+          <a:r>
+            <a:rPr lang="en-US" sz="900" kern="1200" dirty="0" smtClean="0"/>
+            <a:t>, hydrology </a:t>
+          </a:r>
+          <a:r>
+            <a:rPr lang="en-US" sz="900" kern="1200" dirty="0" err="1" smtClean="0"/>
+            <a:t>rasters</a:t>
+          </a:r>
+          <a:r>
+            <a:rPr lang="en-US" sz="900" kern="1200" dirty="0" smtClean="0"/>
+            <a:t>, geology, DoD)</a:t>
+          </a:r>
+          <a:endParaRPr lang="en-US" sz="900" kern="1200" dirty="0"/>
         </a:p>
       </dsp:txBody>
-      <dsp:txXfrm rot="-5400000">
-        <a:off x="808570" y="43455"/>
-        <a:ext cx="5576821" cy="677511"/>
+      <dsp:txXfrm>
+        <a:off x="775406" y="23088"/>
+        <a:ext cx="6084890" cy="564378"/>
       </dsp:txXfrm>
     </dsp:sp>
-    <dsp:sp modelId="{FE81DEA9-E72D-44BB-BC27-A9C52C37D304}">
+    <dsp:sp modelId="{AB32203C-6605-47CB-9C1E-BA71B646A831}">
       <dsp:nvSpPr>
         <dsp:cNvPr id="0" name=""/>
         <dsp:cNvSpPr/>
       </dsp:nvSpPr>
       <dsp:spPr>
         <a:xfrm rot="5400000">
-          <a:off x="-334488" y="1667283"/>
-          <a:ext cx="1477546" cy="808570"/>
+          <a:off x="3679169" y="623516"/>
+          <a:ext cx="277363" cy="332835"/>
         </a:xfrm>
-        <a:prstGeom prst="chevron">
-          <a:avLst/>
+        <a:prstGeom prst="rightArrow">
+          <a:avLst>
+            <a:gd name="adj1" fmla="val 60000"/>
+            <a:gd name="adj2" fmla="val 50000"/>
+          </a:avLst>
         </a:prstGeom>
-        <a:solidFill>
-          <a:schemeClr val="accent6">
-            <a:alpha val="90000"/>
-            <a:hueOff val="0"/>
-            <a:satOff val="0"/>
-            <a:lumOff val="0"/>
-            <a:alphaOff val="-13333"/>
-          </a:schemeClr>
-        </a:solidFill>
-        <a:ln w="12700" cap="flat" cmpd="sng" algn="ctr">
-          <a:solidFill>
-            <a:schemeClr val="accent6">
-              <a:alpha val="90000"/>
-              <a:hueOff val="0"/>
-              <a:satOff val="0"/>
-              <a:lumOff val="0"/>
-              <a:alphaOff val="-13333"/>
-            </a:schemeClr>
-          </a:solidFill>
-          <a:prstDash val="solid"/>
-          <a:miter lim="800000"/>
+        <a:gradFill rotWithShape="0">
+          <a:gsLst>
+            <a:gs pos="0">
+              <a:schemeClr val="accent6">
+                <a:shade val="90000"/>
+                <a:hueOff val="0"/>
+                <a:satOff val="0"/>
+                <a:lumOff val="0"/>
+                <a:alphaOff val="0"/>
+                <a:lumMod val="110000"/>
+                <a:satMod val="105000"/>
+                <a:tint val="67000"/>
+              </a:schemeClr>
+            </a:gs>
+            <a:gs pos="50000">
+              <a:schemeClr val="accent6">
+                <a:shade val="90000"/>
+                <a:hueOff val="0"/>
+                <a:satOff val="0"/>
+                <a:lumOff val="0"/>
+                <a:alphaOff val="0"/>
+                <a:lumMod val="105000"/>
+                <a:satMod val="103000"/>
+                <a:tint val="73000"/>
+              </a:schemeClr>
+            </a:gs>
+            <a:gs pos="100000">
+              <a:schemeClr val="accent6">
+                <a:shade val="90000"/>
+                <a:hueOff val="0"/>
+                <a:satOff val="0"/>
+                <a:lumOff val="0"/>
+                <a:alphaOff val="0"/>
+                <a:lumMod val="105000"/>
+                <a:satMod val="109000"/>
+                <a:tint val="81000"/>
+              </a:schemeClr>
+            </a:gs>
+          </a:gsLst>
+          <a:lin ang="5400000" scaled="0"/>
+        </a:gradFill>
+        <a:ln>
+          <a:noFill/>
         </a:ln>
         <a:effectLst/>
       </dsp:spPr>
       <dsp:style>
-        <a:lnRef idx="2">
+        <a:lnRef idx="0">
           <a:scrgbClr r="0" g="0" b="0"/>
         </a:lnRef>
-        <a:fillRef idx="1">
+        <a:fillRef idx="2">
           <a:scrgbClr r="0" g="0" b="0"/>
         </a:fillRef>
-        <a:effectRef idx="0">
+        <a:effectRef idx="1">
           <a:scrgbClr r="0" g="0" b="0"/>
         </a:effectRef>
         <a:fontRef idx="minor">
-          <a:schemeClr val="lt1"/>
+          <a:schemeClr val="dk1"/>
         </a:fontRef>
       </dsp:style>
       <dsp:txBody>
-        <a:bodyPr spcFirstLastPara="0" vert="horz" wrap="square" lIns="6985" tIns="6985" rIns="6985" bIns="6985" numCol="1" spcCol="1270" anchor="ctr" anchorCtr="0">
+        <a:bodyPr spcFirstLastPara="0" vert="horz" wrap="square" lIns="0" tIns="0" rIns="0" bIns="0" numCol="1" spcCol="1270" anchor="ctr" anchorCtr="0">
           <a:noAutofit/>
         </a:bodyPr>
         <a:lstStyle/>
         <a:p>
-          <a:pPr lvl="0" algn="ctr" defTabSz="488950">
+          <a:pPr lvl="0" algn="ctr" defTabSz="577850">
+            <a:lnSpc>
+              <a:spcPct val="90000"/>
+            </a:lnSpc>
+            <a:spcBef>
+              <a:spcPct val="0"/>
+            </a:spcBef>
+            <a:spcAft>
+              <a:spcPct val="35000"/>
+            </a:spcAft>
+          </a:pPr>
+          <a:endParaRPr lang="en-US" sz="1300" kern="1200" dirty="0"/>
+        </a:p>
+      </dsp:txBody>
+      <dsp:txXfrm rot="-5400000">
+        <a:off x="3718001" y="651252"/>
+        <a:ext cx="199701" cy="194154"/>
+      </dsp:txXfrm>
+    </dsp:sp>
+    <dsp:sp modelId="{EBB63F27-B095-46AF-B7D4-749C71931F9F}">
+      <dsp:nvSpPr>
+        <dsp:cNvPr id="0" name=""/>
+        <dsp:cNvSpPr/>
+      </dsp:nvSpPr>
+      <dsp:spPr>
+        <a:xfrm>
+          <a:off x="757847" y="974843"/>
+          <a:ext cx="6120008" cy="799952"/>
+        </a:xfrm>
+        <a:prstGeom prst="roundRect">
+          <a:avLst>
+            <a:gd name="adj" fmla="val 10000"/>
+          </a:avLst>
+        </a:prstGeom>
+        <a:gradFill rotWithShape="0">
+          <a:gsLst>
+            <a:gs pos="0">
+              <a:schemeClr val="accent6">
+                <a:alpha val="90000"/>
+                <a:hueOff val="0"/>
+                <a:satOff val="0"/>
+                <a:lumOff val="0"/>
+                <a:alphaOff val="-8000"/>
+                <a:lumMod val="110000"/>
+                <a:satMod val="105000"/>
+                <a:tint val="67000"/>
+              </a:schemeClr>
+            </a:gs>
+            <a:gs pos="50000">
+              <a:schemeClr val="accent6">
+                <a:alpha val="90000"/>
+                <a:hueOff val="0"/>
+                <a:satOff val="0"/>
+                <a:lumOff val="0"/>
+                <a:alphaOff val="-8000"/>
+                <a:lumMod val="105000"/>
+                <a:satMod val="103000"/>
+                <a:tint val="73000"/>
+              </a:schemeClr>
+            </a:gs>
+            <a:gs pos="100000">
+              <a:schemeClr val="accent6">
+                <a:alpha val="90000"/>
+                <a:hueOff val="0"/>
+                <a:satOff val="0"/>
+                <a:lumOff val="0"/>
+                <a:alphaOff val="-8000"/>
+                <a:lumMod val="105000"/>
+                <a:satMod val="109000"/>
+                <a:tint val="81000"/>
+              </a:schemeClr>
+            </a:gs>
+          </a:gsLst>
+          <a:lin ang="5400000" scaled="0"/>
+        </a:gradFill>
+        <a:ln>
+          <a:noFill/>
+        </a:ln>
+        <a:effectLst/>
+        <a:scene3d>
+          <a:camera prst="orthographicFront"/>
+          <a:lightRig rig="flat" dir="t"/>
+        </a:scene3d>
+        <a:sp3d prstMaterial="dkEdge">
+          <a:bevelT w="8200" h="38100"/>
+        </a:sp3d>
+      </dsp:spPr>
+      <dsp:style>
+        <a:lnRef idx="0">
+          <a:scrgbClr r="0" g="0" b="0"/>
+        </a:lnRef>
+        <a:fillRef idx="2">
+          <a:scrgbClr r="0" g="0" b="0"/>
+        </a:fillRef>
+        <a:effectRef idx="1">
+          <a:scrgbClr r="0" g="0" b="0"/>
+        </a:effectRef>
+        <a:fontRef idx="minor">
+          <a:schemeClr val="dk1"/>
+        </a:fontRef>
+      </dsp:style>
+      <dsp:txBody>
+        <a:bodyPr spcFirstLastPara="0" vert="horz" wrap="square" lIns="34290" tIns="34290" rIns="34290" bIns="34290" numCol="1" spcCol="1270" anchor="ctr" anchorCtr="0">
+          <a:noAutofit/>
+        </a:bodyPr>
+        <a:lstStyle/>
+        <a:p>
+          <a:pPr lvl="0" algn="l" defTabSz="400050">
             <a:lnSpc>
               <a:spcPct val="90000"/>
             </a:lnSpc>
@@ -2209,87 +2626,13 @@
             </a:spcAft>
           </a:pPr>
           <a:r>
-            <a:rPr lang="en-US" sz="1100" kern="1200" dirty="0" smtClean="0">
-              <a:solidFill>
-                <a:schemeClr val="tx1">
-                  <a:lumMod val="95000"/>
-                  <a:lumOff val="5000"/>
-                </a:schemeClr>
-              </a:solidFill>
-            </a:rPr>
+            <a:rPr lang="en-US" sz="900" b="1" kern="1200" dirty="0" smtClean="0"/>
             <a:t>Create Initial Confinement</a:t>
           </a:r>
-          <a:endParaRPr lang="en-US" sz="1100" kern="1200" dirty="0">
-            <a:solidFill>
-              <a:schemeClr val="tx1">
-                <a:lumMod val="95000"/>
-                <a:lumOff val="5000"/>
-              </a:schemeClr>
-            </a:solidFill>
-          </a:endParaRPr>
-        </a:p>
-      </dsp:txBody>
-      <dsp:txXfrm rot="-5400000">
-        <a:off x="0" y="1737080"/>
-        <a:ext cx="808570" cy="668976"/>
-      </dsp:txXfrm>
-    </dsp:sp>
-    <dsp:sp modelId="{66B34ED5-BFDD-4A86-80F9-3FFA96C803AE}">
-      <dsp:nvSpPr>
-        <dsp:cNvPr id="0" name=""/>
-        <dsp:cNvSpPr/>
-      </dsp:nvSpPr>
-      <dsp:spPr>
-        <a:xfrm rot="5400000">
-          <a:off x="3232433" y="-1101875"/>
-          <a:ext cx="750815" cy="5613473"/>
-        </a:xfrm>
-        <a:prstGeom prst="round2SameRect">
-          <a:avLst/>
-        </a:prstGeom>
-        <a:solidFill>
-          <a:schemeClr val="lt1">
-            <a:alpha val="90000"/>
-            <a:hueOff val="0"/>
-            <a:satOff val="0"/>
-            <a:lumOff val="0"/>
-            <a:alphaOff val="0"/>
-          </a:schemeClr>
-        </a:solidFill>
-        <a:ln w="12700" cap="flat" cmpd="sng" algn="ctr">
-          <a:solidFill>
-            <a:schemeClr val="accent6">
-              <a:alpha val="90000"/>
-              <a:hueOff val="0"/>
-              <a:satOff val="0"/>
-              <a:lumOff val="0"/>
-              <a:alphaOff val="-13333"/>
-            </a:schemeClr>
-          </a:solidFill>
-          <a:prstDash val="solid"/>
-          <a:miter lim="800000"/>
-        </a:ln>
-        <a:effectLst/>
-      </dsp:spPr>
-      <dsp:style>
-        <a:lnRef idx="2">
-          <a:scrgbClr r="0" g="0" b="0"/>
-        </a:lnRef>
-        <a:fillRef idx="1">
-          <a:scrgbClr r="0" g="0" b="0"/>
-        </a:fillRef>
-        <a:effectRef idx="0">
-          <a:scrgbClr r="0" g="0" b="0"/>
-        </a:effectRef>
-        <a:fontRef idx="minor"/>
-      </dsp:style>
-      <dsp:txBody>
-        <a:bodyPr spcFirstLastPara="0" vert="horz" wrap="square" lIns="78232" tIns="6985" rIns="6985" bIns="6985" numCol="1" spcCol="1270" anchor="ctr" anchorCtr="0">
-          <a:noAutofit/>
-        </a:bodyPr>
-        <a:lstStyle/>
-        <a:p>
-          <a:pPr marL="57150" lvl="1" indent="-57150" algn="l" defTabSz="488950">
+          <a:endParaRPr lang="en-US" sz="900" b="1" kern="1200" dirty="0"/>
+        </a:p>
+        <a:p>
+          <a:pPr marL="57150" lvl="1" indent="-57150" algn="l" defTabSz="400050">
             <a:lnSpc>
               <a:spcPct val="90000"/>
             </a:lnSpc>
@@ -2302,13 +2645,13 @@
             <a:buChar char="••"/>
           </a:pPr>
           <a:r>
-            <a:rPr lang="en-US" sz="1100" kern="1200" dirty="0" smtClean="0"/>
-            <a:t>Create a Confinement Project</a:t>
+            <a:rPr lang="en-US" sz="900" kern="1200" dirty="0" smtClean="0"/>
+            <a:t> Create a Confinement Project</a:t>
           </a:r>
-          <a:endParaRPr lang="en-US" sz="1100" kern="1200" dirty="0"/>
-        </a:p>
-        <a:p>
-          <a:pPr marL="57150" lvl="1" indent="-57150" algn="l" defTabSz="488950">
+          <a:endParaRPr lang="en-US" sz="900" kern="1200" dirty="0"/>
+        </a:p>
+        <a:p>
+          <a:pPr marL="57150" lvl="1" indent="-57150" algn="l" defTabSz="400050">
             <a:lnSpc>
               <a:spcPct val="90000"/>
             </a:lnSpc>
@@ -2321,13 +2664,13 @@
             <a:buChar char="••"/>
           </a:pPr>
           <a:r>
-            <a:rPr lang="en-US" sz="1100" kern="1200" dirty="0" smtClean="0"/>
-            <a:t>Load Project with datasets</a:t>
+            <a:rPr lang="en-US" sz="900" kern="1200" dirty="0" smtClean="0"/>
+            <a:t> Load Project with datasets</a:t>
           </a:r>
-          <a:endParaRPr lang="en-US" sz="1100" kern="1200" dirty="0"/>
-        </a:p>
-        <a:p>
-          <a:pPr marL="57150" lvl="1" indent="-57150" algn="l" defTabSz="488950">
+          <a:endParaRPr lang="en-US" sz="900" kern="1200" dirty="0"/>
+        </a:p>
+        <a:p>
+          <a:pPr marL="57150" lvl="1" indent="-57150" algn="l" defTabSz="400050">
             <a:lnSpc>
               <a:spcPct val="90000"/>
             </a:lnSpc>
@@ -2340,75 +2683,207 @@
             <a:buChar char="••"/>
           </a:pPr>
           <a:r>
-            <a:rPr lang="en-US" sz="1100" kern="1200" dirty="0" smtClean="0"/>
-            <a:t>Run the Confining Margins tool</a:t>
+            <a:rPr lang="en-US" sz="900" kern="1200" dirty="0" smtClean="0"/>
+            <a:t> Run the Confining Margins tool</a:t>
           </a:r>
-          <a:endParaRPr lang="en-US" sz="1100" kern="1200" dirty="0"/>
+          <a:endParaRPr lang="en-US" sz="900" kern="1200" dirty="0"/>
         </a:p>
       </dsp:txBody>
-      <dsp:txXfrm rot="-5400000">
-        <a:off x="801104" y="1366106"/>
-        <a:ext cx="5576821" cy="677511"/>
+      <dsp:txXfrm>
+        <a:off x="781277" y="998273"/>
+        <a:ext cx="6073148" cy="753092"/>
       </dsp:txXfrm>
     </dsp:sp>
-    <dsp:sp modelId="{28BFE95B-6EEB-443D-9F42-2587E772249C}">
+    <dsp:sp modelId="{7D2A00C7-6363-46B9-9825-DD209EB38952}">
       <dsp:nvSpPr>
         <dsp:cNvPr id="0" name=""/>
         <dsp:cNvSpPr/>
       </dsp:nvSpPr>
       <dsp:spPr>
         <a:xfrm rot="5400000">
-          <a:off x="-275953" y="2972103"/>
-          <a:ext cx="1360476" cy="808570"/>
+          <a:off x="3679169" y="1793286"/>
+          <a:ext cx="277363" cy="332835"/>
         </a:xfrm>
-        <a:prstGeom prst="chevron">
-          <a:avLst/>
+        <a:prstGeom prst="rightArrow">
+          <a:avLst>
+            <a:gd name="adj1" fmla="val 60000"/>
+            <a:gd name="adj2" fmla="val 50000"/>
+          </a:avLst>
         </a:prstGeom>
-        <a:solidFill>
-          <a:schemeClr val="accent6">
-            <a:alpha val="90000"/>
-            <a:hueOff val="0"/>
-            <a:satOff val="0"/>
-            <a:lumOff val="0"/>
-            <a:alphaOff val="-26667"/>
-          </a:schemeClr>
-        </a:solidFill>
-        <a:ln w="12700" cap="flat" cmpd="sng" algn="ctr">
-          <a:solidFill>
-            <a:schemeClr val="accent6">
-              <a:alpha val="90000"/>
-              <a:hueOff val="0"/>
-              <a:satOff val="0"/>
-              <a:lumOff val="0"/>
-              <a:alphaOff val="-26667"/>
-            </a:schemeClr>
-          </a:solidFill>
-          <a:prstDash val="solid"/>
-          <a:miter lim="800000"/>
+        <a:gradFill rotWithShape="0">
+          <a:gsLst>
+            <a:gs pos="0">
+              <a:schemeClr val="accent6">
+                <a:shade val="90000"/>
+                <a:hueOff val="94967"/>
+                <a:satOff val="-3793"/>
+                <a:lumOff val="8798"/>
+                <a:alphaOff val="0"/>
+                <a:lumMod val="110000"/>
+                <a:satMod val="105000"/>
+                <a:tint val="67000"/>
+              </a:schemeClr>
+            </a:gs>
+            <a:gs pos="50000">
+              <a:schemeClr val="accent6">
+                <a:shade val="90000"/>
+                <a:hueOff val="94967"/>
+                <a:satOff val="-3793"/>
+                <a:lumOff val="8798"/>
+                <a:alphaOff val="0"/>
+                <a:lumMod val="105000"/>
+                <a:satMod val="103000"/>
+                <a:tint val="73000"/>
+              </a:schemeClr>
+            </a:gs>
+            <a:gs pos="100000">
+              <a:schemeClr val="accent6">
+                <a:shade val="90000"/>
+                <a:hueOff val="94967"/>
+                <a:satOff val="-3793"/>
+                <a:lumOff val="8798"/>
+                <a:alphaOff val="0"/>
+                <a:lumMod val="105000"/>
+                <a:satMod val="109000"/>
+                <a:tint val="81000"/>
+              </a:schemeClr>
+            </a:gs>
+          </a:gsLst>
+          <a:lin ang="5400000" scaled="0"/>
+        </a:gradFill>
+        <a:ln>
+          <a:noFill/>
         </a:ln>
         <a:effectLst/>
       </dsp:spPr>
       <dsp:style>
-        <a:lnRef idx="2">
+        <a:lnRef idx="0">
           <a:scrgbClr r="0" g="0" b="0"/>
         </a:lnRef>
-        <a:fillRef idx="1">
+        <a:fillRef idx="2">
           <a:scrgbClr r="0" g="0" b="0"/>
         </a:fillRef>
-        <a:effectRef idx="0">
+        <a:effectRef idx="1">
           <a:scrgbClr r="0" g="0" b="0"/>
         </a:effectRef>
         <a:fontRef idx="minor">
-          <a:schemeClr val="lt1"/>
+          <a:schemeClr val="dk1"/>
         </a:fontRef>
       </dsp:style>
       <dsp:txBody>
-        <a:bodyPr spcFirstLastPara="0" vert="horz" wrap="square" lIns="6985" tIns="6985" rIns="6985" bIns="6985" numCol="1" spcCol="1270" anchor="ctr" anchorCtr="0">
+        <a:bodyPr spcFirstLastPara="0" vert="horz" wrap="square" lIns="0" tIns="0" rIns="0" bIns="0" numCol="1" spcCol="1270" anchor="ctr" anchorCtr="0">
           <a:noAutofit/>
         </a:bodyPr>
         <a:lstStyle/>
         <a:p>
-          <a:pPr lvl="0" algn="ctr" defTabSz="488950">
+          <a:pPr lvl="0" algn="ctr" defTabSz="577850">
+            <a:lnSpc>
+              <a:spcPct val="90000"/>
+            </a:lnSpc>
+            <a:spcBef>
+              <a:spcPct val="0"/>
+            </a:spcBef>
+            <a:spcAft>
+              <a:spcPct val="35000"/>
+            </a:spcAft>
+          </a:pPr>
+          <a:endParaRPr lang="en-US" sz="1300" kern="1200" dirty="0"/>
+        </a:p>
+      </dsp:txBody>
+      <dsp:txXfrm rot="-5400000">
+        <a:off x="3718001" y="1821022"/>
+        <a:ext cx="199701" cy="194154"/>
+      </dsp:txXfrm>
+    </dsp:sp>
+    <dsp:sp modelId="{F35FA51F-D25E-4A0E-9B7A-7980DF29C0D3}">
+      <dsp:nvSpPr>
+        <dsp:cNvPr id="0" name=""/>
+        <dsp:cNvSpPr/>
+      </dsp:nvSpPr>
+      <dsp:spPr>
+        <a:xfrm>
+          <a:off x="757847" y="2144613"/>
+          <a:ext cx="6120008" cy="911415"/>
+        </a:xfrm>
+        <a:prstGeom prst="roundRect">
+          <a:avLst>
+            <a:gd name="adj" fmla="val 10000"/>
+          </a:avLst>
+        </a:prstGeom>
+        <a:gradFill rotWithShape="0">
+          <a:gsLst>
+            <a:gs pos="0">
+              <a:schemeClr val="accent6">
+                <a:alpha val="90000"/>
+                <a:hueOff val="0"/>
+                <a:satOff val="0"/>
+                <a:lumOff val="0"/>
+                <a:alphaOff val="-16000"/>
+                <a:lumMod val="110000"/>
+                <a:satMod val="105000"/>
+                <a:tint val="67000"/>
+              </a:schemeClr>
+            </a:gs>
+            <a:gs pos="50000">
+              <a:schemeClr val="accent6">
+                <a:alpha val="90000"/>
+                <a:hueOff val="0"/>
+                <a:satOff val="0"/>
+                <a:lumOff val="0"/>
+                <a:alphaOff val="-16000"/>
+                <a:lumMod val="105000"/>
+                <a:satMod val="103000"/>
+                <a:tint val="73000"/>
+              </a:schemeClr>
+            </a:gs>
+            <a:gs pos="100000">
+              <a:schemeClr val="accent6">
+                <a:alpha val="90000"/>
+                <a:hueOff val="0"/>
+                <a:satOff val="0"/>
+                <a:lumOff val="0"/>
+                <a:alphaOff val="-16000"/>
+                <a:lumMod val="105000"/>
+                <a:satMod val="109000"/>
+                <a:tint val="81000"/>
+              </a:schemeClr>
+            </a:gs>
+          </a:gsLst>
+          <a:lin ang="5400000" scaled="0"/>
+        </a:gradFill>
+        <a:ln>
+          <a:noFill/>
+        </a:ln>
+        <a:effectLst/>
+        <a:scene3d>
+          <a:camera prst="orthographicFront"/>
+          <a:lightRig rig="flat" dir="t"/>
+        </a:scene3d>
+        <a:sp3d prstMaterial="dkEdge">
+          <a:bevelT w="8200" h="38100"/>
+        </a:sp3d>
+      </dsp:spPr>
+      <dsp:style>
+        <a:lnRef idx="0">
+          <a:scrgbClr r="0" g="0" b="0"/>
+        </a:lnRef>
+        <a:fillRef idx="2">
+          <a:scrgbClr r="0" g="0" b="0"/>
+        </a:fillRef>
+        <a:effectRef idx="1">
+          <a:scrgbClr r="0" g="0" b="0"/>
+        </a:effectRef>
+        <a:fontRef idx="minor">
+          <a:schemeClr val="dk1"/>
+        </a:fontRef>
+      </dsp:style>
+      <dsp:txBody>
+        <a:bodyPr spcFirstLastPara="0" vert="horz" wrap="square" lIns="34290" tIns="34290" rIns="34290" bIns="34290" numCol="1" spcCol="1270" anchor="ctr" anchorCtr="0">
+          <a:noAutofit/>
+        </a:bodyPr>
+        <a:lstStyle/>
+        <a:p>
+          <a:pPr lvl="0" algn="l" defTabSz="400050">
             <a:lnSpc>
               <a:spcPct val="90000"/>
             </a:lnSpc>
@@ -2420,98 +2895,17 @@
             </a:spcAft>
           </a:pPr>
           <a:r>
-            <a:rPr lang="en-US" sz="1100" kern="1200" dirty="0" smtClean="0">
-              <a:solidFill>
-                <a:schemeClr val="tx1">
-                  <a:lumMod val="95000"/>
-                  <a:lumOff val="5000"/>
-                </a:schemeClr>
-              </a:solidFill>
-            </a:rPr>
+            <a:rPr lang="en-US" sz="900" b="1" kern="1200" dirty="0" smtClean="0"/>
             <a:t>Create Valley </a:t>
           </a:r>
           <a:r>
-            <a:rPr lang="en-US" sz="1100" kern="1200" dirty="0" err="1" smtClean="0">
-              <a:solidFill>
-                <a:schemeClr val="tx1">
-                  <a:lumMod val="95000"/>
-                  <a:lumOff val="5000"/>
-                </a:schemeClr>
-              </a:solidFill>
-            </a:rPr>
+            <a:rPr lang="en-US" sz="900" b="1" kern="1200" dirty="0" err="1" smtClean="0"/>
             <a:t>Centreline</a:t>
           </a:r>
-          <a:endParaRPr lang="en-US" sz="1100" kern="1200" dirty="0">
-            <a:solidFill>
-              <a:schemeClr val="tx1">
-                <a:lumMod val="95000"/>
-                <a:lumOff val="5000"/>
-              </a:schemeClr>
-            </a:solidFill>
-          </a:endParaRPr>
-        </a:p>
-      </dsp:txBody>
-      <dsp:txXfrm rot="-5400000">
-        <a:off x="0" y="3100435"/>
-        <a:ext cx="808570" cy="551906"/>
-      </dsp:txXfrm>
-    </dsp:sp>
-    <dsp:sp modelId="{0E4C8DBF-555A-442F-AB96-FCC42D4336B8}">
-      <dsp:nvSpPr>
-        <dsp:cNvPr id="0" name=""/>
-        <dsp:cNvSpPr/>
-      </dsp:nvSpPr>
-      <dsp:spPr>
-        <a:xfrm rot="5400000">
-          <a:off x="3239899" y="260547"/>
-          <a:ext cx="750815" cy="5613473"/>
-        </a:xfrm>
-        <a:prstGeom prst="round2SameRect">
-          <a:avLst/>
-        </a:prstGeom>
-        <a:solidFill>
-          <a:schemeClr val="lt1">
-            <a:alpha val="90000"/>
-            <a:hueOff val="0"/>
-            <a:satOff val="0"/>
-            <a:lumOff val="0"/>
-            <a:alphaOff val="0"/>
-          </a:schemeClr>
-        </a:solidFill>
-        <a:ln w="12700" cap="flat" cmpd="sng" algn="ctr">
-          <a:solidFill>
-            <a:schemeClr val="accent6">
-              <a:alpha val="90000"/>
-              <a:hueOff val="0"/>
-              <a:satOff val="0"/>
-              <a:lumOff val="0"/>
-              <a:alphaOff val="-26667"/>
-            </a:schemeClr>
-          </a:solidFill>
-          <a:prstDash val="solid"/>
-          <a:miter lim="800000"/>
-        </a:ln>
-        <a:effectLst/>
-      </dsp:spPr>
-      <dsp:style>
-        <a:lnRef idx="2">
-          <a:scrgbClr r="0" g="0" b="0"/>
-        </a:lnRef>
-        <a:fillRef idx="1">
-          <a:scrgbClr r="0" g="0" b="0"/>
-        </a:fillRef>
-        <a:effectRef idx="0">
-          <a:scrgbClr r="0" g="0" b="0"/>
-        </a:effectRef>
-        <a:fontRef idx="minor"/>
-      </dsp:style>
-      <dsp:txBody>
-        <a:bodyPr spcFirstLastPara="0" vert="horz" wrap="square" lIns="78232" tIns="6985" rIns="6985" bIns="6985" numCol="1" spcCol="1270" anchor="ctr" anchorCtr="0">
-          <a:noAutofit/>
-        </a:bodyPr>
-        <a:lstStyle/>
-        <a:p>
-          <a:pPr marL="57150" lvl="1" indent="-57150" algn="l" defTabSz="488950">
+          <a:endParaRPr lang="en-US" sz="900" b="1" kern="1200" dirty="0"/>
+        </a:p>
+        <a:p>
+          <a:pPr marL="57150" lvl="1" indent="-57150" algn="l" defTabSz="400050">
             <a:lnSpc>
               <a:spcPct val="90000"/>
             </a:lnSpc>
@@ -2524,13 +2918,13 @@
             <a:buChar char="••"/>
           </a:pPr>
           <a:r>
-            <a:rPr lang="en-US" sz="1100" kern="1200" dirty="0" smtClean="0"/>
-            <a:t>Run the GNAT FCT tool</a:t>
+            <a:rPr lang="en-US" sz="900" kern="1200" dirty="0" smtClean="0"/>
+            <a:t> Run the GNAT FCT tool</a:t>
           </a:r>
-          <a:endParaRPr lang="en-US" sz="1100" kern="1200" dirty="0"/>
-        </a:p>
-        <a:p>
-          <a:pPr marL="57150" lvl="1" indent="-57150" algn="l" defTabSz="488950">
+          <a:endParaRPr lang="en-US" sz="900" kern="1200" dirty="0"/>
+        </a:p>
+        <a:p>
+          <a:pPr marL="57150" lvl="1" indent="-57150" algn="l" defTabSz="400050">
             <a:lnSpc>
               <a:spcPct val="90000"/>
             </a:lnSpc>
@@ -2543,13 +2937,13 @@
             <a:buChar char="••"/>
           </a:pPr>
           <a:r>
-            <a:rPr lang="en-US" sz="1100" kern="1200" dirty="0" smtClean="0"/>
-            <a:t>Convert to Network Dataset and extract centerline</a:t>
+            <a:rPr lang="en-US" sz="900" kern="1200" dirty="0" smtClean="0"/>
+            <a:t> Convert to Network Dataset and extract centerline</a:t>
           </a:r>
-          <a:endParaRPr lang="en-US" sz="1100" kern="1200" dirty="0"/>
-        </a:p>
-        <a:p>
-          <a:pPr marL="57150" lvl="1" indent="-57150" algn="l" defTabSz="488950">
+          <a:endParaRPr lang="en-US" sz="900" kern="1200" dirty="0"/>
+        </a:p>
+        <a:p>
+          <a:pPr marL="57150" lvl="1" indent="-57150" algn="l" defTabSz="400050">
             <a:lnSpc>
               <a:spcPct val="90000"/>
             </a:lnSpc>
@@ -2562,75 +2956,207 @@
             <a:buChar char="••"/>
           </a:pPr>
           <a:r>
-            <a:rPr lang="en-US" sz="1100" kern="1200" dirty="0" smtClean="0"/>
-            <a:t>Add RID field</a:t>
+            <a:rPr lang="en-US" sz="900" kern="1200" dirty="0" smtClean="0"/>
+            <a:t> Add RID field</a:t>
           </a:r>
-          <a:endParaRPr lang="en-US" sz="1100" kern="1200" dirty="0"/>
+          <a:endParaRPr lang="en-US" sz="900" kern="1200" dirty="0"/>
         </a:p>
       </dsp:txBody>
-      <dsp:txXfrm rot="-5400000">
-        <a:off x="808570" y="2728528"/>
-        <a:ext cx="5576821" cy="677511"/>
+      <dsp:txXfrm>
+        <a:off x="784541" y="2171307"/>
+        <a:ext cx="6066620" cy="858027"/>
       </dsp:txXfrm>
     </dsp:sp>
-    <dsp:sp modelId="{CA628192-A84F-4B71-830A-59A293DB44E3}">
+    <dsp:sp modelId="{B899CA72-4432-44BC-8D29-47203ECE9433}">
       <dsp:nvSpPr>
         <dsp:cNvPr id="0" name=""/>
         <dsp:cNvSpPr/>
       </dsp:nvSpPr>
       <dsp:spPr>
-        <a:xfrm rot="5400000">
-          <a:off x="-311507" y="4280658"/>
-          <a:ext cx="1431584" cy="808570"/>
+        <a:xfrm rot="5357799">
+          <a:off x="3699289" y="3057895"/>
+          <a:ext cx="252444" cy="332835"/>
         </a:xfrm>
-        <a:prstGeom prst="chevron">
-          <a:avLst/>
+        <a:prstGeom prst="rightArrow">
+          <a:avLst>
+            <a:gd name="adj1" fmla="val 60000"/>
+            <a:gd name="adj2" fmla="val 50000"/>
+          </a:avLst>
         </a:prstGeom>
-        <a:solidFill>
-          <a:schemeClr val="accent6">
-            <a:alpha val="90000"/>
-            <a:hueOff val="0"/>
-            <a:satOff val="0"/>
-            <a:lumOff val="0"/>
-            <a:alphaOff val="-40000"/>
-          </a:schemeClr>
-        </a:solidFill>
-        <a:ln w="12700" cap="flat" cmpd="sng" algn="ctr">
-          <a:solidFill>
-            <a:schemeClr val="accent6">
-              <a:alpha val="90000"/>
-              <a:hueOff val="0"/>
-              <a:satOff val="0"/>
-              <a:lumOff val="0"/>
-              <a:alphaOff val="-40000"/>
-            </a:schemeClr>
-          </a:solidFill>
-          <a:prstDash val="solid"/>
-          <a:miter lim="800000"/>
+        <a:gradFill rotWithShape="0">
+          <a:gsLst>
+            <a:gs pos="0">
+              <a:schemeClr val="accent6">
+                <a:shade val="90000"/>
+                <a:hueOff val="189935"/>
+                <a:satOff val="-7587"/>
+                <a:lumOff val="17596"/>
+                <a:alphaOff val="0"/>
+                <a:lumMod val="110000"/>
+                <a:satMod val="105000"/>
+                <a:tint val="67000"/>
+              </a:schemeClr>
+            </a:gs>
+            <a:gs pos="50000">
+              <a:schemeClr val="accent6">
+                <a:shade val="90000"/>
+                <a:hueOff val="189935"/>
+                <a:satOff val="-7587"/>
+                <a:lumOff val="17596"/>
+                <a:alphaOff val="0"/>
+                <a:lumMod val="105000"/>
+                <a:satMod val="103000"/>
+                <a:tint val="73000"/>
+              </a:schemeClr>
+            </a:gs>
+            <a:gs pos="100000">
+              <a:schemeClr val="accent6">
+                <a:shade val="90000"/>
+                <a:hueOff val="189935"/>
+                <a:satOff val="-7587"/>
+                <a:lumOff val="17596"/>
+                <a:alphaOff val="0"/>
+                <a:lumMod val="105000"/>
+                <a:satMod val="109000"/>
+                <a:tint val="81000"/>
+              </a:schemeClr>
+            </a:gs>
+          </a:gsLst>
+          <a:lin ang="5400000" scaled="0"/>
+        </a:gradFill>
+        <a:ln>
+          <a:noFill/>
         </a:ln>
         <a:effectLst/>
       </dsp:spPr>
       <dsp:style>
-        <a:lnRef idx="2">
+        <a:lnRef idx="0">
           <a:scrgbClr r="0" g="0" b="0"/>
         </a:lnRef>
-        <a:fillRef idx="1">
+        <a:fillRef idx="2">
           <a:scrgbClr r="0" g="0" b="0"/>
         </a:fillRef>
-        <a:effectRef idx="0">
+        <a:effectRef idx="1">
           <a:scrgbClr r="0" g="0" b="0"/>
         </a:effectRef>
         <a:fontRef idx="minor">
-          <a:schemeClr val="lt1"/>
+          <a:schemeClr val="dk1"/>
         </a:fontRef>
       </dsp:style>
       <dsp:txBody>
-        <a:bodyPr spcFirstLastPara="0" vert="horz" wrap="square" lIns="6985" tIns="6985" rIns="6985" bIns="6985" numCol="1" spcCol="1270" anchor="ctr" anchorCtr="0">
+        <a:bodyPr spcFirstLastPara="0" vert="horz" wrap="square" lIns="0" tIns="0" rIns="0" bIns="0" numCol="1" spcCol="1270" anchor="ctr" anchorCtr="0">
           <a:noAutofit/>
         </a:bodyPr>
         <a:lstStyle/>
         <a:p>
-          <a:pPr lvl="0" algn="ctr" defTabSz="488950">
+          <a:pPr lvl="0" algn="ctr" defTabSz="533400">
+            <a:lnSpc>
+              <a:spcPct val="90000"/>
+            </a:lnSpc>
+            <a:spcBef>
+              <a:spcPct val="0"/>
+            </a:spcBef>
+            <a:spcAft>
+              <a:spcPct val="35000"/>
+            </a:spcAft>
+          </a:pPr>
+          <a:endParaRPr lang="en-US" sz="1200" kern="1200"/>
+        </a:p>
+      </dsp:txBody>
+      <dsp:txXfrm rot="-5400000">
+        <a:off x="3725196" y="3098093"/>
+        <a:ext cx="199701" cy="176711"/>
+      </dsp:txXfrm>
+    </dsp:sp>
+    <dsp:sp modelId="{F88DA77E-5075-4DFD-A626-16139537C385}">
+      <dsp:nvSpPr>
+        <dsp:cNvPr id="0" name=""/>
+        <dsp:cNvSpPr/>
+      </dsp:nvSpPr>
+      <dsp:spPr>
+        <a:xfrm>
+          <a:off x="774474" y="3392596"/>
+          <a:ext cx="6120008" cy="1124208"/>
+        </a:xfrm>
+        <a:prstGeom prst="roundRect">
+          <a:avLst>
+            <a:gd name="adj" fmla="val 10000"/>
+          </a:avLst>
+        </a:prstGeom>
+        <a:gradFill rotWithShape="0">
+          <a:gsLst>
+            <a:gs pos="0">
+              <a:schemeClr val="accent6">
+                <a:alpha val="90000"/>
+                <a:hueOff val="0"/>
+                <a:satOff val="0"/>
+                <a:lumOff val="0"/>
+                <a:alphaOff val="-24000"/>
+                <a:lumMod val="110000"/>
+                <a:satMod val="105000"/>
+                <a:tint val="67000"/>
+              </a:schemeClr>
+            </a:gs>
+            <a:gs pos="50000">
+              <a:schemeClr val="accent6">
+                <a:alpha val="90000"/>
+                <a:hueOff val="0"/>
+                <a:satOff val="0"/>
+                <a:lumOff val="0"/>
+                <a:alphaOff val="-24000"/>
+                <a:lumMod val="105000"/>
+                <a:satMod val="103000"/>
+                <a:tint val="73000"/>
+              </a:schemeClr>
+            </a:gs>
+            <a:gs pos="100000">
+              <a:schemeClr val="accent6">
+                <a:alpha val="90000"/>
+                <a:hueOff val="0"/>
+                <a:satOff val="0"/>
+                <a:lumOff val="0"/>
+                <a:alphaOff val="-24000"/>
+                <a:lumMod val="105000"/>
+                <a:satMod val="109000"/>
+                <a:tint val="81000"/>
+              </a:schemeClr>
+            </a:gs>
+          </a:gsLst>
+          <a:lin ang="5400000" scaled="0"/>
+        </a:gradFill>
+        <a:ln>
+          <a:noFill/>
+        </a:ln>
+        <a:effectLst/>
+        <a:scene3d>
+          <a:camera prst="orthographicFront"/>
+          <a:lightRig rig="flat" dir="t"/>
+        </a:scene3d>
+        <a:sp3d prstMaterial="dkEdge">
+          <a:bevelT w="8200" h="38100"/>
+        </a:sp3d>
+      </dsp:spPr>
+      <dsp:style>
+        <a:lnRef idx="0">
+          <a:scrgbClr r="0" g="0" b="0"/>
+        </a:lnRef>
+        <a:fillRef idx="2">
+          <a:scrgbClr r="0" g="0" b="0"/>
+        </a:fillRef>
+        <a:effectRef idx="1">
+          <a:scrgbClr r="0" g="0" b="0"/>
+        </a:effectRef>
+        <a:fontRef idx="minor">
+          <a:schemeClr val="dk1"/>
+        </a:fontRef>
+      </dsp:style>
+      <dsp:txBody>
+        <a:bodyPr spcFirstLastPara="0" vert="horz" wrap="square" lIns="34290" tIns="34290" rIns="34290" bIns="34290" numCol="1" spcCol="1270" anchor="ctr" anchorCtr="0">
+          <a:noAutofit/>
+        </a:bodyPr>
+        <a:lstStyle/>
+        <a:p>
+          <a:pPr lvl="0" algn="l" defTabSz="400050">
             <a:lnSpc>
               <a:spcPct val="90000"/>
             </a:lnSpc>
@@ -2642,87 +3168,13 @@
             </a:spcAft>
           </a:pPr>
           <a:r>
-            <a:rPr lang="en-US" sz="1100" kern="1200" dirty="0" smtClean="0">
-              <a:solidFill>
-                <a:schemeClr val="tx1">
-                  <a:lumMod val="95000"/>
-                  <a:lumOff val="5000"/>
-                </a:schemeClr>
-              </a:solidFill>
-            </a:rPr>
-            <a:t>Run GeoData Tools</a:t>
+            <a:rPr lang="en-US" sz="900" b="1" kern="1200" dirty="0" smtClean="0"/>
+            <a:t>Update raw confining state, segment and create valley partitions</a:t>
           </a:r>
-          <a:endParaRPr lang="en-US" sz="1100" kern="1200" dirty="0">
-            <a:solidFill>
-              <a:schemeClr val="tx1">
-                <a:lumMod val="95000"/>
-                <a:lumOff val="5000"/>
-              </a:schemeClr>
-            </a:solidFill>
-          </a:endParaRPr>
-        </a:p>
-      </dsp:txBody>
-      <dsp:txXfrm rot="-5400000">
-        <a:off x="0" y="4373436"/>
-        <a:ext cx="808570" cy="623014"/>
-      </dsp:txXfrm>
-    </dsp:sp>
-    <dsp:sp modelId="{6E74C597-7852-4944-AEB3-E43F6E29D412}">
-      <dsp:nvSpPr>
-        <dsp:cNvPr id="0" name=""/>
-        <dsp:cNvSpPr/>
-      </dsp:nvSpPr>
-      <dsp:spPr>
-        <a:xfrm rot="5400000">
-          <a:off x="3074941" y="1684360"/>
-          <a:ext cx="1080730" cy="5613473"/>
-        </a:xfrm>
-        <a:prstGeom prst="round2SameRect">
-          <a:avLst/>
-        </a:prstGeom>
-        <a:solidFill>
-          <a:schemeClr val="lt1">
-            <a:alpha val="90000"/>
-            <a:hueOff val="0"/>
-            <a:satOff val="0"/>
-            <a:lumOff val="0"/>
-            <a:alphaOff val="0"/>
-          </a:schemeClr>
-        </a:solidFill>
-        <a:ln w="12700" cap="flat" cmpd="sng" algn="ctr">
-          <a:solidFill>
-            <a:schemeClr val="accent6">
-              <a:alpha val="90000"/>
-              <a:hueOff val="0"/>
-              <a:satOff val="0"/>
-              <a:lumOff val="0"/>
-              <a:alphaOff val="-40000"/>
-            </a:schemeClr>
-          </a:solidFill>
-          <a:prstDash val="solid"/>
-          <a:miter lim="800000"/>
-        </a:ln>
-        <a:effectLst/>
-      </dsp:spPr>
-      <dsp:style>
-        <a:lnRef idx="2">
-          <a:scrgbClr r="0" g="0" b="0"/>
-        </a:lnRef>
-        <a:fillRef idx="1">
-          <a:scrgbClr r="0" g="0" b="0"/>
-        </a:fillRef>
-        <a:effectRef idx="0">
-          <a:scrgbClr r="0" g="0" b="0"/>
-        </a:effectRef>
-        <a:fontRef idx="minor"/>
-      </dsp:style>
-      <dsp:txBody>
-        <a:bodyPr spcFirstLastPara="0" vert="horz" wrap="square" lIns="78232" tIns="6985" rIns="6985" bIns="6985" numCol="1" spcCol="1270" anchor="ctr" anchorCtr="0">
-          <a:noAutofit/>
-        </a:bodyPr>
-        <a:lstStyle/>
-        <a:p>
-          <a:pPr marL="57150" lvl="1" indent="-57150" algn="l" defTabSz="488950">
+          <a:endParaRPr lang="en-US" sz="900" b="1" kern="1200" dirty="0"/>
+        </a:p>
+        <a:p>
+          <a:pPr marL="57150" lvl="1" indent="-57150" algn="l" defTabSz="400050">
             <a:lnSpc>
               <a:spcPct val="90000"/>
             </a:lnSpc>
@@ -2735,17 +3187,17 @@
             <a:buChar char="••"/>
           </a:pPr>
           <a:r>
-            <a:rPr lang="en-US" sz="1100" kern="1200" dirty="0" smtClean="0"/>
-            <a:t>Identify bridge confinements then “burn” them into </a:t>
+            <a:rPr lang="en-US" sz="900" kern="1200" dirty="0" smtClean="0"/>
+            <a:t> Identify bridge confinements then “burn” them into </a:t>
           </a:r>
           <a:r>
-            <a:rPr lang="en-US" sz="1100" kern="1200" dirty="0" err="1" smtClean="0"/>
+            <a:rPr lang="en-US" sz="900" kern="1200" dirty="0" err="1" smtClean="0"/>
             <a:t>RawConfiningState</a:t>
           </a:r>
-          <a:endParaRPr lang="en-US" sz="1100" kern="1200" dirty="0"/>
-        </a:p>
-        <a:p>
-          <a:pPr marL="57150" lvl="1" indent="-57150" algn="l" defTabSz="488950">
+          <a:endParaRPr lang="en-US" sz="900" kern="1200" dirty="0"/>
+        </a:p>
+        <a:p>
+          <a:pPr marL="57150" lvl="1" indent="-57150" algn="l" defTabSz="400050">
             <a:lnSpc>
               <a:spcPct val="90000"/>
             </a:lnSpc>
@@ -2758,13 +3210,13 @@
             <a:buChar char="••"/>
           </a:pPr>
           <a:r>
-            <a:rPr lang="en-US" sz="1100" kern="1200" dirty="0" smtClean="0"/>
-            <a:t>Run create split points and segment network tool</a:t>
+            <a:rPr lang="en-US" sz="900" kern="1200" dirty="0" smtClean="0"/>
+            <a:t> Run create split points and segment network tool</a:t>
           </a:r>
-          <a:endParaRPr lang="en-US" sz="1100" kern="1200" dirty="0"/>
-        </a:p>
-        <a:p>
-          <a:pPr marL="57150" lvl="1" indent="-57150" algn="l" defTabSz="488950">
+          <a:endParaRPr lang="en-US" sz="900" kern="1200" dirty="0"/>
+        </a:p>
+        <a:p>
+          <a:pPr marL="57150" lvl="1" indent="-57150" algn="l" defTabSz="400050">
             <a:lnSpc>
               <a:spcPct val="90000"/>
             </a:lnSpc>
@@ -2777,13 +3229,13 @@
             <a:buChar char="••"/>
           </a:pPr>
           <a:r>
-            <a:rPr lang="en-US" sz="1100" kern="1200" dirty="0" smtClean="0"/>
-            <a:t>Run create Valley Cross sections</a:t>
+            <a:rPr lang="en-US" sz="900" kern="1200" dirty="0" smtClean="0"/>
+            <a:t> Run create Valley Cross sections</a:t>
           </a:r>
-          <a:endParaRPr lang="en-US" sz="1100" kern="1200" dirty="0"/>
-        </a:p>
-        <a:p>
-          <a:pPr marL="57150" lvl="1" indent="-57150" algn="l" defTabSz="488950">
+          <a:endParaRPr lang="en-US" sz="900" kern="1200" dirty="0"/>
+        </a:p>
+        <a:p>
+          <a:pPr marL="57150" lvl="1" indent="-57150" algn="l" defTabSz="400050">
             <a:lnSpc>
               <a:spcPct val="90000"/>
             </a:lnSpc>
@@ -2796,13 +3248,13 @@
             <a:buChar char="••"/>
           </a:pPr>
           <a:r>
-            <a:rPr lang="en-US" sz="1100" kern="1200" dirty="0" smtClean="0"/>
-            <a:t>Create partitions and then remove any unclip floodplain polygons</a:t>
+            <a:rPr lang="en-US" sz="900" kern="1200" dirty="0" smtClean="0"/>
+            <a:t> Create partitions and then remove any unclip floodplain polygons</a:t>
           </a:r>
-          <a:endParaRPr lang="en-US" sz="1100" kern="1200" dirty="0"/>
-        </a:p>
-        <a:p>
-          <a:pPr marL="57150" lvl="1" indent="-57150" algn="l" defTabSz="488950">
+          <a:endParaRPr lang="en-US" sz="900" kern="1200" dirty="0"/>
+        </a:p>
+        <a:p>
+          <a:pPr marL="57150" lvl="1" indent="-57150" algn="l" defTabSz="400050">
             <a:lnSpc>
               <a:spcPct val="90000"/>
             </a:lnSpc>
@@ -2815,13 +3267,225 @@
             <a:buChar char="••"/>
           </a:pPr>
           <a:r>
-            <a:rPr lang="en-US" sz="1100" kern="1200" dirty="0" smtClean="0"/>
-            <a:t>Compute stream power index, identify erroneous catchment areas then correct and update</a:t>
+            <a:rPr lang="en-US" sz="900" kern="1200" dirty="0" smtClean="0"/>
+            <a:t> Create the Margin to Segment Look Up Table</a:t>
           </a:r>
-          <a:endParaRPr lang="en-US" sz="1100" kern="1200" dirty="0"/>
-        </a:p>
-        <a:p>
-          <a:pPr marL="57150" lvl="1" indent="-57150" algn="l" defTabSz="488950">
+          <a:endParaRPr lang="en-US" sz="900" kern="1200" dirty="0"/>
+        </a:p>
+      </dsp:txBody>
+      <dsp:txXfrm>
+        <a:off x="807401" y="3425523"/>
+        <a:ext cx="6054154" cy="1058354"/>
+      </dsp:txXfrm>
+    </dsp:sp>
+    <dsp:sp modelId="{A55B3566-2B07-4604-AAB8-DD63E2B590AA}">
+      <dsp:nvSpPr>
+        <dsp:cNvPr id="0" name=""/>
+        <dsp:cNvSpPr/>
+      </dsp:nvSpPr>
+      <dsp:spPr>
+        <a:xfrm rot="5443187">
+          <a:off x="3673722" y="4551921"/>
+          <a:ext cx="302324" cy="332835"/>
+        </a:xfrm>
+        <a:prstGeom prst="rightArrow">
+          <a:avLst>
+            <a:gd name="adj1" fmla="val 60000"/>
+            <a:gd name="adj2" fmla="val 50000"/>
+          </a:avLst>
+        </a:prstGeom>
+        <a:gradFill rotWithShape="0">
+          <a:gsLst>
+            <a:gs pos="0">
+              <a:schemeClr val="accent6">
+                <a:shade val="90000"/>
+                <a:hueOff val="284902"/>
+                <a:satOff val="-11380"/>
+                <a:lumOff val="26393"/>
+                <a:alphaOff val="0"/>
+                <a:lumMod val="110000"/>
+                <a:satMod val="105000"/>
+                <a:tint val="67000"/>
+              </a:schemeClr>
+            </a:gs>
+            <a:gs pos="50000">
+              <a:schemeClr val="accent6">
+                <a:shade val="90000"/>
+                <a:hueOff val="284902"/>
+                <a:satOff val="-11380"/>
+                <a:lumOff val="26393"/>
+                <a:alphaOff val="0"/>
+                <a:lumMod val="105000"/>
+                <a:satMod val="103000"/>
+                <a:tint val="73000"/>
+              </a:schemeClr>
+            </a:gs>
+            <a:gs pos="100000">
+              <a:schemeClr val="accent6">
+                <a:shade val="90000"/>
+                <a:hueOff val="284902"/>
+                <a:satOff val="-11380"/>
+                <a:lumOff val="26393"/>
+                <a:alphaOff val="0"/>
+                <a:lumMod val="105000"/>
+                <a:satMod val="109000"/>
+                <a:tint val="81000"/>
+              </a:schemeClr>
+            </a:gs>
+          </a:gsLst>
+          <a:lin ang="5400000" scaled="0"/>
+        </a:gradFill>
+        <a:ln>
+          <a:noFill/>
+        </a:ln>
+        <a:effectLst/>
+      </dsp:spPr>
+      <dsp:style>
+        <a:lnRef idx="0">
+          <a:scrgbClr r="0" g="0" b="0"/>
+        </a:lnRef>
+        <a:fillRef idx="2">
+          <a:scrgbClr r="0" g="0" b="0"/>
+        </a:fillRef>
+        <a:effectRef idx="1">
+          <a:scrgbClr r="0" g="0" b="0"/>
+        </a:effectRef>
+        <a:fontRef idx="minor">
+          <a:schemeClr val="dk1"/>
+        </a:fontRef>
+      </dsp:style>
+      <dsp:txBody>
+        <a:bodyPr spcFirstLastPara="0" vert="horz" wrap="square" lIns="0" tIns="0" rIns="0" bIns="0" numCol="1" spcCol="1270" anchor="ctr" anchorCtr="0">
+          <a:noAutofit/>
+        </a:bodyPr>
+        <a:lstStyle/>
+        <a:p>
+          <a:pPr lvl="0" algn="ctr" defTabSz="666750">
+            <a:lnSpc>
+              <a:spcPct val="90000"/>
+            </a:lnSpc>
+            <a:spcBef>
+              <a:spcPct val="0"/>
+            </a:spcBef>
+            <a:spcAft>
+              <a:spcPct val="35000"/>
+            </a:spcAft>
+          </a:pPr>
+          <a:endParaRPr lang="en-US" sz="1500" kern="1200"/>
+        </a:p>
+      </dsp:txBody>
+      <dsp:txXfrm rot="-5400000">
+        <a:off x="3725603" y="4567180"/>
+        <a:ext cx="199701" cy="211627"/>
+      </dsp:txXfrm>
+    </dsp:sp>
+    <dsp:sp modelId="{3D7F7322-53B4-41B9-9E72-0AAACD791497}">
+      <dsp:nvSpPr>
+        <dsp:cNvPr id="0" name=""/>
+        <dsp:cNvSpPr/>
+      </dsp:nvSpPr>
+      <dsp:spPr>
+        <a:xfrm>
+          <a:off x="757847" y="4919873"/>
+          <a:ext cx="6120008" cy="716588"/>
+        </a:xfrm>
+        <a:prstGeom prst="roundRect">
+          <a:avLst>
+            <a:gd name="adj" fmla="val 10000"/>
+          </a:avLst>
+        </a:prstGeom>
+        <a:gradFill rotWithShape="0">
+          <a:gsLst>
+            <a:gs pos="0">
+              <a:schemeClr val="accent6">
+                <a:alpha val="90000"/>
+                <a:hueOff val="0"/>
+                <a:satOff val="0"/>
+                <a:lumOff val="0"/>
+                <a:alphaOff val="-32000"/>
+                <a:lumMod val="110000"/>
+                <a:satMod val="105000"/>
+                <a:tint val="67000"/>
+              </a:schemeClr>
+            </a:gs>
+            <a:gs pos="50000">
+              <a:schemeClr val="accent6">
+                <a:alpha val="90000"/>
+                <a:hueOff val="0"/>
+                <a:satOff val="0"/>
+                <a:lumOff val="0"/>
+                <a:alphaOff val="-32000"/>
+                <a:lumMod val="105000"/>
+                <a:satMod val="103000"/>
+                <a:tint val="73000"/>
+              </a:schemeClr>
+            </a:gs>
+            <a:gs pos="100000">
+              <a:schemeClr val="accent6">
+                <a:alpha val="90000"/>
+                <a:hueOff val="0"/>
+                <a:satOff val="0"/>
+                <a:lumOff val="0"/>
+                <a:alphaOff val="-32000"/>
+                <a:lumMod val="105000"/>
+                <a:satMod val="109000"/>
+                <a:tint val="81000"/>
+              </a:schemeClr>
+            </a:gs>
+          </a:gsLst>
+          <a:lin ang="5400000" scaled="0"/>
+        </a:gradFill>
+        <a:ln>
+          <a:noFill/>
+        </a:ln>
+        <a:effectLst/>
+        <a:scene3d>
+          <a:camera prst="orthographicFront"/>
+          <a:lightRig rig="flat" dir="t"/>
+        </a:scene3d>
+        <a:sp3d prstMaterial="dkEdge">
+          <a:bevelT w="8200" h="38100"/>
+        </a:sp3d>
+      </dsp:spPr>
+      <dsp:style>
+        <a:lnRef idx="0">
+          <a:scrgbClr r="0" g="0" b="0"/>
+        </a:lnRef>
+        <a:fillRef idx="2">
+          <a:scrgbClr r="0" g="0" b="0"/>
+        </a:fillRef>
+        <a:effectRef idx="1">
+          <a:scrgbClr r="0" g="0" b="0"/>
+        </a:effectRef>
+        <a:fontRef idx="minor">
+          <a:schemeClr val="dk1"/>
+        </a:fontRef>
+      </dsp:style>
+      <dsp:txBody>
+        <a:bodyPr spcFirstLastPara="0" vert="horz" wrap="square" lIns="34290" tIns="34290" rIns="34290" bIns="34290" numCol="1" spcCol="1270" anchor="ctr" anchorCtr="0">
+          <a:noAutofit/>
+        </a:bodyPr>
+        <a:lstStyle/>
+        <a:p>
+          <a:pPr lvl="0" algn="l" defTabSz="400050">
+            <a:lnSpc>
+              <a:spcPct val="90000"/>
+            </a:lnSpc>
+            <a:spcBef>
+              <a:spcPct val="0"/>
+            </a:spcBef>
+            <a:spcAft>
+              <a:spcPct val="35000"/>
+            </a:spcAft>
+          </a:pPr>
+          <a:r>
+            <a:rPr lang="en-US" sz="900" b="1" kern="1200" dirty="0" smtClean="0"/>
+            <a:t>Compute various metrics</a:t>
+          </a:r>
+          <a:endParaRPr lang="en-US" sz="900" b="1" kern="1200" dirty="0"/>
+        </a:p>
+        <a:p>
+          <a:pPr marL="57150" lvl="1" indent="-57150" algn="l" defTabSz="400050">
             <a:lnSpc>
               <a:spcPct val="90000"/>
             </a:lnSpc>
@@ -2834,15 +3498,323 @@
             <a:buChar char="••"/>
           </a:pPr>
           <a:r>
-            <a:rPr lang="en-US" sz="1100" kern="1200" dirty="0" smtClean="0"/>
-            <a:t>Run all other metric tools, can be run in any order</a:t>
+            <a:rPr lang="en-US" sz="900" kern="1200" dirty="0" smtClean="0"/>
+            <a:t> Compute stream power index, identify erroneous catchment areas then correct and update</a:t>
           </a:r>
-          <a:endParaRPr lang="en-US" sz="1100" kern="1200" dirty="0"/>
+          <a:endParaRPr lang="en-US" sz="900" kern="1200" dirty="0"/>
+        </a:p>
+        <a:p>
+          <a:pPr marL="57150" lvl="1" indent="-57150" algn="l" defTabSz="400050">
+            <a:lnSpc>
+              <a:spcPct val="90000"/>
+            </a:lnSpc>
+            <a:spcBef>
+              <a:spcPct val="0"/>
+            </a:spcBef>
+            <a:spcAft>
+              <a:spcPct val="15000"/>
+            </a:spcAft>
+            <a:buChar char="••"/>
+          </a:pPr>
+          <a:r>
+            <a:rPr lang="en-US" sz="900" kern="1200" dirty="0" smtClean="0"/>
+            <a:t> Compute the confinement and constriction ratios</a:t>
+          </a:r>
+          <a:endParaRPr lang="en-US" sz="900" kern="1200" dirty="0"/>
+        </a:p>
+        <a:p>
+          <a:pPr marL="57150" lvl="1" indent="-57150" algn="l" defTabSz="400050">
+            <a:lnSpc>
+              <a:spcPct val="90000"/>
+            </a:lnSpc>
+            <a:spcBef>
+              <a:spcPct val="0"/>
+            </a:spcBef>
+            <a:spcAft>
+              <a:spcPct val="15000"/>
+            </a:spcAft>
+            <a:buChar char="••"/>
+          </a:pPr>
+          <a:r>
+            <a:rPr lang="en-US" sz="900" kern="1200" dirty="0" smtClean="0"/>
+            <a:t> Run metric tools: Margin </a:t>
+          </a:r>
+          <a:r>
+            <a:rPr lang="en-US" sz="900" kern="1200" dirty="0" err="1" smtClean="0"/>
+            <a:t>erodibility</a:t>
+          </a:r>
+          <a:r>
+            <a:rPr lang="en-US" sz="900" kern="1200" dirty="0" smtClean="0"/>
+            <a:t> geology and scale, Expansion/Contraction ratio, sinuosity, Assign flood </a:t>
+          </a:r>
+          <a:r>
+            <a:rPr lang="en-GB" sz="900" kern="1200" noProof="0" dirty="0" smtClean="0"/>
+            <a:t>defence</a:t>
+          </a:r>
+          <a:r>
+            <a:rPr lang="en-US" sz="900" kern="1200" dirty="0" smtClean="0"/>
+            <a:t> to </a:t>
+          </a:r>
+          <a:r>
+            <a:rPr lang="en-US" sz="900" kern="1200" dirty="0" smtClean="0"/>
+            <a:t>margin, Land use intensity per partition</a:t>
+          </a:r>
+          <a:endParaRPr lang="en-US" sz="900" kern="1200" dirty="0"/>
+        </a:p>
+      </dsp:txBody>
+      <dsp:txXfrm>
+        <a:off x="778835" y="4940861"/>
+        <a:ext cx="6078032" cy="674612"/>
+      </dsp:txXfrm>
+    </dsp:sp>
+    <dsp:sp modelId="{AE9CB4F5-053D-4F08-A1E7-809CD882C798}">
+      <dsp:nvSpPr>
+        <dsp:cNvPr id="0" name=""/>
+        <dsp:cNvSpPr/>
+      </dsp:nvSpPr>
+      <dsp:spPr>
+        <a:xfrm rot="5400000">
+          <a:off x="3679169" y="5654952"/>
+          <a:ext cx="277363" cy="332835"/>
+        </a:xfrm>
+        <a:prstGeom prst="rightArrow">
+          <a:avLst>
+            <a:gd name="adj1" fmla="val 60000"/>
+            <a:gd name="adj2" fmla="val 50000"/>
+          </a:avLst>
+        </a:prstGeom>
+        <a:gradFill rotWithShape="0">
+          <a:gsLst>
+            <a:gs pos="0">
+              <a:schemeClr val="accent6">
+                <a:shade val="90000"/>
+                <a:hueOff val="379870"/>
+                <a:satOff val="-15173"/>
+                <a:lumOff val="35191"/>
+                <a:alphaOff val="0"/>
+                <a:lumMod val="110000"/>
+                <a:satMod val="105000"/>
+                <a:tint val="67000"/>
+              </a:schemeClr>
+            </a:gs>
+            <a:gs pos="50000">
+              <a:schemeClr val="accent6">
+                <a:shade val="90000"/>
+                <a:hueOff val="379870"/>
+                <a:satOff val="-15173"/>
+                <a:lumOff val="35191"/>
+                <a:alphaOff val="0"/>
+                <a:lumMod val="105000"/>
+                <a:satMod val="103000"/>
+                <a:tint val="73000"/>
+              </a:schemeClr>
+            </a:gs>
+            <a:gs pos="100000">
+              <a:schemeClr val="accent6">
+                <a:shade val="90000"/>
+                <a:hueOff val="379870"/>
+                <a:satOff val="-15173"/>
+                <a:lumOff val="35191"/>
+                <a:alphaOff val="0"/>
+                <a:lumMod val="105000"/>
+                <a:satMod val="109000"/>
+                <a:tint val="81000"/>
+              </a:schemeClr>
+            </a:gs>
+          </a:gsLst>
+          <a:lin ang="5400000" scaled="0"/>
+        </a:gradFill>
+        <a:ln>
+          <a:noFill/>
+        </a:ln>
+        <a:effectLst/>
+      </dsp:spPr>
+      <dsp:style>
+        <a:lnRef idx="0">
+          <a:scrgbClr r="0" g="0" b="0"/>
+        </a:lnRef>
+        <a:fillRef idx="2">
+          <a:scrgbClr r="0" g="0" b="0"/>
+        </a:fillRef>
+        <a:effectRef idx="1">
+          <a:scrgbClr r="0" g="0" b="0"/>
+        </a:effectRef>
+        <a:fontRef idx="minor">
+          <a:schemeClr val="dk1"/>
+        </a:fontRef>
+      </dsp:style>
+      <dsp:txBody>
+        <a:bodyPr spcFirstLastPara="0" vert="horz" wrap="square" lIns="0" tIns="0" rIns="0" bIns="0" numCol="1" spcCol="1270" anchor="ctr" anchorCtr="0">
+          <a:noAutofit/>
+        </a:bodyPr>
+        <a:lstStyle/>
+        <a:p>
+          <a:pPr lvl="0" algn="ctr" defTabSz="577850">
+            <a:lnSpc>
+              <a:spcPct val="90000"/>
+            </a:lnSpc>
+            <a:spcBef>
+              <a:spcPct val="0"/>
+            </a:spcBef>
+            <a:spcAft>
+              <a:spcPct val="35000"/>
+            </a:spcAft>
+          </a:pPr>
+          <a:endParaRPr lang="en-US" sz="1300" kern="1200" dirty="0"/>
         </a:p>
       </dsp:txBody>
       <dsp:txXfrm rot="-5400000">
-        <a:off x="808570" y="4003489"/>
-        <a:ext cx="5560716" cy="975216"/>
+        <a:off x="3718001" y="5682688"/>
+        <a:ext cx="199701" cy="194154"/>
+      </dsp:txXfrm>
+    </dsp:sp>
+    <dsp:sp modelId="{0623080B-F2D3-4BDD-A4AE-88ADA437E8EF}">
+      <dsp:nvSpPr>
+        <dsp:cNvPr id="0" name=""/>
+        <dsp:cNvSpPr/>
+      </dsp:nvSpPr>
+      <dsp:spPr>
+        <a:xfrm>
+          <a:off x="757847" y="6006279"/>
+          <a:ext cx="6120008" cy="488743"/>
+        </a:xfrm>
+        <a:prstGeom prst="roundRect">
+          <a:avLst>
+            <a:gd name="adj" fmla="val 10000"/>
+          </a:avLst>
+        </a:prstGeom>
+        <a:gradFill rotWithShape="0">
+          <a:gsLst>
+            <a:gs pos="0">
+              <a:schemeClr val="accent6">
+                <a:alpha val="90000"/>
+                <a:hueOff val="0"/>
+                <a:satOff val="0"/>
+                <a:lumOff val="0"/>
+                <a:alphaOff val="-40000"/>
+                <a:lumMod val="110000"/>
+                <a:satMod val="105000"/>
+                <a:tint val="67000"/>
+              </a:schemeClr>
+            </a:gs>
+            <a:gs pos="50000">
+              <a:schemeClr val="accent6">
+                <a:alpha val="90000"/>
+                <a:hueOff val="0"/>
+                <a:satOff val="0"/>
+                <a:lumOff val="0"/>
+                <a:alphaOff val="-40000"/>
+                <a:lumMod val="105000"/>
+                <a:satMod val="103000"/>
+                <a:tint val="73000"/>
+              </a:schemeClr>
+            </a:gs>
+            <a:gs pos="100000">
+              <a:schemeClr val="accent6">
+                <a:alpha val="90000"/>
+                <a:hueOff val="0"/>
+                <a:satOff val="0"/>
+                <a:lumOff val="0"/>
+                <a:alphaOff val="-40000"/>
+                <a:lumMod val="105000"/>
+                <a:satMod val="109000"/>
+                <a:tint val="81000"/>
+              </a:schemeClr>
+            </a:gs>
+          </a:gsLst>
+          <a:lin ang="5400000" scaled="0"/>
+        </a:gradFill>
+        <a:ln>
+          <a:noFill/>
+        </a:ln>
+        <a:effectLst/>
+        <a:scene3d>
+          <a:camera prst="orthographicFront"/>
+          <a:lightRig rig="flat" dir="t"/>
+        </a:scene3d>
+        <a:sp3d prstMaterial="dkEdge">
+          <a:bevelT w="8200" h="38100"/>
+        </a:sp3d>
+      </dsp:spPr>
+      <dsp:style>
+        <a:lnRef idx="0">
+          <a:scrgbClr r="0" g="0" b="0"/>
+        </a:lnRef>
+        <a:fillRef idx="2">
+          <a:scrgbClr r="0" g="0" b="0"/>
+        </a:fillRef>
+        <a:effectRef idx="1">
+          <a:scrgbClr r="0" g="0" b="0"/>
+        </a:effectRef>
+        <a:fontRef idx="minor">
+          <a:schemeClr val="dk1"/>
+        </a:fontRef>
+      </dsp:style>
+      <dsp:txBody>
+        <a:bodyPr spcFirstLastPara="0" vert="horz" wrap="square" lIns="34290" tIns="34290" rIns="34290" bIns="34290" numCol="1" spcCol="1270" anchor="ctr" anchorCtr="0">
+          <a:noAutofit/>
+        </a:bodyPr>
+        <a:lstStyle/>
+        <a:p>
+          <a:pPr lvl="0" algn="l" defTabSz="400050">
+            <a:lnSpc>
+              <a:spcPct val="90000"/>
+            </a:lnSpc>
+            <a:spcBef>
+              <a:spcPct val="0"/>
+            </a:spcBef>
+            <a:spcAft>
+              <a:spcPct val="35000"/>
+            </a:spcAft>
+          </a:pPr>
+          <a:r>
+            <a:rPr lang="en-US" sz="900" b="1" kern="1200" dirty="0" smtClean="0"/>
+            <a:t>Transfer data</a:t>
+          </a:r>
+          <a:endParaRPr lang="en-US" sz="900" b="1" kern="1200" dirty="0"/>
+        </a:p>
+        <a:p>
+          <a:pPr marL="57150" lvl="1" indent="-57150" algn="l" defTabSz="400050">
+            <a:lnSpc>
+              <a:spcPct val="90000"/>
+            </a:lnSpc>
+            <a:spcBef>
+              <a:spcPct val="0"/>
+            </a:spcBef>
+            <a:spcAft>
+              <a:spcPct val="15000"/>
+            </a:spcAft>
+            <a:buChar char="••"/>
+          </a:pPr>
+          <a:r>
+            <a:rPr lang="en-US" sz="900" kern="1200" dirty="0" smtClean="0"/>
+            <a:t> Run the transfer margin data to segment tool to pass margin based information over to segment</a:t>
+          </a:r>
+          <a:endParaRPr lang="en-US" sz="900" kern="1200" dirty="0"/>
+        </a:p>
+        <a:p>
+          <a:pPr marL="57150" lvl="1" indent="-57150" algn="l" defTabSz="400050">
+            <a:lnSpc>
+              <a:spcPct val="90000"/>
+            </a:lnSpc>
+            <a:spcBef>
+              <a:spcPct val="0"/>
+            </a:spcBef>
+            <a:spcAft>
+              <a:spcPct val="15000"/>
+            </a:spcAft>
+            <a:buChar char="••"/>
+          </a:pPr>
+          <a:r>
+            <a:rPr lang="en-US" sz="900" kern="1200" dirty="0" smtClean="0"/>
+            <a:t> Run transfer DoD data to segment tool</a:t>
+          </a:r>
+          <a:endParaRPr lang="en-US" sz="900" kern="1200" dirty="0"/>
+        </a:p>
+      </dsp:txBody>
+      <dsp:txXfrm>
+        <a:off x="772162" y="6020594"/>
+        <a:ext cx="6091378" cy="460113"/>
       </dsp:txXfrm>
     </dsp:sp>
   </dsp:spTree>
@@ -2850,57 +3822,15 @@
 </file>
 
 <file path=ppt/diagrams/layout1.xml><?xml version="1.0" encoding="utf-8"?>
-<dgm:layoutDef xmlns:dgm="http://schemas.openxmlformats.org/drawingml/2006/diagram" xmlns:a="http://schemas.openxmlformats.org/drawingml/2006/main" uniqueId="urn:microsoft.com/office/officeart/2005/8/layout/chevron2">
+<dgm:layoutDef xmlns:dgm="http://schemas.openxmlformats.org/drawingml/2006/diagram" xmlns:a="http://schemas.openxmlformats.org/drawingml/2006/main" uniqueId="urn:microsoft.com/office/officeart/2005/8/layout/process2">
   <dgm:title val=""/>
   <dgm:desc val=""/>
   <dgm:catLst>
-    <dgm:cat type="process" pri="12000"/>
-    <dgm:cat type="list" pri="16000"/>
-    <dgm:cat type="convert" pri="11000"/>
+    <dgm:cat type="process" pri="13000"/>
   </dgm:catLst>
-  <dgm:sampData>
+  <dgm:sampData useDef="1">
     <dgm:dataModel>
-      <dgm:ptLst>
-        <dgm:pt modelId="0" type="doc"/>
-        <dgm:pt modelId="1">
-          <dgm:prSet phldr="1"/>
-        </dgm:pt>
-        <dgm:pt modelId="11">
-          <dgm:prSet phldr="1"/>
-        </dgm:pt>
-        <dgm:pt modelId="12">
-          <dgm:prSet phldr="1"/>
-        </dgm:pt>
-        <dgm:pt modelId="2">
-          <dgm:prSet phldr="1"/>
-        </dgm:pt>
-        <dgm:pt modelId="21">
-          <dgm:prSet phldr="1"/>
-        </dgm:pt>
-        <dgm:pt modelId="22">
-          <dgm:prSet phldr="1"/>
-        </dgm:pt>
-        <dgm:pt modelId="3">
-          <dgm:prSet phldr="1"/>
-        </dgm:pt>
-        <dgm:pt modelId="31">
-          <dgm:prSet phldr="1"/>
-        </dgm:pt>
-        <dgm:pt modelId="32">
-          <dgm:prSet phldr="1"/>
-        </dgm:pt>
-      </dgm:ptLst>
-      <dgm:cxnLst>
-        <dgm:cxn modelId="4" srcId="0" destId="1" srcOrd="0" destOrd="0"/>
-        <dgm:cxn modelId="5" srcId="0" destId="2" srcOrd="1" destOrd="0"/>
-        <dgm:cxn modelId="6" srcId="0" destId="3" srcOrd="2" destOrd="0"/>
-        <dgm:cxn modelId="13" srcId="1" destId="11" srcOrd="0" destOrd="0"/>
-        <dgm:cxn modelId="14" srcId="1" destId="12" srcOrd="1" destOrd="0"/>
-        <dgm:cxn modelId="23" srcId="2" destId="21" srcOrd="0" destOrd="0"/>
-        <dgm:cxn modelId="24" srcId="2" destId="22" srcOrd="1" destOrd="0"/>
-        <dgm:cxn modelId="33" srcId="3" destId="31" srcOrd="0" destOrd="0"/>
-        <dgm:cxn modelId="34" srcId="3" destId="32" srcOrd="1" destOrd="0"/>
-      </dgm:cxnLst>
+      <dgm:ptLst/>
       <dgm:bg/>
       <dgm:whole/>
     </dgm:dataModel>
@@ -2910,9 +3840,11 @@
       <dgm:ptLst>
         <dgm:pt modelId="0" type="doc"/>
         <dgm:pt modelId="1"/>
+        <dgm:pt modelId="2"/>
       </dgm:ptLst>
       <dgm:cxnLst>
-        <dgm:cxn modelId="4" srcId="0" destId="1" srcOrd="0" destOrd="0"/>
+        <dgm:cxn modelId="3" srcId="0" destId="1" srcOrd="0" destOrd="0"/>
+        <dgm:cxn modelId="4" srcId="0" destId="2" srcOrd="1" destOrd="0"/>
       </dgm:cxnLst>
       <dgm:bg/>
       <dgm:whole/>
@@ -2923,23 +3855,15 @@
       <dgm:ptLst>
         <dgm:pt modelId="0" type="doc"/>
         <dgm:pt modelId="1"/>
-        <dgm:pt modelId="11"/>
         <dgm:pt modelId="2"/>
-        <dgm:pt modelId="21"/>
         <dgm:pt modelId="3"/>
-        <dgm:pt modelId="31"/>
         <dgm:pt modelId="4"/>
-        <dgm:pt modelId="41"/>
       </dgm:ptLst>
       <dgm:cxnLst>
         <dgm:cxn modelId="5" srcId="0" destId="1" srcOrd="0" destOrd="0"/>
         <dgm:cxn modelId="6" srcId="0" destId="2" srcOrd="1" destOrd="0"/>
         <dgm:cxn modelId="7" srcId="0" destId="3" srcOrd="2" destOrd="0"/>
         <dgm:cxn modelId="8" srcId="0" destId="4" srcOrd="3" destOrd="0"/>
-        <dgm:cxn modelId="13" srcId="1" destId="11" srcOrd="0" destOrd="0"/>
-        <dgm:cxn modelId="23" srcId="2" destId="21" srcOrd="0" destOrd="0"/>
-        <dgm:cxn modelId="33" srcId="3" destId="31" srcOrd="0" destOrd="0"/>
-        <dgm:cxn modelId="43" srcId="4" destId="41" srcOrd="0" destOrd="0"/>
       </dgm:cxnLst>
       <dgm:bg/>
       <dgm:whole/>
@@ -2947,157 +3871,98 @@
   </dgm:clrData>
   <dgm:layoutNode name="linearFlow">
     <dgm:varLst>
-      <dgm:dir/>
-      <dgm:animLvl val="lvl"/>
       <dgm:resizeHandles val="exact"/>
     </dgm:varLst>
     <dgm:alg type="lin">
       <dgm:param type="linDir" val="fromT"/>
-      <dgm:param type="nodeHorzAlign" val="l"/>
     </dgm:alg>
     <dgm:shape xmlns:r="http://schemas.openxmlformats.org/officeDocument/2006/relationships" r:blip="">
       <dgm:adjLst/>
     </dgm:shape>
     <dgm:presOf/>
     <dgm:constrLst>
-      <dgm:constr type="h" for="ch" forName="composite" refType="h"/>
-      <dgm:constr type="w" for="ch" forName="composite" refType="w"/>
-      <dgm:constr type="h" for="des" forName="parentText" op="equ"/>
-      <dgm:constr type="h" for="ch" forName="sp" val="-14.88"/>
-      <dgm:constr type="h" for="ch" forName="sp" refType="w" refFor="des" refForName="parentText" op="gte" fact="-0.3"/>
-      <dgm:constr type="primFontSz" for="des" forName="parentText" op="equ" val="65"/>
-      <dgm:constr type="primFontSz" for="des" forName="descendantText" op="equ" val="65"/>
+      <dgm:constr type="h" for="ch" ptType="node" refType="h"/>
+      <dgm:constr type="h" for="ch" ptType="sibTrans" refType="h" refFor="ch" refPtType="node" fact="0.5"/>
+      <dgm:constr type="w" for="ch" ptType="node" op="equ"/>
+      <dgm:constr type="primFontSz" for="ch" ptType="node" op="equ" val="65"/>
+      <dgm:constr type="primFontSz" for="des" forName="connectorText" op="equ" val="55"/>
+      <dgm:constr type="primFontSz" for="des" forName="connectorText" refType="primFontSz" refFor="ch" refPtType="node" op="lte" fact="0.8"/>
     </dgm:constrLst>
     <dgm:ruleLst/>
-    <dgm:forEach name="Name0" axis="ch" ptType="node">
-      <dgm:layoutNode name="composite">
-        <dgm:alg type="composite"/>
-        <dgm:shape xmlns:r="http://schemas.openxmlformats.org/officeDocument/2006/relationships" r:blip="">
-          <dgm:adjLst/>
-        </dgm:shape>
-        <dgm:presOf/>
-        <dgm:choose name="Name1">
-          <dgm:if name="Name2" func="var" arg="dir" op="equ" val="norm">
-            <dgm:constrLst>
-              <dgm:constr type="t" for="ch" forName="parentText"/>
-              <dgm:constr type="l" for="ch" forName="parentText"/>
-              <dgm:constr type="w" for="ch" forName="parentText" refType="w" fact="0.4"/>
-              <dgm:constr type="h" for="ch" forName="parentText" refType="h"/>
-              <dgm:constr type="w" for="ch" forName="parentText" refType="w" op="lte" fact="0.5"/>
-              <dgm:constr type="w" for="ch" forName="parentText" refType="h" refFor="ch" refForName="parentText" op="lte" fact="0.7"/>
-              <dgm:constr type="h" for="ch" forName="parentText" refType="w" refFor="ch" refForName="parentText" op="lte" fact="3"/>
-              <dgm:constr type="l" for="ch" forName="descendantText" refType="w" refFor="ch" refForName="parentText"/>
-              <dgm:constr type="w" for="ch" forName="descendantText" refType="w"/>
-              <dgm:constr type="wOff" for="ch" forName="descendantText" refType="w" refFor="ch" refForName="parentText" fact="-1"/>
-              <dgm:constr type="t" for="ch" forName="descendantText"/>
-              <dgm:constr type="b" for="ch" forName="descendantText" refType="h" refFor="ch" refForName="parentText"/>
-              <dgm:constr type="bOff" for="ch" forName="descendantText" refType="w" refFor="ch" refForName="parentText" fact="-0.5"/>
-            </dgm:constrLst>
+    <dgm:forEach name="nodesForEach" axis="ch" ptType="node">
+      <dgm:layoutNode name="node">
+        <dgm:varLst>
+          <dgm:bulletEnabled val="1"/>
+        </dgm:varLst>
+        <dgm:choose name="Name0">
+          <dgm:if name="Name1" axis="root des" ptType="all node" func="maxDepth" op="gt" val="1">
+            <dgm:alg type="tx">
+              <dgm:param type="parTxLTRAlign" val="l"/>
+              <dgm:param type="parTxRTLAlign" val="r"/>
+              <dgm:param type="txAnchorVertCh" val="mid"/>
+            </dgm:alg>
           </dgm:if>
-          <dgm:else name="Name3">
-            <dgm:constrLst>
-              <dgm:constr type="t" for="ch" forName="parentText"/>
-              <dgm:constr type="r" for="ch" forName="parentText" refType="w"/>
-              <dgm:constr type="w" for="ch" forName="parentText" refType="w" fact="0.4"/>
-              <dgm:constr type="h" for="ch" forName="parentText" refType="h"/>
-              <dgm:constr type="w" for="ch" forName="parentText" refType="w" op="lte" fact="0.5"/>
-              <dgm:constr type="w" for="ch" forName="parentText" refType="h" refFor="ch" refForName="parentText" op="lte" fact="0.7"/>
-              <dgm:constr type="h" for="ch" forName="parentText" refType="w" refFor="ch" refForName="parentText" op="lte" fact="3"/>
-              <dgm:constr type="l" for="ch" forName="descendantText"/>
-              <dgm:constr type="w" for="ch" forName="descendantText" refType="w"/>
-              <dgm:constr type="wOff" for="ch" forName="descendantText" refType="w" refFor="ch" refForName="parentText" fact="-1"/>
-              <dgm:constr type="t" for="ch" forName="descendantText"/>
-              <dgm:constr type="b" for="ch" forName="descendantText" refType="h" refFor="ch" refForName="parentText"/>
-              <dgm:constr type="bOff" for="ch" forName="descendantText" refType="w" refFor="ch" refForName="parentText" fact="-0.5"/>
-            </dgm:constrLst>
+          <dgm:else name="Name2">
+            <dgm:alg type="tx"/>
           </dgm:else>
         </dgm:choose>
-        <dgm:ruleLst/>
-        <dgm:layoutNode name="parentText" styleLbl="alignNode1">
-          <dgm:varLst>
-            <dgm:chMax val="1"/>
-            <dgm:bulletEnabled val="1"/>
-          </dgm:varLst>
-          <dgm:alg type="tx"/>
-          <dgm:shape xmlns:r="http://schemas.openxmlformats.org/officeDocument/2006/relationships" rot="90" type="chevron" r:blip="">
-            <dgm:adjLst/>
-          </dgm:shape>
-          <dgm:presOf axis="self" ptType="node"/>
-          <dgm:constrLst>
-            <dgm:constr type="lMarg" refType="primFontSz" fact="0.05"/>
-            <dgm:constr type="rMarg" refType="primFontSz" fact="0.05"/>
-            <dgm:constr type="tMarg" refType="primFontSz" fact="0.05"/>
-            <dgm:constr type="bMarg" refType="primFontSz" fact="0.05"/>
-          </dgm:constrLst>
-          <dgm:ruleLst>
-            <dgm:rule type="h" val="100" fact="NaN" max="NaN"/>
-            <dgm:rule type="primFontSz" val="24" fact="NaN" max="NaN"/>
-            <dgm:rule type="h" val="110" fact="NaN" max="NaN"/>
-            <dgm:rule type="primFontSz" val="18" fact="NaN" max="NaN"/>
-            <dgm:rule type="h" val="INF" fact="NaN" max="NaN"/>
-            <dgm:rule type="primFontSz" val="5" fact="NaN" max="NaN"/>
-          </dgm:ruleLst>
-        </dgm:layoutNode>
-        <dgm:layoutNode name="descendantText" styleLbl="alignAcc1">
-          <dgm:varLst>
-            <dgm:bulletEnabled val="1"/>
-          </dgm:varLst>
-          <dgm:choose name="Name4">
-            <dgm:if name="Name5" func="var" arg="dir" op="equ" val="norm">
-              <dgm:alg type="tx">
-                <dgm:param type="stBulletLvl" val="1"/>
-                <dgm:param type="txAnchorVertCh" val="mid"/>
-              </dgm:alg>
-              <dgm:shape xmlns:r="http://schemas.openxmlformats.org/officeDocument/2006/relationships" rot="90" type="round2SameRect" r:blip="">
-                <dgm:adjLst/>
-              </dgm:shape>
-            </dgm:if>
-            <dgm:else name="Name6">
-              <dgm:alg type="tx">
-                <dgm:param type="stBulletLvl" val="1"/>
-                <dgm:param type="txAnchorVertCh" val="mid"/>
-              </dgm:alg>
-              <dgm:shape xmlns:r="http://schemas.openxmlformats.org/officeDocument/2006/relationships" rot="-90" type="round2SameRect" r:blip="">
-                <dgm:adjLst/>
-              </dgm:shape>
-            </dgm:else>
-          </dgm:choose>
-          <dgm:presOf axis="des" ptType="node"/>
-          <dgm:choose name="Name7">
-            <dgm:if name="Name8" func="var" arg="dir" op="equ" val="norm">
-              <dgm:constrLst>
-                <dgm:constr type="secFontSz" refType="primFontSz"/>
-                <dgm:constr type="tMarg" refType="primFontSz" fact="0.05"/>
-                <dgm:constr type="bMarg" refType="primFontSz" fact="0.05"/>
-                <dgm:constr type="rMarg" refType="primFontSz" fact="0.05"/>
-              </dgm:constrLst>
-            </dgm:if>
-            <dgm:else name="Name9">
-              <dgm:constrLst>
-                <dgm:constr type="secFontSz" refType="primFontSz"/>
-                <dgm:constr type="tMarg" refType="primFontSz" fact="0.05"/>
-                <dgm:constr type="bMarg" refType="primFontSz" fact="0.05"/>
-                <dgm:constr type="lMarg" refType="primFontSz" fact="0.05"/>
-              </dgm:constrLst>
-            </dgm:else>
-          </dgm:choose>
-          <dgm:ruleLst>
-            <dgm:rule type="primFontSz" val="5" fact="NaN" max="NaN"/>
-          </dgm:ruleLst>
-        </dgm:layoutNode>
+        <dgm:shape xmlns:r="http://schemas.openxmlformats.org/officeDocument/2006/relationships" type="roundRect" r:blip="">
+          <dgm:adjLst>
+            <dgm:adj idx="1" val="0.1"/>
+          </dgm:adjLst>
+        </dgm:shape>
+        <dgm:presOf axis="desOrSelf" ptType="node"/>
+        <dgm:constrLst>
+          <dgm:constr type="w" refType="h" fact="1.8"/>
+          <dgm:constr type="tMarg" refType="primFontSz" fact="0.3"/>
+          <dgm:constr type="bMarg" refType="primFontSz" fact="0.3"/>
+          <dgm:constr type="lMarg" refType="primFontSz" fact="0.3"/>
+          <dgm:constr type="rMarg" refType="primFontSz" fact="0.3"/>
+        </dgm:constrLst>
+        <dgm:ruleLst>
+          <dgm:rule type="primFontSz" val="18" fact="NaN" max="NaN"/>
+          <dgm:rule type="w" val="NaN" fact="4" max="NaN"/>
+          <dgm:rule type="primFontSz" val="5" fact="NaN" max="NaN"/>
+        </dgm:ruleLst>
       </dgm:layoutNode>
-      <dgm:forEach name="Name10" axis="followSib" ptType="sibTrans" cnt="1">
-        <dgm:layoutNode name="sp">
-          <dgm:alg type="sp"/>
-          <dgm:shape xmlns:r="http://schemas.openxmlformats.org/officeDocument/2006/relationships" r:blip="">
+      <dgm:forEach name="sibTransForEach" axis="followSib" ptType="sibTrans" cnt="1">
+        <dgm:layoutNode name="sibTrans">
+          <dgm:alg type="conn">
+            <dgm:param type="begPts" val="auto"/>
+            <dgm:param type="endPts" val="auto"/>
+          </dgm:alg>
+          <dgm:shape xmlns:r="http://schemas.openxmlformats.org/officeDocument/2006/relationships" type="conn" r:blip="">
             <dgm:adjLst/>
           </dgm:shape>
           <dgm:presOf axis="self"/>
           <dgm:constrLst>
-            <dgm:constr type="w" val="1"/>
-            <dgm:constr type="h" val="37.5"/>
+            <dgm:constr type="w" refType="h" fact="0.9"/>
+            <dgm:constr type="connDist"/>
+            <dgm:constr type="wArH" refType="w" fact="0.5"/>
+            <dgm:constr type="hArH" refType="w"/>
+            <dgm:constr type="stemThick" refType="w" fact="0.6"/>
+            <dgm:constr type="begPad" refType="connDist" fact="0.125"/>
+            <dgm:constr type="endPad" refType="connDist" fact="0.125"/>
           </dgm:constrLst>
           <dgm:ruleLst/>
+          <dgm:layoutNode name="connectorText">
+            <dgm:alg type="tx">
+              <dgm:param type="autoTxRot" val="upr"/>
+            </dgm:alg>
+            <dgm:shape xmlns:r="http://schemas.openxmlformats.org/officeDocument/2006/relationships" type="conn" r:blip="" hideGeom="1">
+              <dgm:adjLst/>
+            </dgm:shape>
+            <dgm:presOf axis="self"/>
+            <dgm:constrLst>
+              <dgm:constr type="lMarg"/>
+              <dgm:constr type="rMarg"/>
+              <dgm:constr type="tMarg"/>
+              <dgm:constr type="bMarg"/>
+            </dgm:constrLst>
+            <dgm:ruleLst>
+              <dgm:rule type="primFontSz" val="5" fact="NaN" max="NaN"/>
+            </dgm:ruleLst>
+          </dgm:layoutNode>
         </dgm:layoutNode>
       </dgm:forEach>
     </dgm:forEach>
@@ -3106,11 +3971,11 @@
 </file>
 
 <file path=ppt/diagrams/quickStyle1.xml><?xml version="1.0" encoding="utf-8"?>
-<dgm:styleDef xmlns:dgm="http://schemas.openxmlformats.org/drawingml/2006/diagram" xmlns:a="http://schemas.openxmlformats.org/drawingml/2006/main" uniqueId="urn:microsoft.com/office/officeart/2005/8/quickstyle/simple1">
+<dgm:styleDef xmlns:dgm="http://schemas.openxmlformats.org/drawingml/2006/diagram" xmlns:a="http://schemas.openxmlformats.org/drawingml/2006/main" uniqueId="urn:microsoft.com/office/officeart/2005/8/quickstyle/simple3">
   <dgm:title val=""/>
   <dgm:desc val=""/>
   <dgm:catLst>
-    <dgm:cat type="simple" pri="10100"/>
+    <dgm:cat type="simple" pri="10300"/>
   </dgm:catLst>
   <dgm:scene3d>
     <a:camera prst="orthographicFront"/>
@@ -3119,59 +3984,65 @@
   <dgm:styleLbl name="node0">
     <dgm:scene3d>
       <a:camera prst="orthographicFront"/>
-      <a:lightRig rig="threePt" dir="t"/>
+      <a:lightRig rig="flat" dir="t"/>
     </dgm:scene3d>
-    <dgm:sp3d/>
+    <dgm:sp3d prstMaterial="dkEdge">
+      <a:bevelT w="8200" h="38100"/>
+    </dgm:sp3d>
     <dgm:txPr/>
     <dgm:style>
-      <a:lnRef idx="2">
+      <a:lnRef idx="0">
         <a:scrgbClr r="0" g="0" b="0"/>
       </a:lnRef>
-      <a:fillRef idx="1">
+      <a:fillRef idx="2">
         <a:scrgbClr r="0" g="0" b="0"/>
       </a:fillRef>
-      <a:effectRef idx="0">
+      <a:effectRef idx="1">
         <a:scrgbClr r="0" g="0" b="0"/>
       </a:effectRef>
       <a:fontRef idx="minor">
-        <a:schemeClr val="lt1"/>
+        <a:schemeClr val="dk1"/>
       </a:fontRef>
     </dgm:style>
   </dgm:styleLbl>
   <dgm:styleLbl name="lnNode1">
     <dgm:scene3d>
       <a:camera prst="orthographicFront"/>
-      <a:lightRig rig="threePt" dir="t"/>
+      <a:lightRig rig="flat" dir="t"/>
     </dgm:scene3d>
-    <dgm:sp3d/>
+    <dgm:sp3d prstMaterial="dkEdge">
+      <a:bevelT w="8200" h="38100"/>
+    </dgm:sp3d>
     <dgm:txPr/>
     <dgm:style>
-      <a:lnRef idx="2">
+      <a:lnRef idx="1">
         <a:scrgbClr r="0" g="0" b="0"/>
       </a:lnRef>
-      <a:fillRef idx="1">
+      <a:fillRef idx="2">
         <a:scrgbClr r="0" g="0" b="0"/>
       </a:fillRef>
       <a:effectRef idx="0">
         <a:scrgbClr r="0" g="0" b="0"/>
       </a:effectRef>
       <a:fontRef idx="minor">
-        <a:schemeClr val="lt1"/>
+        <a:schemeClr val="dk1"/>
       </a:fontRef>
     </dgm:style>
   </dgm:styleLbl>
   <dgm:styleLbl name="vennNode1">
     <dgm:scene3d>
       <a:camera prst="orthographicFront"/>
-      <a:lightRig rig="threePt" dir="t"/>
+      <a:lightRig rig="flat" dir="t"/>
     </dgm:scene3d>
-    <dgm:sp3d/>
+    <dgm:sp3d prstMaterial="dkEdge">
+      <a:bevelT w="8200" h="38100"/>
+    </dgm:sp3d>
     <dgm:txPr/>
     <dgm:style>
-      <a:lnRef idx="2">
+      <a:lnRef idx="0">
         <a:scrgbClr r="0" g="0" b="0"/>
       </a:lnRef>
-      <a:fillRef idx="1">
+      <a:fillRef idx="2">
         <a:scrgbClr r="0" g="0" b="0"/>
       </a:fillRef>
       <a:effectRef idx="0">
@@ -3190,105 +4061,113 @@
     <dgm:sp3d/>
     <dgm:txPr/>
     <dgm:style>
-      <a:lnRef idx="2">
+      <a:lnRef idx="1">
         <a:scrgbClr r="0" g="0" b="0"/>
       </a:lnRef>
-      <a:fillRef idx="1">
+      <a:fillRef idx="2">
         <a:scrgbClr r="0" g="0" b="0"/>
       </a:fillRef>
-      <a:effectRef idx="0">
+      <a:effectRef idx="1">
         <a:scrgbClr r="0" g="0" b="0"/>
       </a:effectRef>
       <a:fontRef idx="minor">
-        <a:schemeClr val="lt1"/>
+        <a:schemeClr val="dk1"/>
       </a:fontRef>
     </dgm:style>
   </dgm:styleLbl>
   <dgm:styleLbl name="node1">
     <dgm:scene3d>
       <a:camera prst="orthographicFront"/>
-      <a:lightRig rig="threePt" dir="t"/>
+      <a:lightRig rig="flat" dir="t"/>
     </dgm:scene3d>
-    <dgm:sp3d/>
+    <dgm:sp3d prstMaterial="dkEdge">
+      <a:bevelT w="8200" h="38100"/>
+    </dgm:sp3d>
     <dgm:txPr/>
     <dgm:style>
-      <a:lnRef idx="2">
+      <a:lnRef idx="0">
         <a:scrgbClr r="0" g="0" b="0"/>
       </a:lnRef>
-      <a:fillRef idx="1">
+      <a:fillRef idx="2">
         <a:scrgbClr r="0" g="0" b="0"/>
       </a:fillRef>
-      <a:effectRef idx="0">
+      <a:effectRef idx="1">
         <a:scrgbClr r="0" g="0" b="0"/>
       </a:effectRef>
       <a:fontRef idx="minor">
-        <a:schemeClr val="lt1"/>
+        <a:schemeClr val="dk1"/>
       </a:fontRef>
     </dgm:style>
   </dgm:styleLbl>
   <dgm:styleLbl name="node2">
     <dgm:scene3d>
       <a:camera prst="orthographicFront"/>
-      <a:lightRig rig="threePt" dir="t"/>
+      <a:lightRig rig="flat" dir="t"/>
     </dgm:scene3d>
-    <dgm:sp3d/>
+    <dgm:sp3d prstMaterial="dkEdge">
+      <a:bevelT w="8200" h="38100"/>
+    </dgm:sp3d>
     <dgm:txPr/>
     <dgm:style>
-      <a:lnRef idx="2">
+      <a:lnRef idx="0">
         <a:scrgbClr r="0" g="0" b="0"/>
       </a:lnRef>
-      <a:fillRef idx="1">
+      <a:fillRef idx="2">
         <a:scrgbClr r="0" g="0" b="0"/>
       </a:fillRef>
-      <a:effectRef idx="0">
+      <a:effectRef idx="1">
         <a:scrgbClr r="0" g="0" b="0"/>
       </a:effectRef>
       <a:fontRef idx="minor">
-        <a:schemeClr val="lt1"/>
+        <a:schemeClr val="dk1"/>
       </a:fontRef>
     </dgm:style>
   </dgm:styleLbl>
   <dgm:styleLbl name="node3">
     <dgm:scene3d>
       <a:camera prst="orthographicFront"/>
-      <a:lightRig rig="threePt" dir="t"/>
+      <a:lightRig rig="flat" dir="t"/>
     </dgm:scene3d>
-    <dgm:sp3d/>
+    <dgm:sp3d prstMaterial="dkEdge">
+      <a:bevelT w="8200" h="38100"/>
+    </dgm:sp3d>
     <dgm:txPr/>
     <dgm:style>
-      <a:lnRef idx="2">
+      <a:lnRef idx="0">
         <a:scrgbClr r="0" g="0" b="0"/>
       </a:lnRef>
-      <a:fillRef idx="1">
+      <a:fillRef idx="2">
         <a:scrgbClr r="0" g="0" b="0"/>
       </a:fillRef>
-      <a:effectRef idx="0">
+      <a:effectRef idx="1">
         <a:scrgbClr r="0" g="0" b="0"/>
       </a:effectRef>
       <a:fontRef idx="minor">
-        <a:schemeClr val="lt1"/>
+        <a:schemeClr val="dk1"/>
       </a:fontRef>
     </dgm:style>
   </dgm:styleLbl>
   <dgm:styleLbl name="node4">
     <dgm:scene3d>
       <a:camera prst="orthographicFront"/>
-      <a:lightRig rig="threePt" dir="t"/>
+      <a:lightRig rig="flat" dir="t"/>
     </dgm:scene3d>
-    <dgm:sp3d/>
+    <dgm:sp3d prstMaterial="dkEdge">
+      <a:bevelT w="8200" h="38100"/>
+    </dgm:sp3d>
     <dgm:txPr/>
     <dgm:style>
-      <a:lnRef idx="2">
+      <a:lnRef idx="0">
         <a:scrgbClr r="0" g="0" b="0"/>
       </a:lnRef>
-      <a:fillRef idx="1">
+      <a:fillRef idx="2">
         <a:scrgbClr r="0" g="0" b="0"/>
       </a:fillRef>
-      <a:effectRef idx="0">
+      <a:effectRef idx="1">
         <a:scrgbClr r="0" g="0" b="0"/>
       </a:effectRef>
       <a:fontRef idx="minor">
-        <a:schemeClr val="lt1"/>
+        <a:schemeClr val="dk1"/>
       </a:fontRef>
     </dgm:style>
   </dgm:styleLbl>
@@ -3300,13 +4179,13 @@
     <dgm:sp3d/>
     <dgm:txPr/>
     <dgm:style>
-      <a:lnRef idx="2">
+      <a:lnRef idx="1">
         <a:scrgbClr r="0" g="0" b="0"/>
       </a:lnRef>
       <a:fillRef idx="1">
         <a:scrgbClr r="0" g="0" b="0"/>
       </a:fillRef>
-      <a:effectRef idx="0">
+      <a:effectRef idx="1">
         <a:scrgbClr r="0" g="0" b="0"/>
       </a:effectRef>
       <a:fontRef idx="minor"/>
@@ -3320,13 +4199,13 @@
     <dgm:sp3d/>
     <dgm:txPr/>
     <dgm:style>
-      <a:lnRef idx="2">
+      <a:lnRef idx="1">
         <a:scrgbClr r="0" g="0" b="0"/>
       </a:lnRef>
       <a:fillRef idx="1">
         <a:scrgbClr r="0" g="0" b="0"/>
       </a:fillRef>
-      <a:effectRef idx="0">
+      <a:effectRef idx="1">
         <a:scrgbClr r="0" g="0" b="0"/>
       </a:effectRef>
       <a:fontRef idx="minor"/>
@@ -3340,13 +4219,13 @@
     <dgm:sp3d/>
     <dgm:txPr/>
     <dgm:style>
-      <a:lnRef idx="2">
+      <a:lnRef idx="1">
         <a:scrgbClr r="0" g="0" b="0"/>
       </a:lnRef>
       <a:fillRef idx="1">
         <a:scrgbClr r="0" g="0" b="0"/>
       </a:fillRef>
-      <a:effectRef idx="0">
+      <a:effectRef idx="1">
         <a:scrgbClr r="0" g="0" b="0"/>
       </a:effectRef>
       <a:fontRef idx="minor"/>
@@ -3363,14 +4242,14 @@
       <a:lnRef idx="0">
         <a:scrgbClr r="0" g="0" b="0"/>
       </a:lnRef>
-      <a:fillRef idx="1">
+      <a:fillRef idx="2">
         <a:scrgbClr r="0" g="0" b="0"/>
       </a:fillRef>
-      <a:effectRef idx="0">
+      <a:effectRef idx="1">
         <a:scrgbClr r="0" g="0" b="0"/>
       </a:effectRef>
       <a:fontRef idx="minor">
-        <a:schemeClr val="lt1"/>
+        <a:schemeClr val="dk1"/>
       </a:fontRef>
     </dgm:style>
   </dgm:styleLbl>
@@ -3385,14 +4264,14 @@
       <a:lnRef idx="0">
         <a:scrgbClr r="0" g="0" b="0"/>
       </a:lnRef>
-      <a:fillRef idx="1">
+      <a:fillRef idx="2">
         <a:scrgbClr r="0" g="0" b="0"/>
       </a:fillRef>
-      <a:effectRef idx="0">
+      <a:effectRef idx="1">
         <a:scrgbClr r="0" g="0" b="0"/>
       </a:effectRef>
       <a:fontRef idx="minor">
-        <a:schemeClr val="lt1"/>
+        <a:schemeClr val="dk1"/>
       </a:fontRef>
     </dgm:style>
   </dgm:styleLbl>
@@ -3407,14 +4286,14 @@
       <a:lnRef idx="0">
         <a:scrgbClr r="0" g="0" b="0"/>
       </a:lnRef>
-      <a:fillRef idx="1">
+      <a:fillRef idx="2">
         <a:scrgbClr r="0" g="0" b="0"/>
       </a:fillRef>
-      <a:effectRef idx="0">
+      <a:effectRef idx="1">
         <a:scrgbClr r="0" g="0" b="0"/>
       </a:effectRef>
       <a:fontRef idx="minor">
-        <a:schemeClr val="lt1"/>
+        <a:schemeClr val="dk1"/>
       </a:fontRef>
     </dgm:style>
   </dgm:styleLbl>
@@ -3446,13 +4325,13 @@
     <dgm:sp3d/>
     <dgm:txPr/>
     <dgm:style>
-      <a:lnRef idx="2">
+      <a:lnRef idx="1">
         <a:scrgbClr r="0" g="0" b="0"/>
       </a:lnRef>
-      <a:fillRef idx="1">
+      <a:fillRef idx="2">
         <a:scrgbClr r="0" g="0" b="0"/>
       </a:fillRef>
-      <a:effectRef idx="0">
+      <a:effectRef idx="1">
         <a:scrgbClr r="0" g="0" b="0"/>
       </a:effectRef>
       <a:fontRef idx="minor"/>
@@ -3461,110 +4340,120 @@
   <dgm:styleLbl name="asst0">
     <dgm:scene3d>
       <a:camera prst="orthographicFront"/>
-      <a:lightRig rig="threePt" dir="t"/>
+      <a:lightRig rig="flat" dir="t"/>
     </dgm:scene3d>
-    <dgm:sp3d/>
+    <dgm:sp3d prstMaterial="dkEdge">
+      <a:bevelT w="8200" h="38100"/>
+    </dgm:sp3d>
     <dgm:txPr/>
     <dgm:style>
-      <a:lnRef idx="2">
+      <a:lnRef idx="0">
         <a:scrgbClr r="0" g="0" b="0"/>
       </a:lnRef>
-      <a:fillRef idx="1">
+      <a:fillRef idx="2">
         <a:scrgbClr r="0" g="0" b="0"/>
       </a:fillRef>
-      <a:effectRef idx="0">
+      <a:effectRef idx="1">
         <a:scrgbClr r="0" g="0" b="0"/>
       </a:effectRef>
       <a:fontRef idx="minor">
-        <a:schemeClr val="lt1"/>
+        <a:schemeClr val="dk1"/>
       </a:fontRef>
     </dgm:style>
   </dgm:styleLbl>
   <dgm:styleLbl name="asst1">
     <dgm:scene3d>
       <a:camera prst="orthographicFront"/>
-      <a:lightRig rig="threePt" dir="t"/>
+      <a:lightRig rig="flat" dir="t"/>
     </dgm:scene3d>
-    <dgm:sp3d/>
+    <dgm:sp3d prstMaterial="dkEdge">
+      <a:bevelT w="8200" h="38100"/>
+    </dgm:sp3d>
     <dgm:txPr/>
     <dgm:style>
-      <a:lnRef idx="2">
+      <a:lnRef idx="0">
         <a:scrgbClr r="0" g="0" b="0"/>
       </a:lnRef>
-      <a:fillRef idx="1">
+      <a:fillRef idx="2">
         <a:scrgbClr r="0" g="0" b="0"/>
       </a:fillRef>
-      <a:effectRef idx="0">
+      <a:effectRef idx="1">
         <a:scrgbClr r="0" g="0" b="0"/>
       </a:effectRef>
       <a:fontRef idx="minor">
-        <a:schemeClr val="lt1"/>
+        <a:schemeClr val="dk1"/>
       </a:fontRef>
     </dgm:style>
   </dgm:styleLbl>
   <dgm:styleLbl name="asst2">
     <dgm:scene3d>
       <a:camera prst="orthographicFront"/>
-      <a:lightRig rig="threePt" dir="t"/>
+      <a:lightRig rig="flat" dir="t"/>
     </dgm:scene3d>
-    <dgm:sp3d/>
+    <dgm:sp3d prstMaterial="dkEdge">
+      <a:bevelT w="8200" h="38100"/>
+    </dgm:sp3d>
     <dgm:txPr/>
     <dgm:style>
-      <a:lnRef idx="2">
+      <a:lnRef idx="0">
         <a:scrgbClr r="0" g="0" b="0"/>
       </a:lnRef>
-      <a:fillRef idx="1">
+      <a:fillRef idx="2">
         <a:scrgbClr r="0" g="0" b="0"/>
       </a:fillRef>
-      <a:effectRef idx="0">
+      <a:effectRef idx="1">
         <a:scrgbClr r="0" g="0" b="0"/>
       </a:effectRef>
       <a:fontRef idx="minor">
-        <a:schemeClr val="lt1"/>
+        <a:schemeClr val="dk1"/>
       </a:fontRef>
     </dgm:style>
   </dgm:styleLbl>
   <dgm:styleLbl name="asst3">
     <dgm:scene3d>
       <a:camera prst="orthographicFront"/>
-      <a:lightRig rig="threePt" dir="t"/>
+      <a:lightRig rig="flat" dir="t"/>
     </dgm:scene3d>
-    <dgm:sp3d/>
+    <dgm:sp3d prstMaterial="dkEdge">
+      <a:bevelT w="8200" h="38100"/>
+    </dgm:sp3d>
     <dgm:txPr/>
     <dgm:style>
-      <a:lnRef idx="2">
+      <a:lnRef idx="0">
         <a:scrgbClr r="0" g="0" b="0"/>
       </a:lnRef>
-      <a:fillRef idx="1">
+      <a:fillRef idx="2">
         <a:scrgbClr r="0" g="0" b="0"/>
       </a:fillRef>
-      <a:effectRef idx="0">
+      <a:effectRef idx="1">
         <a:scrgbClr r="0" g="0" b="0"/>
       </a:effectRef>
       <a:fontRef idx="minor">
-        <a:schemeClr val="lt1"/>
+        <a:schemeClr val="dk1"/>
       </a:fontRef>
     </dgm:style>
   </dgm:styleLbl>
   <dgm:styleLbl name="asst4">
     <dgm:scene3d>
       <a:camera prst="orthographicFront"/>
-      <a:lightRig rig="threePt" dir="t"/>
+      <a:lightRig rig="flat" dir="t"/>
     </dgm:scene3d>
-    <dgm:sp3d/>
+    <dgm:sp3d prstMaterial="dkEdge">
+      <a:bevelT w="8200" h="38100"/>
+    </dgm:sp3d>
     <dgm:txPr/>
     <dgm:style>
-      <a:lnRef idx="2">
+      <a:lnRef idx="0">
         <a:scrgbClr r="0" g="0" b="0"/>
       </a:lnRef>
-      <a:fillRef idx="1">
+      <a:fillRef idx="2">
         <a:scrgbClr r="0" g="0" b="0"/>
       </a:fillRef>
-      <a:effectRef idx="0">
+      <a:effectRef idx="1">
         <a:scrgbClr r="0" g="0" b="0"/>
       </a:effectRef>
       <a:fontRef idx="minor">
-        <a:schemeClr val="lt1"/>
+        <a:schemeClr val="dk1"/>
       </a:fontRef>
     </dgm:style>
   </dgm:styleLbl>
@@ -3576,17 +4465,17 @@
     <dgm:sp3d/>
     <dgm:txPr/>
     <dgm:style>
-      <a:lnRef idx="2">
+      <a:lnRef idx="1">
         <a:scrgbClr r="0" g="0" b="0"/>
       </a:lnRef>
-      <a:fillRef idx="1">
+      <a:fillRef idx="2">
         <a:scrgbClr r="0" g="0" b="0"/>
       </a:fillRef>
-      <a:effectRef idx="0">
+      <a:effectRef idx="1">
         <a:scrgbClr r="0" g="0" b="0"/>
       </a:effectRef>
       <a:fontRef idx="minor">
-        <a:schemeClr val="lt1"/>
+        <a:schemeClr val="dk1"/>
       </a:fontRef>
     </dgm:style>
   </dgm:styleLbl>
@@ -3598,17 +4487,17 @@
     <dgm:sp3d/>
     <dgm:txPr/>
     <dgm:style>
-      <a:lnRef idx="2">
+      <a:lnRef idx="1">
         <a:scrgbClr r="0" g="0" b="0"/>
       </a:lnRef>
-      <a:fillRef idx="1">
+      <a:fillRef idx="2">
         <a:scrgbClr r="0" g="0" b="0"/>
       </a:fillRef>
-      <a:effectRef idx="0">
+      <a:effectRef idx="1">
         <a:scrgbClr r="0" g="0" b="0"/>
       </a:effectRef>
       <a:fontRef idx="minor">
-        <a:schemeClr val="lt1"/>
+        <a:schemeClr val="dk1"/>
       </a:fontRef>
     </dgm:style>
   </dgm:styleLbl>
@@ -3620,17 +4509,17 @@
     <dgm:sp3d/>
     <dgm:txPr/>
     <dgm:style>
-      <a:lnRef idx="2">
+      <a:lnRef idx="1">
         <a:scrgbClr r="0" g="0" b="0"/>
       </a:lnRef>
-      <a:fillRef idx="1">
+      <a:fillRef idx="2">
         <a:scrgbClr r="0" g="0" b="0"/>
       </a:fillRef>
-      <a:effectRef idx="0">
+      <a:effectRef idx="1">
         <a:scrgbClr r="0" g="0" b="0"/>
       </a:effectRef>
       <a:fontRef idx="minor">
-        <a:schemeClr val="lt1"/>
+        <a:schemeClr val="dk1"/>
       </a:fontRef>
     </dgm:style>
   </dgm:styleLbl>
@@ -3642,17 +4531,17 @@
     <dgm:sp3d/>
     <dgm:txPr/>
     <dgm:style>
-      <a:lnRef idx="2">
+      <a:lnRef idx="1">
         <a:scrgbClr r="0" g="0" b="0"/>
       </a:lnRef>
-      <a:fillRef idx="1">
+      <a:fillRef idx="2">
         <a:scrgbClr r="0" g="0" b="0"/>
       </a:fillRef>
-      <a:effectRef idx="0">
+      <a:effectRef idx="1">
         <a:scrgbClr r="0" g="0" b="0"/>
       </a:effectRef>
       <a:fontRef idx="minor">
-        <a:schemeClr val="lt1"/>
+        <a:schemeClr val="dk1"/>
       </a:fontRef>
     </dgm:style>
   </dgm:styleLbl>
@@ -3744,7 +4633,7 @@
     <dgm:sp3d/>
     <dgm:txPr/>
     <dgm:style>
-      <a:lnRef idx="2">
+      <a:lnRef idx="1">
         <a:scrgbClr r="0" g="0" b="0"/>
       </a:lnRef>
       <a:fillRef idx="1">
@@ -3764,7 +4653,7 @@
     <dgm:sp3d/>
     <dgm:txPr/>
     <dgm:style>
-      <a:lnRef idx="2">
+      <a:lnRef idx="1">
         <a:scrgbClr r="0" g="0" b="0"/>
       </a:lnRef>
       <a:fillRef idx="1">
@@ -3784,7 +4673,7 @@
     <dgm:sp3d/>
     <dgm:txPr/>
     <dgm:style>
-      <a:lnRef idx="2">
+      <a:lnRef idx="1">
         <a:scrgbClr r="0" g="0" b="0"/>
       </a:lnRef>
       <a:fillRef idx="1">
@@ -3824,7 +4713,7 @@
     <dgm:sp3d/>
     <dgm:txPr/>
     <dgm:style>
-      <a:lnRef idx="2">
+      <a:lnRef idx="1">
         <a:scrgbClr r="0" g="0" b="0"/>
       </a:lnRef>
       <a:fillRef idx="1">
@@ -3844,10 +4733,10 @@
     <dgm:sp3d/>
     <dgm:txPr/>
     <dgm:style>
-      <a:lnRef idx="2">
+      <a:lnRef idx="1">
         <a:scrgbClr r="0" g="0" b="0"/>
       </a:lnRef>
-      <a:fillRef idx="1">
+      <a:fillRef idx="2">
         <a:scrgbClr r="0" g="0" b="0"/>
       </a:fillRef>
       <a:effectRef idx="0">
@@ -3864,7 +4753,7 @@
     <dgm:sp3d/>
     <dgm:txPr/>
     <dgm:style>
-      <a:lnRef idx="2">
+      <a:lnRef idx="1">
         <a:scrgbClr r="0" g="0" b="0"/>
       </a:lnRef>
       <a:fillRef idx="1">
@@ -3884,7 +4773,7 @@
     <dgm:sp3d/>
     <dgm:txPr/>
     <dgm:style>
-      <a:lnRef idx="2">
+      <a:lnRef idx="1">
         <a:scrgbClr r="0" g="0" b="0"/>
       </a:lnRef>
       <a:fillRef idx="1">
@@ -3904,7 +4793,7 @@
     <dgm:sp3d/>
     <dgm:txPr/>
     <dgm:style>
-      <a:lnRef idx="2">
+      <a:lnRef idx="1">
         <a:scrgbClr r="0" g="0" b="0"/>
       </a:lnRef>
       <a:fillRef idx="1">
@@ -3924,7 +4813,7 @@
     <dgm:sp3d/>
     <dgm:txPr/>
     <dgm:style>
-      <a:lnRef idx="2">
+      <a:lnRef idx="1">
         <a:scrgbClr r="0" g="0" b="0"/>
       </a:lnRef>
       <a:fillRef idx="1">
@@ -3944,7 +4833,7 @@
     <dgm:sp3d/>
     <dgm:txPr/>
     <dgm:style>
-      <a:lnRef idx="2">
+      <a:lnRef idx="1">
         <a:scrgbClr r="0" g="0" b="0"/>
       </a:lnRef>
       <a:fillRef idx="1">
@@ -3964,7 +4853,7 @@
     <dgm:sp3d/>
     <dgm:txPr/>
     <dgm:style>
-      <a:lnRef idx="2">
+      <a:lnRef idx="1">
         <a:scrgbClr r="0" g="0" b="0"/>
       </a:lnRef>
       <a:fillRef idx="1">
@@ -3984,7 +4873,7 @@
     <dgm:sp3d/>
     <dgm:txPr/>
     <dgm:style>
-      <a:lnRef idx="2">
+      <a:lnRef idx="1">
         <a:scrgbClr r="0" g="0" b="0"/>
       </a:lnRef>
       <a:fillRef idx="1">
@@ -4004,7 +4893,7 @@
     <dgm:sp3d/>
     <dgm:txPr/>
     <dgm:style>
-      <a:lnRef idx="2">
+      <a:lnRef idx="1">
         <a:scrgbClr r="0" g="0" b="0"/>
       </a:lnRef>
       <a:fillRef idx="1">
@@ -4024,7 +4913,7 @@
     <dgm:sp3d/>
     <dgm:txPr/>
     <dgm:style>
-      <a:lnRef idx="2">
+      <a:lnRef idx="1">
         <a:scrgbClr r="0" g="0" b="0"/>
       </a:lnRef>
       <a:fillRef idx="1">
@@ -4050,7 +4939,7 @@
       <a:fillRef idx="1">
         <a:scrgbClr r="0" g="0" b="0"/>
       </a:fillRef>
-      <a:effectRef idx="0">
+      <a:effectRef idx="1">
         <a:scrgbClr r="0" g="0" b="0"/>
       </a:effectRef>
       <a:fontRef idx="minor"/>
@@ -4070,7 +4959,7 @@
       <a:fillRef idx="1">
         <a:scrgbClr r="0" g="0" b="0"/>
       </a:fillRef>
-      <a:effectRef idx="0">
+      <a:effectRef idx="1">
         <a:scrgbClr r="0" g="0" b="0"/>
       </a:effectRef>
       <a:fontRef idx="minor"/>
@@ -4099,18 +4988,20 @@
   <dgm:styleLbl name="fgShp">
     <dgm:scene3d>
       <a:camera prst="orthographicFront"/>
-      <a:lightRig rig="threePt" dir="t"/>
+      <a:lightRig rig="flat" dir="t"/>
     </dgm:scene3d>
-    <dgm:sp3d/>
+    <dgm:sp3d prstMaterial="dkEdge">
+      <a:bevelT w="8200" h="38100"/>
+    </dgm:sp3d>
     <dgm:txPr/>
     <dgm:style>
-      <a:lnRef idx="2">
+      <a:lnRef idx="1">
         <a:scrgbClr r="0" g="0" b="0"/>
       </a:lnRef>
-      <a:fillRef idx="1">
+      <a:fillRef idx="2">
         <a:scrgbClr r="0" g="0" b="0"/>
       </a:fillRef>
-      <a:effectRef idx="0">
+      <a:effectRef idx="1">
         <a:scrgbClr r="0" g="0" b="0"/>
       </a:effectRef>
       <a:fontRef idx="minor"/>
@@ -4270,9 +5161,9 @@
           <a:p>
             <a:fld id="{614C4262-CD6F-46A5-9B43-B159DA78181C}" type="datetimeFigureOut">
               <a:rPr lang="en-GB" smtClean="0"/>
-              <a:t>07/01/2019</a:t>
+              <a:t>12/02/2019</a:t>
             </a:fld>
-            <a:endParaRPr lang="en-GB"/>
+            <a:endParaRPr lang="en-GB" dirty="0"/>
           </a:p>
         </p:txBody>
       </p:sp>
@@ -4291,7 +5182,7 @@
           <a:bodyPr/>
           <a:lstStyle/>
           <a:p>
-            <a:endParaRPr lang="en-GB"/>
+            <a:endParaRPr lang="en-GB" dirty="0"/>
           </a:p>
         </p:txBody>
       </p:sp>
@@ -4314,7 +5205,7 @@
               <a:rPr lang="en-GB" smtClean="0"/>
               <a:t>‹#›</a:t>
             </a:fld>
-            <a:endParaRPr lang="en-GB"/>
+            <a:endParaRPr lang="en-GB" dirty="0"/>
           </a:p>
         </p:txBody>
       </p:sp>
@@ -4440,9 +5331,9 @@
           <a:p>
             <a:fld id="{614C4262-CD6F-46A5-9B43-B159DA78181C}" type="datetimeFigureOut">
               <a:rPr lang="en-GB" smtClean="0"/>
-              <a:t>07/01/2019</a:t>
+              <a:t>12/02/2019</a:t>
             </a:fld>
-            <a:endParaRPr lang="en-GB"/>
+            <a:endParaRPr lang="en-GB" dirty="0"/>
           </a:p>
         </p:txBody>
       </p:sp>
@@ -4461,7 +5352,7 @@
           <a:bodyPr/>
           <a:lstStyle/>
           <a:p>
-            <a:endParaRPr lang="en-GB"/>
+            <a:endParaRPr lang="en-GB" dirty="0"/>
           </a:p>
         </p:txBody>
       </p:sp>
@@ -4484,7 +5375,7 @@
               <a:rPr lang="en-GB" smtClean="0"/>
               <a:t>‹#›</a:t>
             </a:fld>
-            <a:endParaRPr lang="en-GB"/>
+            <a:endParaRPr lang="en-GB" dirty="0"/>
           </a:p>
         </p:txBody>
       </p:sp>
@@ -4620,9 +5511,9 @@
           <a:p>
             <a:fld id="{614C4262-CD6F-46A5-9B43-B159DA78181C}" type="datetimeFigureOut">
               <a:rPr lang="en-GB" smtClean="0"/>
-              <a:t>07/01/2019</a:t>
+              <a:t>12/02/2019</a:t>
             </a:fld>
-            <a:endParaRPr lang="en-GB"/>
+            <a:endParaRPr lang="en-GB" dirty="0"/>
           </a:p>
         </p:txBody>
       </p:sp>
@@ -4641,7 +5532,7 @@
           <a:bodyPr/>
           <a:lstStyle/>
           <a:p>
-            <a:endParaRPr lang="en-GB"/>
+            <a:endParaRPr lang="en-GB" dirty="0"/>
           </a:p>
         </p:txBody>
       </p:sp>
@@ -4664,7 +5555,7 @@
               <a:rPr lang="en-GB" smtClean="0"/>
               <a:t>‹#›</a:t>
             </a:fld>
-            <a:endParaRPr lang="en-GB"/>
+            <a:endParaRPr lang="en-GB" dirty="0"/>
           </a:p>
         </p:txBody>
       </p:sp>
@@ -4790,9 +5681,9 @@
           <a:p>
             <a:fld id="{614C4262-CD6F-46A5-9B43-B159DA78181C}" type="datetimeFigureOut">
               <a:rPr lang="en-GB" smtClean="0"/>
-              <a:t>07/01/2019</a:t>
+              <a:t>12/02/2019</a:t>
             </a:fld>
-            <a:endParaRPr lang="en-GB"/>
+            <a:endParaRPr lang="en-GB" dirty="0"/>
           </a:p>
         </p:txBody>
       </p:sp>
@@ -4811,7 +5702,7 @@
           <a:bodyPr/>
           <a:lstStyle/>
           <a:p>
-            <a:endParaRPr lang="en-GB"/>
+            <a:endParaRPr lang="en-GB" dirty="0"/>
           </a:p>
         </p:txBody>
       </p:sp>
@@ -4834,7 +5725,7 @@
               <a:rPr lang="en-GB" smtClean="0"/>
               <a:t>‹#›</a:t>
             </a:fld>
-            <a:endParaRPr lang="en-GB"/>
+            <a:endParaRPr lang="en-GB" dirty="0"/>
           </a:p>
         </p:txBody>
       </p:sp>
@@ -5036,9 +5927,9 @@
           <a:p>
             <a:fld id="{614C4262-CD6F-46A5-9B43-B159DA78181C}" type="datetimeFigureOut">
               <a:rPr lang="en-GB" smtClean="0"/>
-              <a:t>07/01/2019</a:t>
+              <a:t>12/02/2019</a:t>
             </a:fld>
-            <a:endParaRPr lang="en-GB"/>
+            <a:endParaRPr lang="en-GB" dirty="0"/>
           </a:p>
         </p:txBody>
       </p:sp>
@@ -5057,7 +5948,7 @@
           <a:bodyPr/>
           <a:lstStyle/>
           <a:p>
-            <a:endParaRPr lang="en-GB"/>
+            <a:endParaRPr lang="en-GB" dirty="0"/>
           </a:p>
         </p:txBody>
       </p:sp>
@@ -5080,7 +5971,7 @@
               <a:rPr lang="en-GB" smtClean="0"/>
               <a:t>‹#›</a:t>
             </a:fld>
-            <a:endParaRPr lang="en-GB"/>
+            <a:endParaRPr lang="en-GB" dirty="0"/>
           </a:p>
         </p:txBody>
       </p:sp>
@@ -5268,9 +6159,9 @@
           <a:p>
             <a:fld id="{614C4262-CD6F-46A5-9B43-B159DA78181C}" type="datetimeFigureOut">
               <a:rPr lang="en-GB" smtClean="0"/>
-              <a:t>07/01/2019</a:t>
+              <a:t>12/02/2019</a:t>
             </a:fld>
-            <a:endParaRPr lang="en-GB"/>
+            <a:endParaRPr lang="en-GB" dirty="0"/>
           </a:p>
         </p:txBody>
       </p:sp>
@@ -5289,7 +6180,7 @@
           <a:bodyPr/>
           <a:lstStyle/>
           <a:p>
-            <a:endParaRPr lang="en-GB"/>
+            <a:endParaRPr lang="en-GB" dirty="0"/>
           </a:p>
         </p:txBody>
       </p:sp>
@@ -5312,7 +6203,7 @@
               <a:rPr lang="en-GB" smtClean="0"/>
               <a:t>‹#›</a:t>
             </a:fld>
-            <a:endParaRPr lang="en-GB"/>
+            <a:endParaRPr lang="en-GB" dirty="0"/>
           </a:p>
         </p:txBody>
       </p:sp>
@@ -5635,9 +6526,9 @@
           <a:p>
             <a:fld id="{614C4262-CD6F-46A5-9B43-B159DA78181C}" type="datetimeFigureOut">
               <a:rPr lang="en-GB" smtClean="0"/>
-              <a:t>07/01/2019</a:t>
+              <a:t>12/02/2019</a:t>
             </a:fld>
-            <a:endParaRPr lang="en-GB"/>
+            <a:endParaRPr lang="en-GB" dirty="0"/>
           </a:p>
         </p:txBody>
       </p:sp>
@@ -5656,7 +6547,7 @@
           <a:bodyPr/>
           <a:lstStyle/>
           <a:p>
-            <a:endParaRPr lang="en-GB"/>
+            <a:endParaRPr lang="en-GB" dirty="0"/>
           </a:p>
         </p:txBody>
       </p:sp>
@@ -5679,7 +6570,7 @@
               <a:rPr lang="en-GB" smtClean="0"/>
               <a:t>‹#›</a:t>
             </a:fld>
-            <a:endParaRPr lang="en-GB"/>
+            <a:endParaRPr lang="en-GB" dirty="0"/>
           </a:p>
         </p:txBody>
       </p:sp>
@@ -5753,9 +6644,9 @@
           <a:p>
             <a:fld id="{614C4262-CD6F-46A5-9B43-B159DA78181C}" type="datetimeFigureOut">
               <a:rPr lang="en-GB" smtClean="0"/>
-              <a:t>07/01/2019</a:t>
+              <a:t>12/02/2019</a:t>
             </a:fld>
-            <a:endParaRPr lang="en-GB"/>
+            <a:endParaRPr lang="en-GB" dirty="0"/>
           </a:p>
         </p:txBody>
       </p:sp>
@@ -5774,7 +6665,7 @@
           <a:bodyPr/>
           <a:lstStyle/>
           <a:p>
-            <a:endParaRPr lang="en-GB"/>
+            <a:endParaRPr lang="en-GB" dirty="0"/>
           </a:p>
         </p:txBody>
       </p:sp>
@@ -5797,7 +6688,7 @@
               <a:rPr lang="en-GB" smtClean="0"/>
               <a:t>‹#›</a:t>
             </a:fld>
-            <a:endParaRPr lang="en-GB"/>
+            <a:endParaRPr lang="en-GB" dirty="0"/>
           </a:p>
         </p:txBody>
       </p:sp>
@@ -5848,9 +6739,9 @@
           <a:p>
             <a:fld id="{614C4262-CD6F-46A5-9B43-B159DA78181C}" type="datetimeFigureOut">
               <a:rPr lang="en-GB" smtClean="0"/>
-              <a:t>07/01/2019</a:t>
+              <a:t>12/02/2019</a:t>
             </a:fld>
-            <a:endParaRPr lang="en-GB"/>
+            <a:endParaRPr lang="en-GB" dirty="0"/>
           </a:p>
         </p:txBody>
       </p:sp>
@@ -5869,7 +6760,7 @@
           <a:bodyPr/>
           <a:lstStyle/>
           <a:p>
-            <a:endParaRPr lang="en-GB"/>
+            <a:endParaRPr lang="en-GB" dirty="0"/>
           </a:p>
         </p:txBody>
       </p:sp>
@@ -5892,7 +6783,7 @@
               <a:rPr lang="en-GB" smtClean="0"/>
               <a:t>‹#›</a:t>
             </a:fld>
-            <a:endParaRPr lang="en-GB"/>
+            <a:endParaRPr lang="en-GB" dirty="0"/>
           </a:p>
         </p:txBody>
       </p:sp>
@@ -6125,9 +7016,9 @@
           <a:p>
             <a:fld id="{614C4262-CD6F-46A5-9B43-B159DA78181C}" type="datetimeFigureOut">
               <a:rPr lang="en-GB" smtClean="0"/>
-              <a:t>07/01/2019</a:t>
+              <a:t>12/02/2019</a:t>
             </a:fld>
-            <a:endParaRPr lang="en-GB"/>
+            <a:endParaRPr lang="en-GB" dirty="0"/>
           </a:p>
         </p:txBody>
       </p:sp>
@@ -6146,7 +7037,7 @@
           <a:bodyPr/>
           <a:lstStyle/>
           <a:p>
-            <a:endParaRPr lang="en-GB"/>
+            <a:endParaRPr lang="en-GB" dirty="0"/>
           </a:p>
         </p:txBody>
       </p:sp>
@@ -6169,7 +7060,7 @@
               <a:rPr lang="en-GB" smtClean="0"/>
               <a:t>‹#›</a:t>
             </a:fld>
-            <a:endParaRPr lang="en-GB"/>
+            <a:endParaRPr lang="en-GB" dirty="0"/>
           </a:p>
         </p:txBody>
       </p:sp>
@@ -6292,7 +7183,7 @@
             </a:lvl9pPr>
           </a:lstStyle>
           <a:p>
-            <a:endParaRPr lang="en-GB"/>
+            <a:endParaRPr lang="en-GB" dirty="0"/>
           </a:p>
         </p:txBody>
       </p:sp>
@@ -6378,9 +7269,9 @@
           <a:p>
             <a:fld id="{614C4262-CD6F-46A5-9B43-B159DA78181C}" type="datetimeFigureOut">
               <a:rPr lang="en-GB" smtClean="0"/>
-              <a:t>07/01/2019</a:t>
+              <a:t>12/02/2019</a:t>
             </a:fld>
-            <a:endParaRPr lang="en-GB"/>
+            <a:endParaRPr lang="en-GB" dirty="0"/>
           </a:p>
         </p:txBody>
       </p:sp>
@@ -6399,7 +7290,7 @@
           <a:bodyPr/>
           <a:lstStyle/>
           <a:p>
-            <a:endParaRPr lang="en-GB"/>
+            <a:endParaRPr lang="en-GB" dirty="0"/>
           </a:p>
         </p:txBody>
       </p:sp>
@@ -6422,7 +7313,7 @@
               <a:rPr lang="en-GB" smtClean="0"/>
               <a:t>‹#›</a:t>
             </a:fld>
-            <a:endParaRPr lang="en-GB"/>
+            <a:endParaRPr lang="en-GB" dirty="0"/>
           </a:p>
         </p:txBody>
       </p:sp>
@@ -6591,9 +7482,9 @@
           <a:p>
             <a:fld id="{614C4262-CD6F-46A5-9B43-B159DA78181C}" type="datetimeFigureOut">
               <a:rPr lang="en-GB" smtClean="0"/>
-              <a:t>07/01/2019</a:t>
+              <a:t>12/02/2019</a:t>
             </a:fld>
-            <a:endParaRPr lang="en-GB"/>
+            <a:endParaRPr lang="en-GB" dirty="0"/>
           </a:p>
         </p:txBody>
       </p:sp>
@@ -6630,7 +7521,7 @@
             </a:lvl1pPr>
           </a:lstStyle>
           <a:p>
-            <a:endParaRPr lang="en-GB"/>
+            <a:endParaRPr lang="en-GB" dirty="0"/>
           </a:p>
         </p:txBody>
       </p:sp>
@@ -6671,7 +7562,7 @@
               <a:rPr lang="en-GB" smtClean="0"/>
               <a:t>‹#›</a:t>
             </a:fld>
-            <a:endParaRPr lang="en-GB"/>
+            <a:endParaRPr lang="en-GB" dirty="0"/>
           </a:p>
         </p:txBody>
       </p:sp>
@@ -7003,14 +7894,14 @@
           <p:nvPr>
             <p:extLst>
               <p:ext uri="{D42A27DB-BD31-4B8C-83A1-F6EECF244321}">
-                <p14:modId xmlns:p14="http://schemas.microsoft.com/office/powerpoint/2010/main" val="2528582517"/>
+                <p14:modId xmlns:p14="http://schemas.microsoft.com/office/powerpoint/2010/main" val="4084016684"/>
               </p:ext>
             </p:extLst>
           </p:nvPr>
         </p:nvGraphicFramePr>
         <p:xfrm>
-          <a:off x="1807557" y="736292"/>
-          <a:ext cx="6422044" cy="5418667"/>
+          <a:off x="1807555" y="124692"/>
+          <a:ext cx="7635703" cy="6500552"/>
         </p:xfrm>
         <a:graphic>
           <a:graphicData uri="http://schemas.openxmlformats.org/drawingml/2006/diagram">

--- a/UC1476_Help/workflow.pptx
+++ b/UC1476_Help/workflow.pptx
@@ -1089,11 +1089,7 @@
         <a:p>
           <a:r>
             <a:rPr lang="en-US" sz="900" dirty="0" smtClean="0"/>
-            <a:t> Prepare input datasets (Sub-set assets, </a:t>
-          </a:r>
-          <a:r>
-            <a:rPr lang="en-US" sz="900" dirty="0" smtClean="0"/>
-            <a:t>LCM, Floodplain, </a:t>
+            <a:t> Prepare input datasets (Sub-set assets, LCM, Floodplain, </a:t>
           </a:r>
           <a:r>
             <a:rPr lang="en-US" sz="900" dirty="0" err="1" smtClean="0"/>
@@ -1836,11 +1832,7 @@
           </a:r>
           <a:r>
             <a:rPr lang="en-US" sz="900" dirty="0" smtClean="0"/>
-            <a:t> to </a:t>
-          </a:r>
-          <a:r>
-            <a:rPr lang="en-US" sz="900" dirty="0" smtClean="0"/>
-            <a:t>margin, Land use intensity per partition</a:t>
+            <a:t> to margin, Land use intensity per partition</a:t>
           </a:r>
           <a:endParaRPr lang="en-US" sz="900" dirty="0"/>
         </a:p>
@@ -1932,6 +1924,190 @@
       </dgm:t>
     </dgm:pt>
     <dgm:pt modelId="{39567D74-0406-47B2-B7A5-EE3DEECCBCA0}" type="sibTrans" cxnId="{2F4FCB43-6F14-420A-AB2B-A3B9BCEADC9D}">
+      <dgm:prSet/>
+      <dgm:spPr/>
+      <dgm:t>
+        <a:bodyPr/>
+        <a:lstStyle/>
+        <a:p>
+          <a:endParaRPr lang="en-US"/>
+        </a:p>
+      </dgm:t>
+    </dgm:pt>
+    <dgm:pt modelId="{90EE368B-DF41-4BB4-B5CF-4E43F785E9C7}">
+      <dgm:prSet custT="1"/>
+      <dgm:spPr/>
+      <dgm:t>
+        <a:bodyPr/>
+        <a:lstStyle/>
+        <a:p>
+          <a:r>
+            <a:rPr lang="en-US" sz="900" b="1" dirty="0" smtClean="0"/>
+            <a:t>Compute bankside/island area of erosion/deposition</a:t>
+          </a:r>
+        </a:p>
+      </dgm:t>
+    </dgm:pt>
+    <dgm:pt modelId="{F4C44B4C-9568-4137-BB96-F7D4D609C379}" type="parTrans" cxnId="{7731F698-0ECE-4C38-A854-3C73DBFF7575}">
+      <dgm:prSet/>
+      <dgm:spPr/>
+      <dgm:t>
+        <a:bodyPr/>
+        <a:lstStyle/>
+        <a:p>
+          <a:endParaRPr lang="en-US"/>
+        </a:p>
+      </dgm:t>
+    </dgm:pt>
+    <dgm:pt modelId="{27F62D52-AF69-4BC3-8EB5-9BA6B5CA34AA}" type="sibTrans" cxnId="{7731F698-0ECE-4C38-A854-3C73DBFF7575}">
+      <dgm:prSet/>
+      <dgm:spPr/>
+      <dgm:t>
+        <a:bodyPr/>
+        <a:lstStyle/>
+        <a:p>
+          <a:endParaRPr lang="en-US"/>
+        </a:p>
+      </dgm:t>
+    </dgm:pt>
+    <dgm:pt modelId="{9451C9F1-0991-4F9A-B34C-D9183914FC00}">
+      <dgm:prSet custScaleX="207036" custT="1"/>
+      <dgm:spPr/>
+      <dgm:t>
+        <a:bodyPr/>
+        <a:lstStyle/>
+        <a:p>
+          <a:r>
+            <a:rPr lang="en-US" sz="900" b="0" dirty="0" smtClean="0"/>
+            <a:t>Run compute area of erosion/deposition based upon bank lines</a:t>
+          </a:r>
+          <a:endParaRPr lang="en-US" sz="900" dirty="0"/>
+        </a:p>
+      </dgm:t>
+    </dgm:pt>
+    <dgm:pt modelId="{7FC3342C-3888-45E0-8C41-7BFBE5C93621}" type="parTrans" cxnId="{757ACCCF-72DD-4B87-9C70-495A240D3608}">
+      <dgm:prSet/>
+      <dgm:spPr/>
+      <dgm:t>
+        <a:bodyPr/>
+        <a:lstStyle/>
+        <a:p>
+          <a:endParaRPr lang="en-US"/>
+        </a:p>
+      </dgm:t>
+    </dgm:pt>
+    <dgm:pt modelId="{A688C5F1-89F0-4125-B9C5-6619AE36F830}" type="sibTrans" cxnId="{757ACCCF-72DD-4B87-9C70-495A240D3608}">
+      <dgm:prSet/>
+      <dgm:spPr/>
+      <dgm:t>
+        <a:bodyPr/>
+        <a:lstStyle/>
+        <a:p>
+          <a:endParaRPr lang="en-US"/>
+        </a:p>
+      </dgm:t>
+    </dgm:pt>
+    <dgm:pt modelId="{2EDBA865-005C-46EA-80FF-2AFDEBF73CAF}">
+      <dgm:prSet custT="1"/>
+      <dgm:spPr/>
+      <dgm:t>
+        <a:bodyPr/>
+        <a:lstStyle/>
+        <a:p>
+          <a:r>
+            <a:rPr lang="en-US" sz="900" dirty="0" smtClean="0"/>
+            <a:t>Run compute area of erosion/deposition for island bank lines</a:t>
+          </a:r>
+          <a:endParaRPr lang="en-US" sz="900" dirty="0"/>
+        </a:p>
+      </dgm:t>
+    </dgm:pt>
+    <dgm:pt modelId="{49FA5C5B-6BA0-45E0-9A5C-03ADDC8B1517}" type="parTrans" cxnId="{2AED1AC8-8506-4AD9-8BF1-45A5DA6C8BDA}">
+      <dgm:prSet/>
+      <dgm:spPr/>
+      <dgm:t>
+        <a:bodyPr/>
+        <a:lstStyle/>
+        <a:p>
+          <a:endParaRPr lang="en-US"/>
+        </a:p>
+      </dgm:t>
+    </dgm:pt>
+    <dgm:pt modelId="{9874EF1A-6FAD-4D68-80B0-BF9FA6BEC70B}" type="sibTrans" cxnId="{2AED1AC8-8506-4AD9-8BF1-45A5DA6C8BDA}">
+      <dgm:prSet/>
+      <dgm:spPr/>
+      <dgm:t>
+        <a:bodyPr/>
+        <a:lstStyle/>
+        <a:p>
+          <a:endParaRPr lang="en-US"/>
+        </a:p>
+      </dgm:t>
+    </dgm:pt>
+    <dgm:pt modelId="{15DBC0A0-906C-473F-8D0C-89DD2EC3CDC2}">
+      <dgm:prSet custT="1"/>
+      <dgm:spPr/>
+      <dgm:t>
+        <a:bodyPr/>
+        <a:lstStyle/>
+        <a:p>
+          <a:r>
+            <a:rPr lang="en-US" sz="900" dirty="0" smtClean="0"/>
+            <a:t>Run Transfer bank data to segments</a:t>
+          </a:r>
+          <a:endParaRPr lang="en-US" sz="900" dirty="0"/>
+        </a:p>
+      </dgm:t>
+    </dgm:pt>
+    <dgm:pt modelId="{F787DCBF-07E8-4750-A3AD-252E82530C24}" type="parTrans" cxnId="{A01C1220-99F6-47E5-B9B9-74061C5C5F2E}">
+      <dgm:prSet/>
+      <dgm:spPr/>
+      <dgm:t>
+        <a:bodyPr/>
+        <a:lstStyle/>
+        <a:p>
+          <a:endParaRPr lang="en-US"/>
+        </a:p>
+      </dgm:t>
+    </dgm:pt>
+    <dgm:pt modelId="{CB0E1016-BECD-4ADF-92D8-4841E7C09CE9}" type="sibTrans" cxnId="{A01C1220-99F6-47E5-B9B9-74061C5C5F2E}">
+      <dgm:prSet/>
+      <dgm:spPr/>
+      <dgm:t>
+        <a:bodyPr/>
+        <a:lstStyle/>
+        <a:p>
+          <a:endParaRPr lang="en-US"/>
+        </a:p>
+      </dgm:t>
+    </dgm:pt>
+    <dgm:pt modelId="{6A550D35-C354-4B77-A295-7EB9ACCA6F69}">
+      <dgm:prSet custT="1"/>
+      <dgm:spPr/>
+      <dgm:t>
+        <a:bodyPr/>
+        <a:lstStyle/>
+        <a:p>
+          <a:r>
+            <a:rPr lang="en-US" sz="900" dirty="0" smtClean="0"/>
+            <a:t>Create Risk Map</a:t>
+          </a:r>
+          <a:endParaRPr lang="en-US" sz="900" dirty="0"/>
+        </a:p>
+      </dgm:t>
+    </dgm:pt>
+    <dgm:pt modelId="{A13A6E99-2943-4735-86BB-005F664FC856}" type="parTrans" cxnId="{E21B71D3-2B2E-40E6-86AE-5851BB497FA4}">
+      <dgm:prSet/>
+      <dgm:spPr/>
+      <dgm:t>
+        <a:bodyPr/>
+        <a:lstStyle/>
+        <a:p>
+          <a:endParaRPr lang="en-US"/>
+        </a:p>
+      </dgm:t>
+    </dgm:pt>
+    <dgm:pt modelId="{7AF5B463-ECCD-490D-B36A-BAABB4233DBB}" type="sibTrans" cxnId="{E21B71D3-2B2E-40E6-86AE-5851BB497FA4}">
       <dgm:prSet/>
       <dgm:spPr/>
       <dgm:t>
@@ -1958,7 +2134,7 @@
       </dgm:t>
     </dgm:pt>
     <dgm:pt modelId="{C8B4AF29-F8B2-4B5C-9A0A-4318A0FDAA67}" type="pres">
-      <dgm:prSet presAssocID="{D2A5F00B-7541-4379-8085-62CCE5822ADD}" presName="node" presStyleLbl="node1" presStyleIdx="0" presStyleCnt="6" custScaleX="206859" custScaleY="81053">
+      <dgm:prSet presAssocID="{D2A5F00B-7541-4379-8085-62CCE5822ADD}" presName="node" presStyleLbl="node1" presStyleIdx="0" presStyleCnt="7" custScaleX="206859" custScaleY="81053">
         <dgm:presLayoutVars>
           <dgm:bulletEnabled val="1"/>
         </dgm:presLayoutVars>
@@ -1973,7 +2149,7 @@
       </dgm:t>
     </dgm:pt>
     <dgm:pt modelId="{AB32203C-6605-47CB-9C1E-BA71B646A831}" type="pres">
-      <dgm:prSet presAssocID="{776B47BF-149E-4E1D-865B-398D6E023415}" presName="sibTrans" presStyleLbl="sibTrans2D1" presStyleIdx="0" presStyleCnt="5"/>
+      <dgm:prSet presAssocID="{776B47BF-149E-4E1D-865B-398D6E023415}" presName="sibTrans" presStyleLbl="sibTrans2D1" presStyleIdx="0" presStyleCnt="6"/>
       <dgm:spPr/>
       <dgm:t>
         <a:bodyPr/>
@@ -1984,7 +2160,7 @@
       </dgm:t>
     </dgm:pt>
     <dgm:pt modelId="{AEAFAB2C-C82E-445E-A509-0DB7B4BBA7C6}" type="pres">
-      <dgm:prSet presAssocID="{776B47BF-149E-4E1D-865B-398D6E023415}" presName="connectorText" presStyleLbl="sibTrans2D1" presStyleIdx="0" presStyleCnt="5"/>
+      <dgm:prSet presAssocID="{776B47BF-149E-4E1D-865B-398D6E023415}" presName="connectorText" presStyleLbl="sibTrans2D1" presStyleIdx="0" presStyleCnt="6"/>
       <dgm:spPr/>
       <dgm:t>
         <a:bodyPr/>
@@ -1995,7 +2171,7 @@
       </dgm:t>
     </dgm:pt>
     <dgm:pt modelId="{EBB63F27-B095-46AF-B7D4-749C71931F9F}" type="pres">
-      <dgm:prSet presAssocID="{290EDCBE-B534-4CA5-90C5-8364239BCE10}" presName="node" presStyleLbl="node1" presStyleIdx="1" presStyleCnt="6" custScaleX="206859" custScaleY="108155">
+      <dgm:prSet presAssocID="{290EDCBE-B534-4CA5-90C5-8364239BCE10}" presName="node" presStyleLbl="node1" presStyleIdx="1" presStyleCnt="7" custScaleX="206859" custScaleY="108155">
         <dgm:presLayoutVars>
           <dgm:bulletEnabled val="1"/>
         </dgm:presLayoutVars>
@@ -2010,7 +2186,7 @@
       </dgm:t>
     </dgm:pt>
     <dgm:pt modelId="{7D2A00C7-6363-46B9-9825-DD209EB38952}" type="pres">
-      <dgm:prSet presAssocID="{485B0A70-06BD-4D35-B668-ED58761A182E}" presName="sibTrans" presStyleLbl="sibTrans2D1" presStyleIdx="1" presStyleCnt="5"/>
+      <dgm:prSet presAssocID="{485B0A70-06BD-4D35-B668-ED58761A182E}" presName="sibTrans" presStyleLbl="sibTrans2D1" presStyleIdx="1" presStyleCnt="6"/>
       <dgm:spPr/>
       <dgm:t>
         <a:bodyPr/>
@@ -2021,7 +2197,7 @@
       </dgm:t>
     </dgm:pt>
     <dgm:pt modelId="{27943FF0-9052-42FC-9D2A-94DC53C9046A}" type="pres">
-      <dgm:prSet presAssocID="{485B0A70-06BD-4D35-B668-ED58761A182E}" presName="connectorText" presStyleLbl="sibTrans2D1" presStyleIdx="1" presStyleCnt="5"/>
+      <dgm:prSet presAssocID="{485B0A70-06BD-4D35-B668-ED58761A182E}" presName="connectorText" presStyleLbl="sibTrans2D1" presStyleIdx="1" presStyleCnt="6"/>
       <dgm:spPr/>
       <dgm:t>
         <a:bodyPr/>
@@ -2032,7 +2208,7 @@
       </dgm:t>
     </dgm:pt>
     <dgm:pt modelId="{F35FA51F-D25E-4A0E-9B7A-7980DF29C0D3}" type="pres">
-      <dgm:prSet presAssocID="{0ABFD958-B094-420D-88FF-FC720517B5FF}" presName="node" presStyleLbl="node1" presStyleIdx="2" presStyleCnt="6" custScaleX="206859" custScaleY="123225">
+      <dgm:prSet presAssocID="{0ABFD958-B094-420D-88FF-FC720517B5FF}" presName="node" presStyleLbl="node1" presStyleIdx="2" presStyleCnt="7" custScaleX="206859" custScaleY="123225">
         <dgm:presLayoutVars>
           <dgm:bulletEnabled val="1"/>
         </dgm:presLayoutVars>
@@ -2047,7 +2223,7 @@
       </dgm:t>
     </dgm:pt>
     <dgm:pt modelId="{B899CA72-4432-44BC-8D29-47203ECE9433}" type="pres">
-      <dgm:prSet presAssocID="{14EC1BFC-72BE-44AF-87BE-038F2D66781B}" presName="sibTrans" presStyleLbl="sibTrans2D1" presStyleIdx="2" presStyleCnt="5"/>
+      <dgm:prSet presAssocID="{14EC1BFC-72BE-44AF-87BE-038F2D66781B}" presName="sibTrans" presStyleLbl="sibTrans2D1" presStyleIdx="2" presStyleCnt="6"/>
       <dgm:spPr/>
       <dgm:t>
         <a:bodyPr/>
@@ -2058,7 +2234,7 @@
       </dgm:t>
     </dgm:pt>
     <dgm:pt modelId="{F6AF2990-2CBB-4D24-AA87-E1BACC8BFE89}" type="pres">
-      <dgm:prSet presAssocID="{14EC1BFC-72BE-44AF-87BE-038F2D66781B}" presName="connectorText" presStyleLbl="sibTrans2D1" presStyleIdx="2" presStyleCnt="5"/>
+      <dgm:prSet presAssocID="{14EC1BFC-72BE-44AF-87BE-038F2D66781B}" presName="connectorText" presStyleLbl="sibTrans2D1" presStyleIdx="2" presStyleCnt="6"/>
       <dgm:spPr/>
       <dgm:t>
         <a:bodyPr/>
@@ -2069,7 +2245,7 @@
       </dgm:t>
     </dgm:pt>
     <dgm:pt modelId="{F88DA77E-5075-4DFD-A626-16139537C385}" type="pres">
-      <dgm:prSet presAssocID="{16993775-A1B3-4465-9450-559FE64AD127}" presName="node" presStyleLbl="node1" presStyleIdx="3" presStyleCnt="6" custScaleX="206859" custScaleY="151995" custLinFactNeighborX="562" custLinFactNeighborY="-8991">
+      <dgm:prSet presAssocID="{16993775-A1B3-4465-9450-559FE64AD127}" presName="node" presStyleLbl="node1" presStyleIdx="3" presStyleCnt="7" custScaleX="206859" custScaleY="151995" custLinFactNeighborX="562" custLinFactNeighborY="-8991">
         <dgm:presLayoutVars>
           <dgm:bulletEnabled val="1"/>
         </dgm:presLayoutVars>
@@ -2084,7 +2260,7 @@
       </dgm:t>
     </dgm:pt>
     <dgm:pt modelId="{A55B3566-2B07-4604-AAB8-DD63E2B590AA}" type="pres">
-      <dgm:prSet presAssocID="{4518F0E6-1458-4A52-90C5-256335DE3373}" presName="sibTrans" presStyleLbl="sibTrans2D1" presStyleIdx="3" presStyleCnt="5"/>
+      <dgm:prSet presAssocID="{4518F0E6-1458-4A52-90C5-256335DE3373}" presName="sibTrans" presStyleLbl="sibTrans2D1" presStyleIdx="3" presStyleCnt="6"/>
       <dgm:spPr/>
       <dgm:t>
         <a:bodyPr/>
@@ -2095,7 +2271,7 @@
       </dgm:t>
     </dgm:pt>
     <dgm:pt modelId="{316DCBA6-B9ED-4796-B23D-A21A99D2036C}" type="pres">
-      <dgm:prSet presAssocID="{4518F0E6-1458-4A52-90C5-256335DE3373}" presName="connectorText" presStyleLbl="sibTrans2D1" presStyleIdx="3" presStyleCnt="5"/>
+      <dgm:prSet presAssocID="{4518F0E6-1458-4A52-90C5-256335DE3373}" presName="connectorText" presStyleLbl="sibTrans2D1" presStyleIdx="3" presStyleCnt="6"/>
       <dgm:spPr/>
       <dgm:t>
         <a:bodyPr/>
@@ -2106,7 +2282,7 @@
       </dgm:t>
     </dgm:pt>
     <dgm:pt modelId="{3D7F7322-53B4-41B9-9E72-0AAACD791497}" type="pres">
-      <dgm:prSet presAssocID="{49C90B1B-350C-495E-A6BA-77729B5C1025}" presName="node" presStyleLbl="node1" presStyleIdx="4" presStyleCnt="6" custScaleX="206859" custScaleY="96884">
+      <dgm:prSet presAssocID="{49C90B1B-350C-495E-A6BA-77729B5C1025}" presName="node" presStyleLbl="node1" presStyleIdx="4" presStyleCnt="7" custScaleX="206859" custScaleY="135483">
         <dgm:presLayoutVars>
           <dgm:bulletEnabled val="1"/>
         </dgm:presLayoutVars>
@@ -2121,7 +2297,7 @@
       </dgm:t>
     </dgm:pt>
     <dgm:pt modelId="{AE9CB4F5-053D-4F08-A1E7-809CD882C798}" type="pres">
-      <dgm:prSet presAssocID="{EC8623DE-B011-42CC-9804-A22FD45491AC}" presName="sibTrans" presStyleLbl="sibTrans2D1" presStyleIdx="4" presStyleCnt="5"/>
+      <dgm:prSet presAssocID="{EC8623DE-B011-42CC-9804-A22FD45491AC}" presName="sibTrans" presStyleLbl="sibTrans2D1" presStyleIdx="4" presStyleCnt="6"/>
       <dgm:spPr/>
       <dgm:t>
         <a:bodyPr/>
@@ -2132,7 +2308,7 @@
       </dgm:t>
     </dgm:pt>
     <dgm:pt modelId="{A5F5FD2B-D354-4C95-B039-8B9B252B242F}" type="pres">
-      <dgm:prSet presAssocID="{EC8623DE-B011-42CC-9804-A22FD45491AC}" presName="connectorText" presStyleLbl="sibTrans2D1" presStyleIdx="4" presStyleCnt="5"/>
+      <dgm:prSet presAssocID="{EC8623DE-B011-42CC-9804-A22FD45491AC}" presName="connectorText" presStyleLbl="sibTrans2D1" presStyleIdx="4" presStyleCnt="6"/>
       <dgm:spPr/>
       <dgm:t>
         <a:bodyPr/>
@@ -2143,7 +2319,44 @@
       </dgm:t>
     </dgm:pt>
     <dgm:pt modelId="{0623080B-F2D3-4BDD-A4AE-88ADA437E8EF}" type="pres">
-      <dgm:prSet presAssocID="{0B8005AB-D61F-456D-8C11-6F67918EA96C}" presName="node" presStyleLbl="node1" presStyleIdx="5" presStyleCnt="6" custScaleX="206859" custScaleY="66079">
+      <dgm:prSet presAssocID="{0B8005AB-D61F-456D-8C11-6F67918EA96C}" presName="node" presStyleLbl="node1" presStyleIdx="5" presStyleCnt="7" custScaleX="206859" custScaleY="66079">
+        <dgm:presLayoutVars>
+          <dgm:bulletEnabled val="1"/>
+        </dgm:presLayoutVars>
+      </dgm:prSet>
+      <dgm:spPr/>
+      <dgm:t>
+        <a:bodyPr/>
+        <a:lstStyle/>
+        <a:p>
+          <a:endParaRPr lang="en-US"/>
+        </a:p>
+      </dgm:t>
+    </dgm:pt>
+    <dgm:pt modelId="{E04BC851-4077-4081-A3BE-7625339DCA10}" type="pres">
+      <dgm:prSet presAssocID="{32CD54E3-E64B-481A-B44C-B1E26CF3D195}" presName="sibTrans" presStyleLbl="sibTrans2D1" presStyleIdx="5" presStyleCnt="6"/>
+      <dgm:spPr/>
+      <dgm:t>
+        <a:bodyPr/>
+        <a:lstStyle/>
+        <a:p>
+          <a:endParaRPr lang="en-US"/>
+        </a:p>
+      </dgm:t>
+    </dgm:pt>
+    <dgm:pt modelId="{3CBE53E0-FC52-4051-A6A8-0DD747FB7D18}" type="pres">
+      <dgm:prSet presAssocID="{32CD54E3-E64B-481A-B44C-B1E26CF3D195}" presName="connectorText" presStyleLbl="sibTrans2D1" presStyleIdx="5" presStyleCnt="6"/>
+      <dgm:spPr/>
+      <dgm:t>
+        <a:bodyPr/>
+        <a:lstStyle/>
+        <a:p>
+          <a:endParaRPr lang="en-US"/>
+        </a:p>
+      </dgm:t>
+    </dgm:pt>
+    <dgm:pt modelId="{D2E47E72-15F6-4EFC-A61F-8766144EE0D8}" type="pres">
+      <dgm:prSet presAssocID="{90EE368B-DF41-4BB4-B5CF-4E43F785E9C7}" presName="node" presStyleLbl="node1" presStyleIdx="6" presStyleCnt="7" custScaleX="207036" custScaleY="128346">
         <dgm:presLayoutVars>
           <dgm:bulletEnabled val="1"/>
         </dgm:presLayoutVars>
@@ -2184,10 +2397,14 @@
     <dgm:cxn modelId="{20B1EF23-B5D3-4071-A130-38BE9C9C9F12}" type="presOf" srcId="{078E7D13-27B0-4F7A-ABBD-4BD631A7688D}" destId="{0623080B-F2D3-4BDD-A4AE-88ADA437E8EF}" srcOrd="0" destOrd="2" presId="urn:microsoft.com/office/officeart/2005/8/layout/process2"/>
     <dgm:cxn modelId="{6B3B0046-B0B9-4AE8-8406-CAD2ED01B167}" type="presOf" srcId="{E470F5E8-8EE4-42A4-AFBD-48C94E828076}" destId="{F35FA51F-D25E-4A0E-9B7A-7980DF29C0D3}" srcOrd="0" destOrd="2" presId="urn:microsoft.com/office/officeart/2005/8/layout/process2"/>
     <dgm:cxn modelId="{606D8FBD-8713-4791-A763-BFAA438C2098}" srcId="{0ABFD958-B094-420D-88FF-FC720517B5FF}" destId="{67E6083B-381A-4F87-9C92-962DEFE065B8}" srcOrd="0" destOrd="0" parTransId="{38FF50D2-E850-4E70-A2D1-B1BFA2A96C9C}" sibTransId="{A5DA82AA-4005-499E-9B05-5F043383C8B6}"/>
+    <dgm:cxn modelId="{E21B71D3-2B2E-40E6-86AE-5851BB497FA4}" srcId="{90EE368B-DF41-4BB4-B5CF-4E43F785E9C7}" destId="{6A550D35-C354-4B77-A295-7EB9ACCA6F69}" srcOrd="3" destOrd="0" parTransId="{A13A6E99-2943-4735-86BB-005F664FC856}" sibTransId="{7AF5B463-ECCD-490D-B36A-BAABB4233DBB}"/>
     <dgm:cxn modelId="{1E6C53D6-1B98-496C-9189-D02B506E96AC}" srcId="{F3DCAD5A-F45F-4C6F-B940-AC659851C98C}" destId="{D2A5F00B-7541-4379-8085-62CCE5822ADD}" srcOrd="0" destOrd="0" parTransId="{22791ED0-7158-4DDF-A7FF-EB7034F95F6A}" sibTransId="{776B47BF-149E-4E1D-865B-398D6E023415}"/>
     <dgm:cxn modelId="{5BF8AE7C-1A91-42B5-9D13-BB36C1FC3DD3}" srcId="{0B8005AB-D61F-456D-8C11-6F67918EA96C}" destId="{E99DED21-0E10-4A21-A6F1-81D30C61487B}" srcOrd="0" destOrd="0" parTransId="{E74588BB-17F4-4935-9AF0-59B046186DBE}" sibTransId="{CF0EA60F-1F90-422D-B2F9-43FD66289F4C}"/>
+    <dgm:cxn modelId="{757ACCCF-72DD-4B87-9C70-495A240D3608}" srcId="{90EE368B-DF41-4BB4-B5CF-4E43F785E9C7}" destId="{9451C9F1-0991-4F9A-B34C-D9183914FC00}" srcOrd="0" destOrd="0" parTransId="{7FC3342C-3888-45E0-8C41-7BFBE5C93621}" sibTransId="{A688C5F1-89F0-4125-B9C5-6619AE36F830}"/>
+    <dgm:cxn modelId="{245194E6-4725-4061-AF41-009E9791B882}" type="presOf" srcId="{90EE368B-DF41-4BB4-B5CF-4E43F785E9C7}" destId="{D2E47E72-15F6-4EFC-A61F-8766144EE0D8}" srcOrd="0" destOrd="0" presId="urn:microsoft.com/office/officeart/2005/8/layout/process2"/>
     <dgm:cxn modelId="{7280C356-4205-47EC-A7D2-65EE3789C9E2}" srcId="{0ABFD958-B094-420D-88FF-FC720517B5FF}" destId="{ECD95D4A-13DA-4E15-B9CA-10A97F45746B}" srcOrd="2" destOrd="0" parTransId="{855CED17-6F22-46A7-8354-4500E628382C}" sibTransId="{1A514E8E-5B87-439E-AAF7-68D1E6FD7471}"/>
     <dgm:cxn modelId="{8783044B-E7FC-4C2C-A624-946DEEF598C4}" srcId="{16993775-A1B3-4465-9450-559FE64AD127}" destId="{6B88644D-3962-4E9E-8765-C158036A6317}" srcOrd="1" destOrd="0" parTransId="{C8F92A58-0373-4375-B774-64E6C3225B39}" sibTransId="{E04F5FB8-48FF-43B7-B989-943D8AE0A78C}"/>
+    <dgm:cxn modelId="{B259C185-DB8C-4B61-B075-2D773F43A41A}" type="presOf" srcId="{9451C9F1-0991-4F9A-B34C-D9183914FC00}" destId="{D2E47E72-15F6-4EFC-A61F-8766144EE0D8}" srcOrd="0" destOrd="1" presId="urn:microsoft.com/office/officeart/2005/8/layout/process2"/>
     <dgm:cxn modelId="{20E4698B-BB2C-4FC1-9657-5CA1999180BF}" type="presOf" srcId="{0B8005AB-D61F-456D-8C11-6F67918EA96C}" destId="{0623080B-F2D3-4BDD-A4AE-88ADA437E8EF}" srcOrd="0" destOrd="0" presId="urn:microsoft.com/office/officeart/2005/8/layout/process2"/>
     <dgm:cxn modelId="{12565BA9-438F-42F6-9870-5CC847BD17CF}" type="presOf" srcId="{ECD95D4A-13DA-4E15-B9CA-10A97F45746B}" destId="{F35FA51F-D25E-4A0E-9B7A-7980DF29C0D3}" srcOrd="0" destOrd="3" presId="urn:microsoft.com/office/officeart/2005/8/layout/process2"/>
     <dgm:cxn modelId="{37EAA455-770F-4BA4-8AD6-6DB2EE626D4B}" srcId="{F3DCAD5A-F45F-4C6F-B940-AC659851C98C}" destId="{16993775-A1B3-4465-9450-559FE64AD127}" srcOrd="3" destOrd="0" parTransId="{4B4048F1-85CF-4E65-A434-84D361384354}" sibTransId="{4518F0E6-1458-4A52-90C5-256335DE3373}"/>
@@ -2195,17 +2412,22 @@
     <dgm:cxn modelId="{F8595CE8-6038-4BB8-9B2C-DD5941EA0F5C}" type="presOf" srcId="{F3DCAD5A-F45F-4C6F-B940-AC659851C98C}" destId="{69A4926D-2EDD-467E-AF23-E402B22BF067}" srcOrd="0" destOrd="0" presId="urn:microsoft.com/office/officeart/2005/8/layout/process2"/>
     <dgm:cxn modelId="{A2CACF9E-E36A-4AAE-9AF7-E1A6C45E4263}" type="presOf" srcId="{67E6083B-381A-4F87-9C92-962DEFE065B8}" destId="{F35FA51F-D25E-4A0E-9B7A-7980DF29C0D3}" srcOrd="0" destOrd="1" presId="urn:microsoft.com/office/officeart/2005/8/layout/process2"/>
     <dgm:cxn modelId="{490C2364-24B9-45B7-8D1E-267AF60BC5E3}" srcId="{F3DCAD5A-F45F-4C6F-B940-AC659851C98C}" destId="{0B8005AB-D61F-456D-8C11-6F67918EA96C}" srcOrd="5" destOrd="0" parTransId="{4951168C-6818-4F26-9A98-642725D11B57}" sibTransId="{32CD54E3-E64B-481A-B44C-B1E26CF3D195}"/>
+    <dgm:cxn modelId="{2AED1AC8-8506-4AD9-8BF1-45A5DA6C8BDA}" srcId="{90EE368B-DF41-4BB4-B5CF-4E43F785E9C7}" destId="{2EDBA865-005C-46EA-80FF-2AFDEBF73CAF}" srcOrd="1" destOrd="0" parTransId="{49FA5C5B-6BA0-45E0-9A5C-03ADDC8B1517}" sibTransId="{9874EF1A-6FAD-4D68-80B0-BF9FA6BEC70B}"/>
+    <dgm:cxn modelId="{563F340F-D65E-4D0A-B6BB-B191C1DCC5A5}" type="presOf" srcId="{15DBC0A0-906C-473F-8D0C-89DD2EC3CDC2}" destId="{D2E47E72-15F6-4EFC-A61F-8766144EE0D8}" srcOrd="0" destOrd="3" presId="urn:microsoft.com/office/officeart/2005/8/layout/process2"/>
     <dgm:cxn modelId="{F23F14A7-E1B0-4B5C-A92E-929BB4E54776}" type="presOf" srcId="{00D209B5-B1C9-4010-8227-5FA4495FD1BC}" destId="{EBB63F27-B095-46AF-B7D4-749C71931F9F}" srcOrd="0" destOrd="1" presId="urn:microsoft.com/office/officeart/2005/8/layout/process2"/>
     <dgm:cxn modelId="{37C529E2-4999-4360-A7B5-AB927F83D5EF}" srcId="{0ABFD958-B094-420D-88FF-FC720517B5FF}" destId="{E470F5E8-8EE4-42A4-AFBD-48C94E828076}" srcOrd="1" destOrd="0" parTransId="{8D83B3E8-396B-4BF9-9C72-7FA9F528E740}" sibTransId="{DA55CE98-C142-42B4-867E-BD2ACCF632D5}"/>
+    <dgm:cxn modelId="{E36D3E61-7AF5-42CA-8DBA-F5D644FC014A}" type="presOf" srcId="{32CD54E3-E64B-481A-B44C-B1E26CF3D195}" destId="{3CBE53E0-FC52-4051-A6A8-0DD747FB7D18}" srcOrd="1" destOrd="0" presId="urn:microsoft.com/office/officeart/2005/8/layout/process2"/>
     <dgm:cxn modelId="{A8FE3D7D-DF46-47C5-8B5E-7539D76A5FC0}" srcId="{F3DCAD5A-F45F-4C6F-B940-AC659851C98C}" destId="{0ABFD958-B094-420D-88FF-FC720517B5FF}" srcOrd="2" destOrd="0" parTransId="{0C7B77FD-5607-4402-B11D-32DA7AB6B049}" sibTransId="{14EC1BFC-72BE-44AF-87BE-038F2D66781B}"/>
     <dgm:cxn modelId="{1A49F522-34BC-4A74-ACD7-B3A422DA33DB}" srcId="{D2A5F00B-7541-4379-8085-62CCE5822ADD}" destId="{62907C3C-0D05-4832-B250-C5A1C8B8BB09}" srcOrd="0" destOrd="0" parTransId="{B02D94F0-7DBA-4CAC-A6BC-8195AE3ED0AE}" sibTransId="{412AC000-FBBE-4737-8703-06A926F32925}"/>
     <dgm:cxn modelId="{DD6F9529-F3AB-4D88-9BEE-27DFCC0FDDEC}" srcId="{F3DCAD5A-F45F-4C6F-B940-AC659851C98C}" destId="{290EDCBE-B534-4CA5-90C5-8364239BCE10}" srcOrd="1" destOrd="0" parTransId="{7EFE1CD0-8FE0-4A82-AFFE-7B6A35443291}" sibTransId="{485B0A70-06BD-4D35-B668-ED58761A182E}"/>
     <dgm:cxn modelId="{A981D05F-6FE5-403E-9C86-7CAB73E4D6AF}" type="presOf" srcId="{E99DED21-0E10-4A21-A6F1-81D30C61487B}" destId="{0623080B-F2D3-4BDD-A4AE-88ADA437E8EF}" srcOrd="0" destOrd="1" presId="urn:microsoft.com/office/officeart/2005/8/layout/process2"/>
+    <dgm:cxn modelId="{7731F698-0ECE-4C38-A854-3C73DBFF7575}" srcId="{F3DCAD5A-F45F-4C6F-B940-AC659851C98C}" destId="{90EE368B-DF41-4BB4-B5CF-4E43F785E9C7}" srcOrd="6" destOrd="0" parTransId="{F4C44B4C-9568-4137-BB96-F7D4D609C379}" sibTransId="{27F62D52-AF69-4BC3-8EB5-9BA6B5CA34AA}"/>
     <dgm:cxn modelId="{D27266D1-474C-4496-91B5-D6B51A887736}" type="presOf" srcId="{290EDCBE-B534-4CA5-90C5-8364239BCE10}" destId="{EBB63F27-B095-46AF-B7D4-749C71931F9F}" srcOrd="0" destOrd="0" presId="urn:microsoft.com/office/officeart/2005/8/layout/process2"/>
     <dgm:cxn modelId="{2E71EADE-9D8D-4781-A7E5-7352E9A4FB66}" type="presOf" srcId="{10ACB5D6-FB1B-459C-8135-D22AB1DB661E}" destId="{F88DA77E-5075-4DFD-A626-16139537C385}" srcOrd="0" destOrd="1" presId="urn:microsoft.com/office/officeart/2005/8/layout/process2"/>
     <dgm:cxn modelId="{21463B01-FE42-42A8-856E-86A78E1369A4}" type="presOf" srcId="{776B47BF-149E-4E1D-865B-398D6E023415}" destId="{AB32203C-6605-47CB-9C1E-BA71B646A831}" srcOrd="0" destOrd="0" presId="urn:microsoft.com/office/officeart/2005/8/layout/process2"/>
     <dgm:cxn modelId="{929C629A-996F-4D93-9EFE-E62D0C079A1E}" type="presOf" srcId="{8C04B313-8C56-43AF-B909-BE6A3ABF10A3}" destId="{EBB63F27-B095-46AF-B7D4-749C71931F9F}" srcOrd="0" destOrd="3" presId="urn:microsoft.com/office/officeart/2005/8/layout/process2"/>
     <dgm:cxn modelId="{DBBFDF91-79DD-4814-9B4B-CC1855DA80F0}" type="presOf" srcId="{F0E30E0C-4963-4599-AE0B-2032E9B47C22}" destId="{C8B4AF29-F8B2-4B5C-9A0A-4318A0FDAA67}" srcOrd="0" destOrd="2" presId="urn:microsoft.com/office/officeart/2005/8/layout/process2"/>
+    <dgm:cxn modelId="{A01C1220-99F6-47E5-B9B9-74061C5C5F2E}" srcId="{90EE368B-DF41-4BB4-B5CF-4E43F785E9C7}" destId="{15DBC0A0-906C-473F-8D0C-89DD2EC3CDC2}" srcOrd="2" destOrd="0" parTransId="{F787DCBF-07E8-4750-A3AD-252E82530C24}" sibTransId="{CB0E1016-BECD-4ADF-92D8-4841E7C09CE9}"/>
     <dgm:cxn modelId="{7145755B-94EE-4EB6-8CF6-5579F00E03E6}" srcId="{49C90B1B-350C-495E-A6BA-77729B5C1025}" destId="{4DD1E021-0811-4EF9-B78E-DDB0248FD1BD}" srcOrd="0" destOrd="0" parTransId="{CD86E85A-9FF9-469E-9E72-F775E801B96E}" sibTransId="{C228AEA6-31A3-4EE5-AB7D-4C4C46C1300B}"/>
     <dgm:cxn modelId="{DBFCD182-8EE9-4E5A-85EC-9DDF922A78E0}" srcId="{49C90B1B-350C-495E-A6BA-77729B5C1025}" destId="{6FCA2806-F51C-4D2D-89A8-8E18F0904965}" srcOrd="1" destOrd="0" parTransId="{A62CE099-D8B7-42AE-BBDA-2F73D68B3DB5}" sibTransId="{F5285924-C871-4665-8E75-CF4ACF7A6B04}"/>
     <dgm:cxn modelId="{42528BEE-BAB1-4F17-9697-82CB7877D17D}" type="presOf" srcId="{4518F0E6-1458-4A52-90C5-256335DE3373}" destId="{316DCBA6-B9ED-4796-B23D-A21A99D2036C}" srcOrd="1" destOrd="0" presId="urn:microsoft.com/office/officeart/2005/8/layout/process2"/>
@@ -2215,9 +2437,12 @@
     <dgm:cxn modelId="{C184BDE3-D1F9-4E18-AF16-A15B00AA9247}" type="presOf" srcId="{D2A5F00B-7541-4379-8085-62CCE5822ADD}" destId="{C8B4AF29-F8B2-4B5C-9A0A-4318A0FDAA67}" srcOrd="0" destOrd="0" presId="urn:microsoft.com/office/officeart/2005/8/layout/process2"/>
     <dgm:cxn modelId="{EDB826DB-1F72-4124-BECF-C735EE99930C}" type="presOf" srcId="{46F35A63-548E-451D-BE3E-43DA6EAFB469}" destId="{F88DA77E-5075-4DFD-A626-16139537C385}" srcOrd="0" destOrd="3" presId="urn:microsoft.com/office/officeart/2005/8/layout/process2"/>
     <dgm:cxn modelId="{98FEEC88-C38E-4F21-BF51-799D4296CF62}" srcId="{16993775-A1B3-4465-9450-559FE64AD127}" destId="{10ACB5D6-FB1B-459C-8135-D22AB1DB661E}" srcOrd="0" destOrd="0" parTransId="{8B1B2407-5D15-4F59-8740-31BFB329EC56}" sibTransId="{7212C7D6-7E2C-4128-93E1-07CA6CF003C5}"/>
+    <dgm:cxn modelId="{B0CFCAAE-86F0-4CC7-A998-9021F8AC4F5E}" type="presOf" srcId="{2EDBA865-005C-46EA-80FF-2AFDEBF73CAF}" destId="{D2E47E72-15F6-4EFC-A61F-8766144EE0D8}" srcOrd="0" destOrd="2" presId="urn:microsoft.com/office/officeart/2005/8/layout/process2"/>
+    <dgm:cxn modelId="{FFC86EB3-83E4-436D-BEB2-706068389B63}" type="presOf" srcId="{32CD54E3-E64B-481A-B44C-B1E26CF3D195}" destId="{E04BC851-4077-4081-A3BE-7625339DCA10}" srcOrd="0" destOrd="0" presId="urn:microsoft.com/office/officeart/2005/8/layout/process2"/>
     <dgm:cxn modelId="{D6754492-00E3-4CA7-9AF6-6C5305D70542}" type="presOf" srcId="{485B0A70-06BD-4D35-B668-ED58761A182E}" destId="{27943FF0-9052-42FC-9D2A-94DC53C9046A}" srcOrd="1" destOrd="0" presId="urn:microsoft.com/office/officeart/2005/8/layout/process2"/>
     <dgm:cxn modelId="{1651A04D-BE5E-49CF-84E5-B3BA4A7B052E}" srcId="{0B8005AB-D61F-456D-8C11-6F67918EA96C}" destId="{078E7D13-27B0-4F7A-ABBD-4BD631A7688D}" srcOrd="1" destOrd="0" parTransId="{DE508F71-CB30-4B9D-B362-E1DD00D2CD00}" sibTransId="{3EE11CF5-E6E3-45F3-A724-C38D85543BE0}"/>
     <dgm:cxn modelId="{87DCEE0A-77EF-443E-92A1-C3B041540A79}" type="presOf" srcId="{E699BA99-F2C0-4A7C-828E-8062B36FF2FF}" destId="{F88DA77E-5075-4DFD-A626-16139537C385}" srcOrd="0" destOrd="5" presId="urn:microsoft.com/office/officeart/2005/8/layout/process2"/>
+    <dgm:cxn modelId="{F88E4D53-1584-41A7-AB91-0212BA80DBA6}" type="presOf" srcId="{6A550D35-C354-4B77-A295-7EB9ACCA6F69}" destId="{D2E47E72-15F6-4EFC-A61F-8766144EE0D8}" srcOrd="0" destOrd="4" presId="urn:microsoft.com/office/officeart/2005/8/layout/process2"/>
     <dgm:cxn modelId="{E02702D7-DFBA-4E72-B2B4-405A7F0C1020}" type="presParOf" srcId="{69A4926D-2EDD-467E-AF23-E402B22BF067}" destId="{C8B4AF29-F8B2-4B5C-9A0A-4318A0FDAA67}" srcOrd="0" destOrd="0" presId="urn:microsoft.com/office/officeart/2005/8/layout/process2"/>
     <dgm:cxn modelId="{BE399AFF-4A3D-490A-933B-98867540239A}" type="presParOf" srcId="{69A4926D-2EDD-467E-AF23-E402B22BF067}" destId="{AB32203C-6605-47CB-9C1E-BA71B646A831}" srcOrd="1" destOrd="0" presId="urn:microsoft.com/office/officeart/2005/8/layout/process2"/>
     <dgm:cxn modelId="{1CE53380-ECAF-4E94-900C-104B8A24FD1C}" type="presParOf" srcId="{AB32203C-6605-47CB-9C1E-BA71B646A831}" destId="{AEAFAB2C-C82E-445E-A509-0DB7B4BBA7C6}" srcOrd="0" destOrd="0" presId="urn:microsoft.com/office/officeart/2005/8/layout/process2"/>
@@ -2234,6 +2459,9 @@
     <dgm:cxn modelId="{3EA23276-6A92-4EDC-A848-23405469CEB9}" type="presParOf" srcId="{69A4926D-2EDD-467E-AF23-E402B22BF067}" destId="{AE9CB4F5-053D-4F08-A1E7-809CD882C798}" srcOrd="9" destOrd="0" presId="urn:microsoft.com/office/officeart/2005/8/layout/process2"/>
     <dgm:cxn modelId="{0B681021-1671-47DB-BF81-72D3CFBA1DC7}" type="presParOf" srcId="{AE9CB4F5-053D-4F08-A1E7-809CD882C798}" destId="{A5F5FD2B-D354-4C95-B039-8B9B252B242F}" srcOrd="0" destOrd="0" presId="urn:microsoft.com/office/officeart/2005/8/layout/process2"/>
     <dgm:cxn modelId="{8EDD85C2-3CC7-4F06-99D3-39E1142FD829}" type="presParOf" srcId="{69A4926D-2EDD-467E-AF23-E402B22BF067}" destId="{0623080B-F2D3-4BDD-A4AE-88ADA437E8EF}" srcOrd="10" destOrd="0" presId="urn:microsoft.com/office/officeart/2005/8/layout/process2"/>
+    <dgm:cxn modelId="{CCF01543-B0F0-485A-BA71-86D64C0E3CA9}" type="presParOf" srcId="{69A4926D-2EDD-467E-AF23-E402B22BF067}" destId="{E04BC851-4077-4081-A3BE-7625339DCA10}" srcOrd="11" destOrd="0" presId="urn:microsoft.com/office/officeart/2005/8/layout/process2"/>
+    <dgm:cxn modelId="{19A39875-B307-4640-B08C-2AAFDFCA19B5}" type="presParOf" srcId="{E04BC851-4077-4081-A3BE-7625339DCA10}" destId="{3CBE53E0-FC52-4051-A6A8-0DD747FB7D18}" srcOrd="0" destOrd="0" presId="urn:microsoft.com/office/officeart/2005/8/layout/process2"/>
+    <dgm:cxn modelId="{28590B8A-67CD-452C-9347-2F9DFD1D558C}" type="presParOf" srcId="{69A4926D-2EDD-467E-AF23-E402B22BF067}" destId="{D2E47E72-15F6-4EFC-A61F-8766144EE0D8}" srcOrd="12" destOrd="0" presId="urn:microsoft.com/office/officeart/2005/8/layout/process2"/>
   </dgm:cxnLst>
   <dgm:bg/>
   <dgm:whole/>
@@ -2263,8 +2491,8 @@
       </dsp:nvSpPr>
       <dsp:spPr>
         <a:xfrm>
-          <a:off x="757847" y="5529"/>
-          <a:ext cx="6120008" cy="599496"/>
+          <a:off x="1278719" y="5945"/>
+          <a:ext cx="5119828" cy="501522"/>
         </a:xfrm>
         <a:prstGeom prst="roundRect">
           <a:avLst>
@@ -2395,11 +2623,7 @@
           </a:pPr>
           <a:r>
             <a:rPr lang="en-US" sz="900" kern="1200" dirty="0" smtClean="0"/>
-            <a:t> Prepare input datasets (Sub-set assets, </a:t>
-          </a:r>
-          <a:r>
-            <a:rPr lang="en-US" sz="900" kern="1200" dirty="0" smtClean="0"/>
-            <a:t>LCM, Floodplain, </a:t>
+            <a:t> Prepare input datasets (Sub-set assets, LCM, Floodplain, </a:t>
           </a:r>
           <a:r>
             <a:rPr lang="en-US" sz="900" kern="1200" dirty="0" err="1" smtClean="0"/>
@@ -2421,8 +2645,8 @@
         </a:p>
       </dsp:txBody>
       <dsp:txXfrm>
-        <a:off x="775406" y="23088"/>
-        <a:ext cx="6084890" cy="564378"/>
+        <a:off x="1293408" y="20634"/>
+        <a:ext cx="5090450" cy="472144"/>
       </dsp:txXfrm>
     </dsp:sp>
     <dsp:sp modelId="{AB32203C-6605-47CB-9C1E-BA71B646A831}">
@@ -2432,8 +2656,8 @@
       </dsp:nvSpPr>
       <dsp:spPr>
         <a:xfrm rot="5400000">
-          <a:off x="3679169" y="623516"/>
-          <a:ext cx="277363" cy="332835"/>
+          <a:off x="3722616" y="522936"/>
+          <a:ext cx="232034" cy="278441"/>
         </a:xfrm>
         <a:prstGeom prst="rightArrow">
           <a:avLst>
@@ -2507,7 +2731,7 @@
         </a:bodyPr>
         <a:lstStyle/>
         <a:p>
-          <a:pPr lvl="0" algn="ctr" defTabSz="577850">
+          <a:pPr lvl="0" algn="ctr" defTabSz="488950">
             <a:lnSpc>
               <a:spcPct val="90000"/>
             </a:lnSpc>
@@ -2518,12 +2742,12 @@
               <a:spcPct val="35000"/>
             </a:spcAft>
           </a:pPr>
-          <a:endParaRPr lang="en-US" sz="1300" kern="1200" dirty="0"/>
+          <a:endParaRPr lang="en-US" sz="1100" kern="1200" dirty="0"/>
         </a:p>
       </dsp:txBody>
       <dsp:txXfrm rot="-5400000">
-        <a:off x="3718001" y="651252"/>
-        <a:ext cx="199701" cy="194154"/>
+        <a:off x="3755101" y="546139"/>
+        <a:ext cx="167065" cy="162424"/>
       </dsp:txXfrm>
     </dsp:sp>
     <dsp:sp modelId="{EBB63F27-B095-46AF-B7D4-749C71931F9F}">
@@ -2533,8 +2757,8 @@
       </dsp:nvSpPr>
       <dsp:spPr>
         <a:xfrm>
-          <a:off x="757847" y="974843"/>
-          <a:ext cx="6120008" cy="799952"/>
+          <a:off x="1278719" y="816846"/>
+          <a:ext cx="5119828" cy="669217"/>
         </a:xfrm>
         <a:prstGeom prst="roundRect">
           <a:avLst>
@@ -2549,7 +2773,7 @@
                 <a:hueOff val="0"/>
                 <a:satOff val="0"/>
                 <a:lumOff val="0"/>
-                <a:alphaOff val="-8000"/>
+                <a:alphaOff val="-6667"/>
                 <a:lumMod val="110000"/>
                 <a:satMod val="105000"/>
                 <a:tint val="67000"/>
@@ -2561,7 +2785,7 @@
                 <a:hueOff val="0"/>
                 <a:satOff val="0"/>
                 <a:lumOff val="0"/>
-                <a:alphaOff val="-8000"/>
+                <a:alphaOff val="-6667"/>
                 <a:lumMod val="105000"/>
                 <a:satMod val="103000"/>
                 <a:tint val="73000"/>
@@ -2573,7 +2797,7 @@
                 <a:hueOff val="0"/>
                 <a:satOff val="0"/>
                 <a:lumOff val="0"/>
-                <a:alphaOff val="-8000"/>
+                <a:alphaOff val="-6667"/>
                 <a:lumMod val="105000"/>
                 <a:satMod val="109000"/>
                 <a:tint val="81000"/>
@@ -2690,8 +2914,8 @@
         </a:p>
       </dsp:txBody>
       <dsp:txXfrm>
-        <a:off x="781277" y="998273"/>
-        <a:ext cx="6073148" cy="753092"/>
+        <a:off x="1298320" y="836447"/>
+        <a:ext cx="5080626" cy="630015"/>
       </dsp:txXfrm>
     </dsp:sp>
     <dsp:sp modelId="{7D2A00C7-6363-46B9-9825-DD209EB38952}">
@@ -2701,8 +2925,8 @@
       </dsp:nvSpPr>
       <dsp:spPr>
         <a:xfrm rot="5400000">
-          <a:off x="3679169" y="1793286"/>
-          <a:ext cx="277363" cy="332835"/>
+          <a:off x="3722616" y="1501533"/>
+          <a:ext cx="232034" cy="278441"/>
         </a:xfrm>
         <a:prstGeom prst="rightArrow">
           <a:avLst>
@@ -2715,9 +2939,9 @@
             <a:gs pos="0">
               <a:schemeClr val="accent6">
                 <a:shade val="90000"/>
-                <a:hueOff val="94967"/>
-                <a:satOff val="-3793"/>
-                <a:lumOff val="8798"/>
+                <a:hueOff val="75974"/>
+                <a:satOff val="-3035"/>
+                <a:lumOff val="7038"/>
                 <a:alphaOff val="0"/>
                 <a:lumMod val="110000"/>
                 <a:satMod val="105000"/>
@@ -2727,9 +2951,9 @@
             <a:gs pos="50000">
               <a:schemeClr val="accent6">
                 <a:shade val="90000"/>
-                <a:hueOff val="94967"/>
-                <a:satOff val="-3793"/>
-                <a:lumOff val="8798"/>
+                <a:hueOff val="75974"/>
+                <a:satOff val="-3035"/>
+                <a:lumOff val="7038"/>
                 <a:alphaOff val="0"/>
                 <a:lumMod val="105000"/>
                 <a:satMod val="103000"/>
@@ -2739,9 +2963,9 @@
             <a:gs pos="100000">
               <a:schemeClr val="accent6">
                 <a:shade val="90000"/>
-                <a:hueOff val="94967"/>
-                <a:satOff val="-3793"/>
-                <a:lumOff val="8798"/>
+                <a:hueOff val="75974"/>
+                <a:satOff val="-3035"/>
+                <a:lumOff val="7038"/>
                 <a:alphaOff val="0"/>
                 <a:lumMod val="105000"/>
                 <a:satMod val="109000"/>
@@ -2776,7 +3000,7 @@
         </a:bodyPr>
         <a:lstStyle/>
         <a:p>
-          <a:pPr lvl="0" algn="ctr" defTabSz="577850">
+          <a:pPr lvl="0" algn="ctr" defTabSz="488950">
             <a:lnSpc>
               <a:spcPct val="90000"/>
             </a:lnSpc>
@@ -2787,12 +3011,12 @@
               <a:spcPct val="35000"/>
             </a:spcAft>
           </a:pPr>
-          <a:endParaRPr lang="en-US" sz="1300" kern="1200" dirty="0"/>
+          <a:endParaRPr lang="en-US" sz="1100" kern="1200" dirty="0"/>
         </a:p>
       </dsp:txBody>
       <dsp:txXfrm rot="-5400000">
-        <a:off x="3718001" y="1821022"/>
-        <a:ext cx="199701" cy="194154"/>
+        <a:off x="3755101" y="1524736"/>
+        <a:ext cx="167065" cy="162424"/>
       </dsp:txXfrm>
     </dsp:sp>
     <dsp:sp modelId="{F35FA51F-D25E-4A0E-9B7A-7980DF29C0D3}">
@@ -2802,8 +3026,8 @@
       </dsp:nvSpPr>
       <dsp:spPr>
         <a:xfrm>
-          <a:off x="757847" y="2144613"/>
-          <a:ext cx="6120008" cy="911415"/>
+          <a:off x="1278719" y="1795443"/>
+          <a:ext cx="5119828" cy="762464"/>
         </a:xfrm>
         <a:prstGeom prst="roundRect">
           <a:avLst>
@@ -2818,7 +3042,7 @@
                 <a:hueOff val="0"/>
                 <a:satOff val="0"/>
                 <a:lumOff val="0"/>
-                <a:alphaOff val="-16000"/>
+                <a:alphaOff val="-13333"/>
                 <a:lumMod val="110000"/>
                 <a:satMod val="105000"/>
                 <a:tint val="67000"/>
@@ -2830,7 +3054,7 @@
                 <a:hueOff val="0"/>
                 <a:satOff val="0"/>
                 <a:lumOff val="0"/>
-                <a:alphaOff val="-16000"/>
+                <a:alphaOff val="-13333"/>
                 <a:lumMod val="105000"/>
                 <a:satMod val="103000"/>
                 <a:tint val="73000"/>
@@ -2842,7 +3066,7 @@
                 <a:hueOff val="0"/>
                 <a:satOff val="0"/>
                 <a:lumOff val="0"/>
-                <a:alphaOff val="-16000"/>
+                <a:alphaOff val="-13333"/>
                 <a:lumMod val="105000"/>
                 <a:satMod val="109000"/>
                 <a:tint val="81000"/>
@@ -2963,8 +3187,8 @@
         </a:p>
       </dsp:txBody>
       <dsp:txXfrm>
-        <a:off x="784541" y="2171307"/>
-        <a:ext cx="6066620" cy="858027"/>
+        <a:off x="1301051" y="1817775"/>
+        <a:ext cx="5075164" cy="717800"/>
       </dsp:txXfrm>
     </dsp:sp>
     <dsp:sp modelId="{B899CA72-4432-44BC-8D29-47203ECE9433}">
@@ -2974,8 +3198,8 @@
       </dsp:nvSpPr>
       <dsp:spPr>
         <a:xfrm rot="5357799">
-          <a:off x="3699289" y="3057895"/>
-          <a:ext cx="252444" cy="332835"/>
+          <a:off x="3739447" y="2559469"/>
+          <a:ext cx="211188" cy="278441"/>
         </a:xfrm>
         <a:prstGeom prst="rightArrow">
           <a:avLst>
@@ -2988,9 +3212,9 @@
             <a:gs pos="0">
               <a:schemeClr val="accent6">
                 <a:shade val="90000"/>
-                <a:hueOff val="189935"/>
-                <a:satOff val="-7587"/>
-                <a:lumOff val="17596"/>
+                <a:hueOff val="151948"/>
+                <a:satOff val="-6069"/>
+                <a:lumOff val="14076"/>
                 <a:alphaOff val="0"/>
                 <a:lumMod val="110000"/>
                 <a:satMod val="105000"/>
@@ -3000,9 +3224,9 @@
             <a:gs pos="50000">
               <a:schemeClr val="accent6">
                 <a:shade val="90000"/>
-                <a:hueOff val="189935"/>
-                <a:satOff val="-7587"/>
-                <a:lumOff val="17596"/>
+                <a:hueOff val="151948"/>
+                <a:satOff val="-6069"/>
+                <a:lumOff val="14076"/>
                 <a:alphaOff val="0"/>
                 <a:lumMod val="105000"/>
                 <a:satMod val="103000"/>
@@ -3012,9 +3236,9 @@
             <a:gs pos="100000">
               <a:schemeClr val="accent6">
                 <a:shade val="90000"/>
-                <a:hueOff val="189935"/>
-                <a:satOff val="-7587"/>
-                <a:lumOff val="17596"/>
+                <a:hueOff val="151948"/>
+                <a:satOff val="-6069"/>
+                <a:lumOff val="14076"/>
                 <a:alphaOff val="0"/>
                 <a:lumMod val="105000"/>
                 <a:satMod val="109000"/>
@@ -3049,7 +3273,7 @@
         </a:bodyPr>
         <a:lstStyle/>
         <a:p>
-          <a:pPr lvl="0" algn="ctr" defTabSz="533400">
+          <a:pPr lvl="0" algn="ctr" defTabSz="444500">
             <a:lnSpc>
               <a:spcPct val="90000"/>
             </a:lnSpc>
@@ -3060,12 +3284,12 @@
               <a:spcPct val="35000"/>
             </a:spcAft>
           </a:pPr>
-          <a:endParaRPr lang="en-US" sz="1200" kern="1200"/>
+          <a:endParaRPr lang="en-US" sz="1000" kern="1200"/>
         </a:p>
       </dsp:txBody>
       <dsp:txXfrm rot="-5400000">
-        <a:off x="3725196" y="3098093"/>
-        <a:ext cx="199701" cy="176711"/>
+        <a:off x="3761120" y="2593097"/>
+        <a:ext cx="167065" cy="147832"/>
       </dsp:txXfrm>
     </dsp:sp>
     <dsp:sp modelId="{F88DA77E-5075-4DFD-A626-16139537C385}">
@@ -3075,8 +3299,8 @@
       </dsp:nvSpPr>
       <dsp:spPr>
         <a:xfrm>
-          <a:off x="774474" y="3392596"/>
-          <a:ext cx="6120008" cy="1124208"/>
+          <a:off x="1292628" y="2839471"/>
+          <a:ext cx="5119828" cy="940481"/>
         </a:xfrm>
         <a:prstGeom prst="roundRect">
           <a:avLst>
@@ -3091,7 +3315,7 @@
                 <a:hueOff val="0"/>
                 <a:satOff val="0"/>
                 <a:lumOff val="0"/>
-                <a:alphaOff val="-24000"/>
+                <a:alphaOff val="-20000"/>
                 <a:lumMod val="110000"/>
                 <a:satMod val="105000"/>
                 <a:tint val="67000"/>
@@ -3103,7 +3327,7 @@
                 <a:hueOff val="0"/>
                 <a:satOff val="0"/>
                 <a:lumOff val="0"/>
-                <a:alphaOff val="-24000"/>
+                <a:alphaOff val="-20000"/>
                 <a:lumMod val="105000"/>
                 <a:satMod val="103000"/>
                 <a:tint val="73000"/>
@@ -3115,7 +3339,7 @@
                 <a:hueOff val="0"/>
                 <a:satOff val="0"/>
                 <a:lumOff val="0"/>
-                <a:alphaOff val="-24000"/>
+                <a:alphaOff val="-20000"/>
                 <a:lumMod val="105000"/>
                 <a:satMod val="109000"/>
                 <a:tint val="81000"/>
@@ -3274,8 +3498,8 @@
         </a:p>
       </dsp:txBody>
       <dsp:txXfrm>
-        <a:off x="807401" y="3425523"/>
-        <a:ext cx="6054154" cy="1058354"/>
+        <a:off x="1320174" y="2867017"/>
+        <a:ext cx="5064736" cy="885389"/>
       </dsp:txXfrm>
     </dsp:sp>
     <dsp:sp modelId="{A55B3566-2B07-4604-AAB8-DD63E2B590AA}">
@@ -3284,9 +3508,9 @@
         <dsp:cNvSpPr/>
       </dsp:nvSpPr>
       <dsp:spPr>
-        <a:xfrm rot="5443187">
-          <a:off x="3673722" y="4551921"/>
-          <a:ext cx="302324" cy="332835"/>
+        <a:xfrm rot="5438983">
+          <a:off x="3718842" y="3809330"/>
+          <a:ext cx="252912" cy="278441"/>
         </a:xfrm>
         <a:prstGeom prst="rightArrow">
           <a:avLst>
@@ -3299,9 +3523,9 @@
             <a:gs pos="0">
               <a:schemeClr val="accent6">
                 <a:shade val="90000"/>
-                <a:hueOff val="284902"/>
-                <a:satOff val="-11380"/>
-                <a:lumOff val="26393"/>
+                <a:hueOff val="227922"/>
+                <a:satOff val="-9104"/>
+                <a:lumOff val="21115"/>
                 <a:alphaOff val="0"/>
                 <a:lumMod val="110000"/>
                 <a:satMod val="105000"/>
@@ -3311,9 +3535,9 @@
             <a:gs pos="50000">
               <a:schemeClr val="accent6">
                 <a:shade val="90000"/>
-                <a:hueOff val="284902"/>
-                <a:satOff val="-11380"/>
-                <a:lumOff val="26393"/>
+                <a:hueOff val="227922"/>
+                <a:satOff val="-9104"/>
+                <a:lumOff val="21115"/>
                 <a:alphaOff val="0"/>
                 <a:lumMod val="105000"/>
                 <a:satMod val="103000"/>
@@ -3323,9 +3547,9 @@
             <a:gs pos="100000">
               <a:schemeClr val="accent6">
                 <a:shade val="90000"/>
-                <a:hueOff val="284902"/>
-                <a:satOff val="-11380"/>
-                <a:lumOff val="26393"/>
+                <a:hueOff val="227922"/>
+                <a:satOff val="-9104"/>
+                <a:lumOff val="21115"/>
                 <a:alphaOff val="0"/>
                 <a:lumMod val="105000"/>
                 <a:satMod val="109000"/>
@@ -3360,7 +3584,7 @@
         </a:bodyPr>
         <a:lstStyle/>
         <a:p>
-          <a:pPr lvl="0" algn="ctr" defTabSz="666750">
+          <a:pPr lvl="0" algn="ctr" defTabSz="533400">
             <a:lnSpc>
               <a:spcPct val="90000"/>
             </a:lnSpc>
@@ -3371,12 +3595,12 @@
               <a:spcPct val="35000"/>
             </a:spcAft>
           </a:pPr>
-          <a:endParaRPr lang="en-US" sz="1500" kern="1200"/>
+          <a:endParaRPr lang="en-US" sz="1200" kern="1200"/>
         </a:p>
       </dsp:txBody>
       <dsp:txXfrm rot="-5400000">
-        <a:off x="3725603" y="4567180"/>
-        <a:ext cx="199701" cy="211627"/>
+        <a:off x="3762195" y="3822097"/>
+        <a:ext cx="167065" cy="177038"/>
       </dsp:txXfrm>
     </dsp:sp>
     <dsp:sp modelId="{3D7F7322-53B4-41B9-9E72-0AAACD791497}">
@@ -3386,8 +3610,8 @@
       </dsp:nvSpPr>
       <dsp:spPr>
         <a:xfrm>
-          <a:off x="757847" y="4919873"/>
-          <a:ext cx="6120008" cy="716588"/>
+          <a:off x="1278719" y="4117148"/>
+          <a:ext cx="5119828" cy="838312"/>
         </a:xfrm>
         <a:prstGeom prst="roundRect">
           <a:avLst>
@@ -3402,7 +3626,7 @@
                 <a:hueOff val="0"/>
                 <a:satOff val="0"/>
                 <a:lumOff val="0"/>
-                <a:alphaOff val="-32000"/>
+                <a:alphaOff val="-26667"/>
                 <a:lumMod val="110000"/>
                 <a:satMod val="105000"/>
                 <a:tint val="67000"/>
@@ -3414,7 +3638,7 @@
                 <a:hueOff val="0"/>
                 <a:satOff val="0"/>
                 <a:lumOff val="0"/>
-                <a:alphaOff val="-32000"/>
+                <a:alphaOff val="-26667"/>
                 <a:lumMod val="105000"/>
                 <a:satMod val="103000"/>
                 <a:tint val="73000"/>
@@ -3426,7 +3650,7 @@
                 <a:hueOff val="0"/>
                 <a:satOff val="0"/>
                 <a:lumOff val="0"/>
-                <a:alphaOff val="-32000"/>
+                <a:alphaOff val="-26667"/>
                 <a:lumMod val="105000"/>
                 <a:satMod val="109000"/>
                 <a:tint val="81000"/>
@@ -3553,18 +3777,14 @@
           </a:r>
           <a:r>
             <a:rPr lang="en-US" sz="900" kern="1200" dirty="0" smtClean="0"/>
-            <a:t> to </a:t>
-          </a:r>
-          <a:r>
-            <a:rPr lang="en-US" sz="900" kern="1200" dirty="0" smtClean="0"/>
-            <a:t>margin, Land use intensity per partition</a:t>
+            <a:t> to margin, Land use intensity per partition</a:t>
           </a:r>
           <a:endParaRPr lang="en-US" sz="900" kern="1200" dirty="0"/>
         </a:p>
       </dsp:txBody>
       <dsp:txXfrm>
-        <a:off x="778835" y="4940861"/>
-        <a:ext cx="6078032" cy="674612"/>
+        <a:off x="1303272" y="4141701"/>
+        <a:ext cx="5070722" cy="789206"/>
       </dsp:txXfrm>
     </dsp:sp>
     <dsp:sp modelId="{AE9CB4F5-053D-4F08-A1E7-809CD882C798}">
@@ -3574,8 +3794,258 @@
       </dsp:nvSpPr>
       <dsp:spPr>
         <a:xfrm rot="5400000">
-          <a:off x="3679169" y="5654952"/>
-          <a:ext cx="277363" cy="332835"/>
+          <a:off x="3722616" y="4970929"/>
+          <a:ext cx="232034" cy="278441"/>
+        </a:xfrm>
+        <a:prstGeom prst="rightArrow">
+          <a:avLst>
+            <a:gd name="adj1" fmla="val 60000"/>
+            <a:gd name="adj2" fmla="val 50000"/>
+          </a:avLst>
+        </a:prstGeom>
+        <a:gradFill rotWithShape="0">
+          <a:gsLst>
+            <a:gs pos="0">
+              <a:schemeClr val="accent6">
+                <a:shade val="90000"/>
+                <a:hueOff val="303896"/>
+                <a:satOff val="-12138"/>
+                <a:lumOff val="28153"/>
+                <a:alphaOff val="0"/>
+                <a:lumMod val="110000"/>
+                <a:satMod val="105000"/>
+                <a:tint val="67000"/>
+              </a:schemeClr>
+            </a:gs>
+            <a:gs pos="50000">
+              <a:schemeClr val="accent6">
+                <a:shade val="90000"/>
+                <a:hueOff val="303896"/>
+                <a:satOff val="-12138"/>
+                <a:lumOff val="28153"/>
+                <a:alphaOff val="0"/>
+                <a:lumMod val="105000"/>
+                <a:satMod val="103000"/>
+                <a:tint val="73000"/>
+              </a:schemeClr>
+            </a:gs>
+            <a:gs pos="100000">
+              <a:schemeClr val="accent6">
+                <a:shade val="90000"/>
+                <a:hueOff val="303896"/>
+                <a:satOff val="-12138"/>
+                <a:lumOff val="28153"/>
+                <a:alphaOff val="0"/>
+                <a:lumMod val="105000"/>
+                <a:satMod val="109000"/>
+                <a:tint val="81000"/>
+              </a:schemeClr>
+            </a:gs>
+          </a:gsLst>
+          <a:lin ang="5400000" scaled="0"/>
+        </a:gradFill>
+        <a:ln>
+          <a:noFill/>
+        </a:ln>
+        <a:effectLst/>
+      </dsp:spPr>
+      <dsp:style>
+        <a:lnRef idx="0">
+          <a:scrgbClr r="0" g="0" b="0"/>
+        </a:lnRef>
+        <a:fillRef idx="2">
+          <a:scrgbClr r="0" g="0" b="0"/>
+        </a:fillRef>
+        <a:effectRef idx="1">
+          <a:scrgbClr r="0" g="0" b="0"/>
+        </a:effectRef>
+        <a:fontRef idx="minor">
+          <a:schemeClr val="dk1"/>
+        </a:fontRef>
+      </dsp:style>
+      <dsp:txBody>
+        <a:bodyPr spcFirstLastPara="0" vert="horz" wrap="square" lIns="0" tIns="0" rIns="0" bIns="0" numCol="1" spcCol="1270" anchor="ctr" anchorCtr="0">
+          <a:noAutofit/>
+        </a:bodyPr>
+        <a:lstStyle/>
+        <a:p>
+          <a:pPr lvl="0" algn="ctr" defTabSz="488950">
+            <a:lnSpc>
+              <a:spcPct val="90000"/>
+            </a:lnSpc>
+            <a:spcBef>
+              <a:spcPct val="0"/>
+            </a:spcBef>
+            <a:spcAft>
+              <a:spcPct val="35000"/>
+            </a:spcAft>
+          </a:pPr>
+          <a:endParaRPr lang="en-US" sz="1100" kern="1200" dirty="0"/>
+        </a:p>
+      </dsp:txBody>
+      <dsp:txXfrm rot="-5400000">
+        <a:off x="3755101" y="4994132"/>
+        <a:ext cx="167065" cy="162424"/>
+      </dsp:txXfrm>
+    </dsp:sp>
+    <dsp:sp modelId="{0623080B-F2D3-4BDD-A4AE-88ADA437E8EF}">
+      <dsp:nvSpPr>
+        <dsp:cNvPr id="0" name=""/>
+        <dsp:cNvSpPr/>
+      </dsp:nvSpPr>
+      <dsp:spPr>
+        <a:xfrm>
+          <a:off x="1278719" y="5264839"/>
+          <a:ext cx="5119828" cy="408869"/>
+        </a:xfrm>
+        <a:prstGeom prst="roundRect">
+          <a:avLst>
+            <a:gd name="adj" fmla="val 10000"/>
+          </a:avLst>
+        </a:prstGeom>
+        <a:gradFill rotWithShape="0">
+          <a:gsLst>
+            <a:gs pos="0">
+              <a:schemeClr val="accent6">
+                <a:alpha val="90000"/>
+                <a:hueOff val="0"/>
+                <a:satOff val="0"/>
+                <a:lumOff val="0"/>
+                <a:alphaOff val="-33333"/>
+                <a:lumMod val="110000"/>
+                <a:satMod val="105000"/>
+                <a:tint val="67000"/>
+              </a:schemeClr>
+            </a:gs>
+            <a:gs pos="50000">
+              <a:schemeClr val="accent6">
+                <a:alpha val="90000"/>
+                <a:hueOff val="0"/>
+                <a:satOff val="0"/>
+                <a:lumOff val="0"/>
+                <a:alphaOff val="-33333"/>
+                <a:lumMod val="105000"/>
+                <a:satMod val="103000"/>
+                <a:tint val="73000"/>
+              </a:schemeClr>
+            </a:gs>
+            <a:gs pos="100000">
+              <a:schemeClr val="accent6">
+                <a:alpha val="90000"/>
+                <a:hueOff val="0"/>
+                <a:satOff val="0"/>
+                <a:lumOff val="0"/>
+                <a:alphaOff val="-33333"/>
+                <a:lumMod val="105000"/>
+                <a:satMod val="109000"/>
+                <a:tint val="81000"/>
+              </a:schemeClr>
+            </a:gs>
+          </a:gsLst>
+          <a:lin ang="5400000" scaled="0"/>
+        </a:gradFill>
+        <a:ln>
+          <a:noFill/>
+        </a:ln>
+        <a:effectLst/>
+        <a:scene3d>
+          <a:camera prst="orthographicFront"/>
+          <a:lightRig rig="flat" dir="t"/>
+        </a:scene3d>
+        <a:sp3d prstMaterial="dkEdge">
+          <a:bevelT w="8200" h="38100"/>
+        </a:sp3d>
+      </dsp:spPr>
+      <dsp:style>
+        <a:lnRef idx="0">
+          <a:scrgbClr r="0" g="0" b="0"/>
+        </a:lnRef>
+        <a:fillRef idx="2">
+          <a:scrgbClr r="0" g="0" b="0"/>
+        </a:fillRef>
+        <a:effectRef idx="1">
+          <a:scrgbClr r="0" g="0" b="0"/>
+        </a:effectRef>
+        <a:fontRef idx="minor">
+          <a:schemeClr val="dk1"/>
+        </a:fontRef>
+      </dsp:style>
+      <dsp:txBody>
+        <a:bodyPr spcFirstLastPara="0" vert="horz" wrap="square" lIns="34290" tIns="34290" rIns="34290" bIns="34290" numCol="1" spcCol="1270" anchor="ctr" anchorCtr="0">
+          <a:noAutofit/>
+        </a:bodyPr>
+        <a:lstStyle/>
+        <a:p>
+          <a:pPr lvl="0" algn="l" defTabSz="400050">
+            <a:lnSpc>
+              <a:spcPct val="90000"/>
+            </a:lnSpc>
+            <a:spcBef>
+              <a:spcPct val="0"/>
+            </a:spcBef>
+            <a:spcAft>
+              <a:spcPct val="35000"/>
+            </a:spcAft>
+          </a:pPr>
+          <a:r>
+            <a:rPr lang="en-US" sz="900" b="1" kern="1200" dirty="0" smtClean="0"/>
+            <a:t>Transfer data</a:t>
+          </a:r>
+          <a:endParaRPr lang="en-US" sz="900" b="1" kern="1200" dirty="0"/>
+        </a:p>
+        <a:p>
+          <a:pPr marL="57150" lvl="1" indent="-57150" algn="l" defTabSz="400050">
+            <a:lnSpc>
+              <a:spcPct val="90000"/>
+            </a:lnSpc>
+            <a:spcBef>
+              <a:spcPct val="0"/>
+            </a:spcBef>
+            <a:spcAft>
+              <a:spcPct val="15000"/>
+            </a:spcAft>
+            <a:buChar char="••"/>
+          </a:pPr>
+          <a:r>
+            <a:rPr lang="en-US" sz="900" kern="1200" dirty="0" smtClean="0"/>
+            <a:t> Run the transfer margin data to segment tool to pass margin based information over to segment</a:t>
+          </a:r>
+          <a:endParaRPr lang="en-US" sz="900" kern="1200" dirty="0"/>
+        </a:p>
+        <a:p>
+          <a:pPr marL="57150" lvl="1" indent="-57150" algn="l" defTabSz="400050">
+            <a:lnSpc>
+              <a:spcPct val="90000"/>
+            </a:lnSpc>
+            <a:spcBef>
+              <a:spcPct val="0"/>
+            </a:spcBef>
+            <a:spcAft>
+              <a:spcPct val="15000"/>
+            </a:spcAft>
+            <a:buChar char="••"/>
+          </a:pPr>
+          <a:r>
+            <a:rPr lang="en-US" sz="900" kern="1200" dirty="0" smtClean="0"/>
+            <a:t> Run transfer DoD data to segment tool</a:t>
+          </a:r>
+          <a:endParaRPr lang="en-US" sz="900" kern="1200" dirty="0"/>
+        </a:p>
+      </dsp:txBody>
+      <dsp:txXfrm>
+        <a:off x="1290694" y="5276814"/>
+        <a:ext cx="5095878" cy="384919"/>
+      </dsp:txXfrm>
+    </dsp:sp>
+    <dsp:sp modelId="{E04BC851-4077-4081-A3BE-7625339DCA10}">
+      <dsp:nvSpPr>
+        <dsp:cNvPr id="0" name=""/>
+        <dsp:cNvSpPr/>
+      </dsp:nvSpPr>
+      <dsp:spPr>
+        <a:xfrm rot="5400000">
+          <a:off x="3722616" y="5689177"/>
+          <a:ext cx="232034" cy="278441"/>
         </a:xfrm>
         <a:prstGeom prst="rightArrow">
           <a:avLst>
@@ -3649,7 +4119,7 @@
         </a:bodyPr>
         <a:lstStyle/>
         <a:p>
-          <a:pPr lvl="0" algn="ctr" defTabSz="577850">
+          <a:pPr lvl="0" algn="ctr" defTabSz="488950">
             <a:lnSpc>
               <a:spcPct val="90000"/>
             </a:lnSpc>
@@ -3660,23 +4130,23 @@
               <a:spcPct val="35000"/>
             </a:spcAft>
           </a:pPr>
-          <a:endParaRPr lang="en-US" sz="1300" kern="1200" dirty="0"/>
+          <a:endParaRPr lang="en-US" sz="1100" kern="1200"/>
         </a:p>
       </dsp:txBody>
       <dsp:txXfrm rot="-5400000">
-        <a:off x="3718001" y="5682688"/>
-        <a:ext cx="199701" cy="194154"/>
+        <a:off x="3755101" y="5712380"/>
+        <a:ext cx="167065" cy="162424"/>
       </dsp:txXfrm>
     </dsp:sp>
-    <dsp:sp modelId="{0623080B-F2D3-4BDD-A4AE-88ADA437E8EF}">
+    <dsp:sp modelId="{D2E47E72-15F6-4EFC-A61F-8766144EE0D8}">
       <dsp:nvSpPr>
         <dsp:cNvPr id="0" name=""/>
         <dsp:cNvSpPr/>
       </dsp:nvSpPr>
       <dsp:spPr>
         <a:xfrm>
-          <a:off x="757847" y="6006279"/>
-          <a:ext cx="6120008" cy="488743"/>
+          <a:off x="1276528" y="5983088"/>
+          <a:ext cx="5124209" cy="794151"/>
         </a:xfrm>
         <a:prstGeom prst="roundRect">
           <a:avLst>
@@ -3769,9 +4239,27 @@
           </a:pPr>
           <a:r>
             <a:rPr lang="en-US" sz="900" b="1" kern="1200" dirty="0" smtClean="0"/>
-            <a:t>Transfer data</a:t>
+            <a:t>Compute bankside/island area of erosion/deposition</a:t>
           </a:r>
-          <a:endParaRPr lang="en-US" sz="900" b="1" kern="1200" dirty="0"/>
+        </a:p>
+        <a:p>
+          <a:pPr marL="57150" lvl="1" indent="-57150" algn="l" defTabSz="400050">
+            <a:lnSpc>
+              <a:spcPct val="90000"/>
+            </a:lnSpc>
+            <a:spcBef>
+              <a:spcPct val="0"/>
+            </a:spcBef>
+            <a:spcAft>
+              <a:spcPct val="15000"/>
+            </a:spcAft>
+            <a:buChar char="••"/>
+          </a:pPr>
+          <a:r>
+            <a:rPr lang="en-US" sz="900" b="0" kern="1200" dirty="0" smtClean="0"/>
+            <a:t>Run compute area of erosion/deposition based upon bank lines</a:t>
+          </a:r>
+          <a:endParaRPr lang="en-US" sz="900" kern="1200" dirty="0"/>
         </a:p>
         <a:p>
           <a:pPr marL="57150" lvl="1" indent="-57150" algn="l" defTabSz="400050">
@@ -3788,7 +4276,7 @@
           </a:pPr>
           <a:r>
             <a:rPr lang="en-US" sz="900" kern="1200" dirty="0" smtClean="0"/>
-            <a:t> Run the transfer margin data to segment tool to pass margin based information over to segment</a:t>
+            <a:t>Run compute area of erosion/deposition for island bank lines</a:t>
           </a:r>
           <a:endParaRPr lang="en-US" sz="900" kern="1200" dirty="0"/>
         </a:p>
@@ -3807,14 +4295,33 @@
           </a:pPr>
           <a:r>
             <a:rPr lang="en-US" sz="900" kern="1200" dirty="0" smtClean="0"/>
-            <a:t> Run transfer DoD data to segment tool</a:t>
+            <a:t>Run Transfer bank data to segments</a:t>
           </a:r>
           <a:endParaRPr lang="en-US" sz="900" kern="1200" dirty="0"/>
         </a:p>
+        <a:p>
+          <a:pPr marL="57150" lvl="1" indent="-57150" algn="l" defTabSz="400050">
+            <a:lnSpc>
+              <a:spcPct val="90000"/>
+            </a:lnSpc>
+            <a:spcBef>
+              <a:spcPct val="0"/>
+            </a:spcBef>
+            <a:spcAft>
+              <a:spcPct val="15000"/>
+            </a:spcAft>
+            <a:buChar char="••"/>
+          </a:pPr>
+          <a:r>
+            <a:rPr lang="en-US" sz="900" kern="1200" dirty="0" smtClean="0"/>
+            <a:t>Create Risk Map</a:t>
+          </a:r>
+          <a:endParaRPr lang="en-US" sz="900" kern="1200" dirty="0"/>
+        </a:p>
       </dsp:txBody>
       <dsp:txXfrm>
-        <a:off x="772162" y="6020594"/>
-        <a:ext cx="6091378" cy="460113"/>
+        <a:off x="1299788" y="6006348"/>
+        <a:ext cx="5077689" cy="747631"/>
       </dsp:txXfrm>
     </dsp:sp>
   </dsp:spTree>
@@ -5161,7 +5668,7 @@
           <a:p>
             <a:fld id="{614C4262-CD6F-46A5-9B43-B159DA78181C}" type="datetimeFigureOut">
               <a:rPr lang="en-GB" smtClean="0"/>
-              <a:t>12/02/2019</a:t>
+              <a:t>26/03/2019</a:t>
             </a:fld>
             <a:endParaRPr lang="en-GB" dirty="0"/>
           </a:p>
@@ -5331,7 +5838,7 @@
           <a:p>
             <a:fld id="{614C4262-CD6F-46A5-9B43-B159DA78181C}" type="datetimeFigureOut">
               <a:rPr lang="en-GB" smtClean="0"/>
-              <a:t>12/02/2019</a:t>
+              <a:t>26/03/2019</a:t>
             </a:fld>
             <a:endParaRPr lang="en-GB" dirty="0"/>
           </a:p>
@@ -5511,7 +6018,7 @@
           <a:p>
             <a:fld id="{614C4262-CD6F-46A5-9B43-B159DA78181C}" type="datetimeFigureOut">
               <a:rPr lang="en-GB" smtClean="0"/>
-              <a:t>12/02/2019</a:t>
+              <a:t>26/03/2019</a:t>
             </a:fld>
             <a:endParaRPr lang="en-GB" dirty="0"/>
           </a:p>
@@ -5681,7 +6188,7 @@
           <a:p>
             <a:fld id="{614C4262-CD6F-46A5-9B43-B159DA78181C}" type="datetimeFigureOut">
               <a:rPr lang="en-GB" smtClean="0"/>
-              <a:t>12/02/2019</a:t>
+              <a:t>26/03/2019</a:t>
             </a:fld>
             <a:endParaRPr lang="en-GB" dirty="0"/>
           </a:p>
@@ -5927,7 +6434,7 @@
           <a:p>
             <a:fld id="{614C4262-CD6F-46A5-9B43-B159DA78181C}" type="datetimeFigureOut">
               <a:rPr lang="en-GB" smtClean="0"/>
-              <a:t>12/02/2019</a:t>
+              <a:t>26/03/2019</a:t>
             </a:fld>
             <a:endParaRPr lang="en-GB" dirty="0"/>
           </a:p>
@@ -6159,7 +6666,7 @@
           <a:p>
             <a:fld id="{614C4262-CD6F-46A5-9B43-B159DA78181C}" type="datetimeFigureOut">
               <a:rPr lang="en-GB" smtClean="0"/>
-              <a:t>12/02/2019</a:t>
+              <a:t>26/03/2019</a:t>
             </a:fld>
             <a:endParaRPr lang="en-GB" dirty="0"/>
           </a:p>
@@ -6526,7 +7033,7 @@
           <a:p>
             <a:fld id="{614C4262-CD6F-46A5-9B43-B159DA78181C}" type="datetimeFigureOut">
               <a:rPr lang="en-GB" smtClean="0"/>
-              <a:t>12/02/2019</a:t>
+              <a:t>26/03/2019</a:t>
             </a:fld>
             <a:endParaRPr lang="en-GB" dirty="0"/>
           </a:p>
@@ -6644,7 +7151,7 @@
           <a:p>
             <a:fld id="{614C4262-CD6F-46A5-9B43-B159DA78181C}" type="datetimeFigureOut">
               <a:rPr lang="en-GB" smtClean="0"/>
-              <a:t>12/02/2019</a:t>
+              <a:t>26/03/2019</a:t>
             </a:fld>
             <a:endParaRPr lang="en-GB" dirty="0"/>
           </a:p>
@@ -6739,7 +7246,7 @@
           <a:p>
             <a:fld id="{614C4262-CD6F-46A5-9B43-B159DA78181C}" type="datetimeFigureOut">
               <a:rPr lang="en-GB" smtClean="0"/>
-              <a:t>12/02/2019</a:t>
+              <a:t>26/03/2019</a:t>
             </a:fld>
             <a:endParaRPr lang="en-GB" dirty="0"/>
           </a:p>
@@ -7016,7 +7523,7 @@
           <a:p>
             <a:fld id="{614C4262-CD6F-46A5-9B43-B159DA78181C}" type="datetimeFigureOut">
               <a:rPr lang="en-GB" smtClean="0"/>
-              <a:t>12/02/2019</a:t>
+              <a:t>26/03/2019</a:t>
             </a:fld>
             <a:endParaRPr lang="en-GB" dirty="0"/>
           </a:p>
@@ -7269,7 +7776,7 @@
           <a:p>
             <a:fld id="{614C4262-CD6F-46A5-9B43-B159DA78181C}" type="datetimeFigureOut">
               <a:rPr lang="en-GB" smtClean="0"/>
-              <a:t>12/02/2019</a:t>
+              <a:t>26/03/2019</a:t>
             </a:fld>
             <a:endParaRPr lang="en-GB" dirty="0"/>
           </a:p>
@@ -7482,7 +7989,7 @@
           <a:p>
             <a:fld id="{614C4262-CD6F-46A5-9B43-B159DA78181C}" type="datetimeFigureOut">
               <a:rPr lang="en-GB" smtClean="0"/>
-              <a:t>12/02/2019</a:t>
+              <a:t>26/03/2019</a:t>
             </a:fld>
             <a:endParaRPr lang="en-GB" dirty="0"/>
           </a:p>
@@ -7894,14 +8401,14 @@
           <p:nvPr>
             <p:extLst>
               <p:ext uri="{D42A27DB-BD31-4B8C-83A1-F6EECF244321}">
-                <p14:modId xmlns:p14="http://schemas.microsoft.com/office/powerpoint/2010/main" val="4084016684"/>
+                <p14:modId xmlns:p14="http://schemas.microsoft.com/office/powerpoint/2010/main" val="2135427255"/>
               </p:ext>
             </p:extLst>
           </p:nvPr>
         </p:nvGraphicFramePr>
         <p:xfrm>
-          <a:off x="1807555" y="124692"/>
-          <a:ext cx="7635703" cy="6500552"/>
+          <a:off x="1807555" y="74815"/>
+          <a:ext cx="7677267" cy="6783185"/>
         </p:xfrm>
         <a:graphic>
           <a:graphicData uri="http://schemas.openxmlformats.org/drawingml/2006/diagram">
